--- a/Networks/Issledovanie_nauchnogo_sotrudnichestva_v_Novoy_Zelandii.pptx
+++ b/Networks/Issledovanie_nauchnogo_sotrudnichestva_v_Novoy_Zelandii.pptx
@@ -8,41 +8,40 @@
     <p:sldId id="256" r:id="rId2"/>
     <p:sldId id="257" r:id="rId3"/>
     <p:sldId id="258" r:id="rId4"/>
-    <p:sldId id="259" r:id="rId5"/>
-    <p:sldId id="261" r:id="rId6"/>
-    <p:sldId id="262" r:id="rId7"/>
-    <p:sldId id="263" r:id="rId8"/>
-    <p:sldId id="270" r:id="rId9"/>
-    <p:sldId id="264" r:id="rId10"/>
-    <p:sldId id="265" r:id="rId11"/>
-    <p:sldId id="266" r:id="rId12"/>
-    <p:sldId id="267" r:id="rId13"/>
-    <p:sldId id="268" r:id="rId14"/>
-    <p:sldId id="269" r:id="rId15"/>
-    <p:sldId id="271" r:id="rId16"/>
-    <p:sldId id="272" r:id="rId17"/>
-    <p:sldId id="273" r:id="rId18"/>
-    <p:sldId id="278" r:id="rId19"/>
-    <p:sldId id="274" r:id="rId20"/>
-    <p:sldId id="275" r:id="rId21"/>
-    <p:sldId id="276" r:id="rId22"/>
-    <p:sldId id="277" r:id="rId23"/>
-    <p:sldId id="279" r:id="rId24"/>
-    <p:sldId id="280" r:id="rId25"/>
-    <p:sldId id="281" r:id="rId26"/>
-    <p:sldId id="282" r:id="rId27"/>
-    <p:sldId id="283" r:id="rId28"/>
-    <p:sldId id="284" r:id="rId29"/>
-    <p:sldId id="285" r:id="rId30"/>
-    <p:sldId id="286" r:id="rId31"/>
-    <p:sldId id="287" r:id="rId32"/>
-    <p:sldId id="288" r:id="rId33"/>
-    <p:sldId id="289" r:id="rId34"/>
-    <p:sldId id="290" r:id="rId35"/>
-    <p:sldId id="291" r:id="rId36"/>
-    <p:sldId id="292" r:id="rId37"/>
-    <p:sldId id="293" r:id="rId38"/>
-    <p:sldId id="294" r:id="rId39"/>
+    <p:sldId id="261" r:id="rId5"/>
+    <p:sldId id="262" r:id="rId6"/>
+    <p:sldId id="263" r:id="rId7"/>
+    <p:sldId id="270" r:id="rId8"/>
+    <p:sldId id="264" r:id="rId9"/>
+    <p:sldId id="265" r:id="rId10"/>
+    <p:sldId id="266" r:id="rId11"/>
+    <p:sldId id="267" r:id="rId12"/>
+    <p:sldId id="268" r:id="rId13"/>
+    <p:sldId id="269" r:id="rId14"/>
+    <p:sldId id="271" r:id="rId15"/>
+    <p:sldId id="272" r:id="rId16"/>
+    <p:sldId id="273" r:id="rId17"/>
+    <p:sldId id="278" r:id="rId18"/>
+    <p:sldId id="274" r:id="rId19"/>
+    <p:sldId id="275" r:id="rId20"/>
+    <p:sldId id="276" r:id="rId21"/>
+    <p:sldId id="277" r:id="rId22"/>
+    <p:sldId id="279" r:id="rId23"/>
+    <p:sldId id="280" r:id="rId24"/>
+    <p:sldId id="281" r:id="rId25"/>
+    <p:sldId id="282" r:id="rId26"/>
+    <p:sldId id="283" r:id="rId27"/>
+    <p:sldId id="284" r:id="rId28"/>
+    <p:sldId id="285" r:id="rId29"/>
+    <p:sldId id="286" r:id="rId30"/>
+    <p:sldId id="287" r:id="rId31"/>
+    <p:sldId id="288" r:id="rId32"/>
+    <p:sldId id="289" r:id="rId33"/>
+    <p:sldId id="290" r:id="rId34"/>
+    <p:sldId id="291" r:id="rId35"/>
+    <p:sldId id="292" r:id="rId36"/>
+    <p:sldId id="293" r:id="rId37"/>
+    <p:sldId id="294" r:id="rId38"/>
   </p:sldIdLst>
   <p:sldSz cx="12192000" cy="6858000"/>
   <p:notesSz cx="6858000" cy="9144000"/>
@@ -3091,136 +3090,6 @@
             <a:pPr algn="ctr"/>
             <a:r>
               <a:rPr lang="ru-RU" dirty="0"/>
-              <a:t>Модель </a:t>
-            </a:r>
-            <a:r>
-              <a:rPr lang="ru-RU" dirty="0" err="1"/>
-              <a:t>Эрдеша-Реньи</a:t>
-            </a:r>
-            <a:endParaRPr lang="ru-RU" dirty="0"/>
-          </a:p>
-        </p:txBody>
-      </p:sp>
-      <p:pic>
-        <p:nvPicPr>
-          <p:cNvPr id="4" name="Рисунок 3"/>
-          <p:cNvPicPr>
-            <a:picLocks noChangeAspect="1"/>
-          </p:cNvPicPr>
-          <p:nvPr/>
-        </p:nvPicPr>
-        <p:blipFill>
-          <a:blip r:embed="rId2"/>
-          <a:stretch>
-            <a:fillRect/>
-          </a:stretch>
-        </p:blipFill>
-        <p:spPr>
-          <a:xfrm>
-            <a:off x="85060" y="1401890"/>
-            <a:ext cx="3892135" cy="2568809"/>
-          </a:xfrm>
-          <a:prstGeom prst="rect">
-            <a:avLst/>
-          </a:prstGeom>
-        </p:spPr>
-      </p:pic>
-      <p:pic>
-        <p:nvPicPr>
-          <p:cNvPr id="5" name="Рисунок 4"/>
-          <p:cNvPicPr>
-            <a:picLocks noChangeAspect="1"/>
-          </p:cNvPicPr>
-          <p:nvPr/>
-        </p:nvPicPr>
-        <p:blipFill>
-          <a:blip r:embed="rId3"/>
-          <a:stretch>
-            <a:fillRect/>
-          </a:stretch>
-        </p:blipFill>
-        <p:spPr>
-          <a:xfrm>
-            <a:off x="3616992" y="3744363"/>
-            <a:ext cx="4341327" cy="2871788"/>
-          </a:xfrm>
-          <a:prstGeom prst="rect">
-            <a:avLst/>
-          </a:prstGeom>
-        </p:spPr>
-      </p:pic>
-      <p:pic>
-        <p:nvPicPr>
-          <p:cNvPr id="3" name="Рисунок 2"/>
-          <p:cNvPicPr>
-            <a:picLocks noChangeAspect="1"/>
-          </p:cNvPicPr>
-          <p:nvPr/>
-        </p:nvPicPr>
-        <p:blipFill>
-          <a:blip r:embed="rId4"/>
-          <a:stretch>
-            <a:fillRect/>
-          </a:stretch>
-        </p:blipFill>
-        <p:spPr>
-          <a:xfrm>
-            <a:off x="7371320" y="1292358"/>
-            <a:ext cx="4792392" cy="2960666"/>
-          </a:xfrm>
-          <a:prstGeom prst="rect">
-            <a:avLst/>
-          </a:prstGeom>
-        </p:spPr>
-      </p:pic>
-    </p:spTree>
-    <p:extLst>
-      <p:ext uri="{BB962C8B-B14F-4D97-AF65-F5344CB8AC3E}">
-        <p14:creationId xmlns:p14="http://schemas.microsoft.com/office/powerpoint/2010/main" val="572788586"/>
-      </p:ext>
-    </p:extLst>
-  </p:cSld>
-  <p:clrMapOvr>
-    <a:masterClrMapping/>
-  </p:clrMapOvr>
-</p:sld>
-</file>
-
-<file path=ppt/slides/slide11.xml><?xml version="1.0" encoding="utf-8"?>
-<p:sld xmlns:a="http://schemas.openxmlformats.org/drawingml/2006/main" xmlns:r="http://schemas.openxmlformats.org/officeDocument/2006/relationships" xmlns:p="http://schemas.openxmlformats.org/presentationml/2006/main">
-  <p:cSld>
-    <p:spTree>
-      <p:nvGrpSpPr>
-        <p:cNvPr id="1" name=""/>
-        <p:cNvGrpSpPr/>
-        <p:nvPr/>
-      </p:nvGrpSpPr>
-      <p:grpSpPr>
-        <a:xfrm>
-          <a:off x="0" y="0"/>
-          <a:ext cx="0" cy="0"/>
-          <a:chOff x="0" y="0"/>
-          <a:chExt cx="0" cy="0"/>
-        </a:xfrm>
-      </p:grpSpPr>
-      <p:sp>
-        <p:nvSpPr>
-          <p:cNvPr id="2" name="Заголовок 1"/>
-          <p:cNvSpPr>
-            <a:spLocks noGrp="1"/>
-          </p:cNvSpPr>
-          <p:nvPr>
-            <p:ph type="title"/>
-          </p:nvPr>
-        </p:nvSpPr>
-        <p:spPr/>
-        <p:txBody>
-          <a:bodyPr/>
-          <a:lstStyle/>
-          <a:p>
-            <a:pPr algn="ctr"/>
-            <a:r>
-              <a:rPr lang="ru-RU" dirty="0"/>
               <a:t>Модель малого мира</a:t>
             </a:r>
           </a:p>
@@ -3293,7 +3162,7 @@
 </p:sld>
 </file>
 
-<file path=ppt/slides/slide12.xml><?xml version="1.0" encoding="utf-8"?>
+<file path=ppt/slides/slide11.xml><?xml version="1.0" encoding="utf-8"?>
 <p:sld xmlns:a="http://schemas.openxmlformats.org/drawingml/2006/main" xmlns:r="http://schemas.openxmlformats.org/officeDocument/2006/relationships" xmlns:p="http://schemas.openxmlformats.org/presentationml/2006/main">
   <p:cSld>
     <p:spTree>
@@ -3553,7 +3422,7 @@
 </p:sld>
 </file>
 
-<file path=ppt/slides/slide13.xml><?xml version="1.0" encoding="utf-8"?>
+<file path=ppt/slides/slide12.xml><?xml version="1.0" encoding="utf-8"?>
 <p:sld xmlns:a="http://schemas.openxmlformats.org/drawingml/2006/main" xmlns:r="http://schemas.openxmlformats.org/officeDocument/2006/relationships" xmlns:p="http://schemas.openxmlformats.org/presentationml/2006/main">
   <p:cSld>
     <p:spTree>
@@ -3630,7 +3499,7 @@
 </p:sld>
 </file>
 
-<file path=ppt/slides/slide14.xml><?xml version="1.0" encoding="utf-8"?>
+<file path=ppt/slides/slide13.xml><?xml version="1.0" encoding="utf-8"?>
 <p:sld xmlns:a="http://schemas.openxmlformats.org/drawingml/2006/main" xmlns:r="http://schemas.openxmlformats.org/officeDocument/2006/relationships" xmlns:p="http://schemas.openxmlformats.org/presentationml/2006/main">
   <p:cSld>
     <p:spTree>
@@ -3755,6 +3624,81 @@
 </p:sld>
 </file>
 
+<file path=ppt/slides/slide14.xml><?xml version="1.0" encoding="utf-8"?>
+<p:sld xmlns:a="http://schemas.openxmlformats.org/drawingml/2006/main" xmlns:r="http://schemas.openxmlformats.org/officeDocument/2006/relationships" xmlns:p="http://schemas.openxmlformats.org/presentationml/2006/main">
+  <p:cSld>
+    <p:spTree>
+      <p:nvGrpSpPr>
+        <p:cNvPr id="1" name=""/>
+        <p:cNvGrpSpPr/>
+        <p:nvPr/>
+      </p:nvGrpSpPr>
+      <p:grpSpPr>
+        <a:xfrm>
+          <a:off x="0" y="0"/>
+          <a:ext cx="0" cy="0"/>
+          <a:chOff x="0" y="0"/>
+          <a:chExt cx="0" cy="0"/>
+        </a:xfrm>
+      </p:grpSpPr>
+      <p:sp>
+        <p:nvSpPr>
+          <p:cNvPr id="2" name="Заголовок 1"/>
+          <p:cNvSpPr>
+            <a:spLocks noGrp="1"/>
+          </p:cNvSpPr>
+          <p:nvPr>
+            <p:ph type="title"/>
+          </p:nvPr>
+        </p:nvSpPr>
+        <p:spPr/>
+        <p:txBody>
+          <a:bodyPr/>
+          <a:lstStyle/>
+          <a:p>
+            <a:pPr algn="ctr"/>
+            <a:r>
+              <a:rPr lang="ru-RU" dirty="0"/>
+              <a:t>Выводы по заданию 2</a:t>
+            </a:r>
+          </a:p>
+        </p:txBody>
+      </p:sp>
+      <p:sp>
+        <p:nvSpPr>
+          <p:cNvPr id="3" name="Объект 2"/>
+          <p:cNvSpPr>
+            <a:spLocks noGrp="1"/>
+          </p:cNvSpPr>
+          <p:nvPr>
+            <p:ph idx="1"/>
+          </p:nvPr>
+        </p:nvSpPr>
+        <p:spPr/>
+        <p:txBody>
+          <a:bodyPr/>
+          <a:lstStyle/>
+          <a:p>
+            <a:r>
+              <a:rPr lang="ru-RU" dirty="0"/>
+              <a:t>Ни одна из теоретических моделей, известных нам, не описывает структуры нашего графа достаточно точно.</a:t>
+            </a:r>
+          </a:p>
+        </p:txBody>
+      </p:sp>
+    </p:spTree>
+    <p:extLst>
+      <p:ext uri="{BB962C8B-B14F-4D97-AF65-F5344CB8AC3E}">
+        <p14:creationId xmlns:p14="http://schemas.microsoft.com/office/powerpoint/2010/main" val="3525149972"/>
+      </p:ext>
+    </p:extLst>
+  </p:cSld>
+  <p:clrMapOvr>
+    <a:masterClrMapping/>
+  </p:clrMapOvr>
+</p:sld>
+</file>
+
 <file path=ppt/slides/slide15.xml><?xml version="1.0" encoding="utf-8"?>
 <p:sld xmlns:a="http://schemas.openxmlformats.org/drawingml/2006/main" xmlns:r="http://schemas.openxmlformats.org/officeDocument/2006/relationships" xmlns:p="http://schemas.openxmlformats.org/presentationml/2006/main">
   <p:cSld>
@@ -3790,7 +3734,7 @@
             <a:pPr algn="ctr"/>
             <a:r>
               <a:rPr lang="ru-RU" dirty="0"/>
-              <a:t>Выводы по заданию 2</a:t>
+              <a:t>Задание 3</a:t>
             </a:r>
           </a:p>
         </p:txBody>
@@ -3812,7 +3756,7 @@
           <a:p>
             <a:r>
               <a:rPr lang="ru-RU" dirty="0"/>
-              <a:t>Ни одна из теоретических моделей, известных нам, не описывает структуры нашего графа достаточно точно.</a:t>
+              <a:t>Для анализа используем обратные веса, т.к. их использование делает осмысленным расчет центральности по близости и кратчайшему пути, но не искажает остальных мер центральности вершин.</a:t>
             </a:r>
           </a:p>
         </p:txBody>
@@ -3820,7 +3764,7 @@
     </p:spTree>
     <p:extLst>
       <p:ext uri="{BB962C8B-B14F-4D97-AF65-F5344CB8AC3E}">
-        <p14:creationId xmlns:p14="http://schemas.microsoft.com/office/powerpoint/2010/main" val="3525149972"/>
+        <p14:creationId xmlns:p14="http://schemas.microsoft.com/office/powerpoint/2010/main" val="2661577600"/>
       </p:ext>
     </p:extLst>
   </p:cSld>
@@ -3865,81 +3809,6 @@
             <a:pPr algn="ctr"/>
             <a:r>
               <a:rPr lang="ru-RU" dirty="0"/>
-              <a:t>Задание 3</a:t>
-            </a:r>
-          </a:p>
-        </p:txBody>
-      </p:sp>
-      <p:sp>
-        <p:nvSpPr>
-          <p:cNvPr id="3" name="Объект 2"/>
-          <p:cNvSpPr>
-            <a:spLocks noGrp="1"/>
-          </p:cNvSpPr>
-          <p:nvPr>
-            <p:ph idx="1"/>
-          </p:nvPr>
-        </p:nvSpPr>
-        <p:spPr/>
-        <p:txBody>
-          <a:bodyPr/>
-          <a:lstStyle/>
-          <a:p>
-            <a:r>
-              <a:rPr lang="ru-RU" dirty="0"/>
-              <a:t>Для анализа используем обратные веса, т.к. их использование делает осмысленным расчет центральности по близости и кратчайшему пути, но не искажает остальных мер центральности вершин.</a:t>
-            </a:r>
-          </a:p>
-        </p:txBody>
-      </p:sp>
-    </p:spTree>
-    <p:extLst>
-      <p:ext uri="{BB962C8B-B14F-4D97-AF65-F5344CB8AC3E}">
-        <p14:creationId xmlns:p14="http://schemas.microsoft.com/office/powerpoint/2010/main" val="2661577600"/>
-      </p:ext>
-    </p:extLst>
-  </p:cSld>
-  <p:clrMapOvr>
-    <a:masterClrMapping/>
-  </p:clrMapOvr>
-</p:sld>
-</file>
-
-<file path=ppt/slides/slide17.xml><?xml version="1.0" encoding="utf-8"?>
-<p:sld xmlns:a="http://schemas.openxmlformats.org/drawingml/2006/main" xmlns:r="http://schemas.openxmlformats.org/officeDocument/2006/relationships" xmlns:p="http://schemas.openxmlformats.org/presentationml/2006/main">
-  <p:cSld>
-    <p:spTree>
-      <p:nvGrpSpPr>
-        <p:cNvPr id="1" name=""/>
-        <p:cNvGrpSpPr/>
-        <p:nvPr/>
-      </p:nvGrpSpPr>
-      <p:grpSpPr>
-        <a:xfrm>
-          <a:off x="0" y="0"/>
-          <a:ext cx="0" cy="0"/>
-          <a:chOff x="0" y="0"/>
-          <a:chExt cx="0" cy="0"/>
-        </a:xfrm>
-      </p:grpSpPr>
-      <p:sp>
-        <p:nvSpPr>
-          <p:cNvPr id="2" name="Заголовок 1"/>
-          <p:cNvSpPr>
-            <a:spLocks noGrp="1"/>
-          </p:cNvSpPr>
-          <p:nvPr>
-            <p:ph type="title"/>
-          </p:nvPr>
-        </p:nvSpPr>
-        <p:spPr/>
-        <p:txBody>
-          <a:bodyPr/>
-          <a:lstStyle/>
-          <a:p>
-            <a:pPr algn="ctr"/>
-            <a:r>
-              <a:rPr lang="ru-RU" dirty="0"/>
               <a:t>Центральность по степени</a:t>
             </a:r>
           </a:p>
@@ -4047,7 +3916,7 @@
 </p:sld>
 </file>
 
-<file path=ppt/slides/slide18.xml><?xml version="1.0" encoding="utf-8"?>
+<file path=ppt/slides/slide17.xml><?xml version="1.0" encoding="utf-8"?>
 <p:sld xmlns:a="http://schemas.openxmlformats.org/drawingml/2006/main" xmlns:r="http://schemas.openxmlformats.org/officeDocument/2006/relationships" xmlns:p="http://schemas.openxmlformats.org/presentationml/2006/main">
   <p:cSld>
     <p:spTree>
@@ -4126,7 +3995,7 @@
 </p:sld>
 </file>
 
-<file path=ppt/slides/slide19.xml><?xml version="1.0" encoding="utf-8"?>
+<file path=ppt/slides/slide18.xml><?xml version="1.0" encoding="utf-8"?>
 <p:sld xmlns:a="http://schemas.openxmlformats.org/drawingml/2006/main" xmlns:r="http://schemas.openxmlformats.org/officeDocument/2006/relationships" xmlns:p="http://schemas.openxmlformats.org/presentationml/2006/main">
   <p:cSld>
     <p:spTree>
@@ -4286,152 +4155,7 @@
 </p:sld>
 </file>
 
-<file path=ppt/slides/slide2.xml><?xml version="1.0" encoding="utf-8"?>
-<p:sld xmlns:a="http://schemas.openxmlformats.org/drawingml/2006/main" xmlns:r="http://schemas.openxmlformats.org/officeDocument/2006/relationships" xmlns:p="http://schemas.openxmlformats.org/presentationml/2006/main">
-  <p:cSld>
-    <p:spTree>
-      <p:nvGrpSpPr>
-        <p:cNvPr id="1" name=""/>
-        <p:cNvGrpSpPr/>
-        <p:nvPr/>
-      </p:nvGrpSpPr>
-      <p:grpSpPr>
-        <a:xfrm>
-          <a:off x="0" y="0"/>
-          <a:ext cx="0" cy="0"/>
-          <a:chOff x="0" y="0"/>
-          <a:chExt cx="0" cy="0"/>
-        </a:xfrm>
-      </p:grpSpPr>
-      <p:sp>
-        <p:nvSpPr>
-          <p:cNvPr id="2" name="Заголовок 1"/>
-          <p:cNvSpPr>
-            <a:spLocks noGrp="1"/>
-          </p:cNvSpPr>
-          <p:nvPr>
-            <p:ph type="title"/>
-          </p:nvPr>
-        </p:nvSpPr>
-        <p:spPr>
-          <a:xfrm>
-            <a:off x="838200" y="164158"/>
-            <a:ext cx="10515600" cy="1325563"/>
-          </a:xfrm>
-        </p:spPr>
-        <p:txBody>
-          <a:bodyPr/>
-          <a:lstStyle/>
-          <a:p>
-            <a:pPr algn="ctr"/>
-            <a:r>
-              <a:rPr lang="ru-RU" dirty="0"/>
-              <a:t>Описание данных</a:t>
-            </a:r>
-          </a:p>
-        </p:txBody>
-      </p:sp>
-      <p:sp>
-        <p:nvSpPr>
-          <p:cNvPr id="3" name="Объект 2"/>
-          <p:cNvSpPr>
-            <a:spLocks noGrp="1"/>
-          </p:cNvSpPr>
-          <p:nvPr>
-            <p:ph idx="1"/>
-          </p:nvPr>
-        </p:nvSpPr>
-        <p:spPr>
-          <a:xfrm>
-            <a:off x="838200" y="1600253"/>
-            <a:ext cx="10515600" cy="5333110"/>
-          </a:xfrm>
-        </p:spPr>
-        <p:txBody>
-          <a:bodyPr>
-            <a:normAutofit lnSpcReduction="10000"/>
-          </a:bodyPr>
-          <a:lstStyle/>
-          <a:p>
-            <a:r>
-              <a:rPr lang="ru-RU" dirty="0"/>
-              <a:t>Вершины - организации Новой Зеландии, которые занимаются написанием научных статей в качестве одного из видов деятельности.</a:t>
-            </a:r>
-          </a:p>
-          <a:p>
-            <a:r>
-              <a:rPr lang="ru-RU" dirty="0"/>
-              <a:t>Качественной характеристикой вершин является вид организации (государственная организации, высшее учебное заведение, коммерческое предприятие и частное некоммерческое предприятие).</a:t>
-            </a:r>
-          </a:p>
-          <a:p>
-            <a:r>
-              <a:rPr lang="ru-RU" dirty="0"/>
-              <a:t>Между </a:t>
-            </a:r>
-            <a:r>
-              <a:rPr lang="en-US" dirty="0" err="1"/>
-              <a:t>i</a:t>
-            </a:r>
-            <a:r>
-              <a:rPr lang="ru-RU" dirty="0"/>
-              <a:t>-ой и </a:t>
-            </a:r>
-            <a:r>
-              <a:rPr lang="en-US" dirty="0"/>
-              <a:t>j</a:t>
-            </a:r>
-            <a:r>
-              <a:rPr lang="ru-RU" dirty="0"/>
-              <a:t>-ой вершинами (организациями) существует ребро, если за период 2010-2015 гг. на </a:t>
-            </a:r>
-            <a:r>
-              <a:rPr lang="en-US" dirty="0"/>
-              <a:t>Scopus </a:t>
-            </a:r>
-            <a:r>
-              <a:rPr lang="ru-RU" dirty="0"/>
-              <a:t>была опубликована хотя бы одна статья, хотя бы один автор которой числится в организации </a:t>
-            </a:r>
-            <a:r>
-              <a:rPr lang="en-US" dirty="0" err="1"/>
-              <a:t>i</a:t>
-            </a:r>
-            <a:r>
-              <a:rPr lang="ru-RU" dirty="0"/>
-              <a:t>, а другой автор – в организации </a:t>
-            </a:r>
-            <a:r>
-              <a:rPr lang="en-US" dirty="0"/>
-              <a:t>j</a:t>
-            </a:r>
-            <a:r>
-              <a:rPr lang="ru-RU" dirty="0"/>
-              <a:t>.</a:t>
-            </a:r>
-          </a:p>
-          <a:p>
-            <a:r>
-              <a:rPr lang="ru-RU" dirty="0"/>
-              <a:t>Вес ребра отображает силу связи, а именно количество совместных опубликованных научных работ.</a:t>
-            </a:r>
-          </a:p>
-        </p:txBody>
-      </p:sp>
-    </p:spTree>
-    <p:extLst>
-      <p:ext uri="{BB962C8B-B14F-4D97-AF65-F5344CB8AC3E}">
-        <p14:creationId xmlns:p14="http://schemas.microsoft.com/office/powerpoint/2010/main" val="3360198896"/>
-      </p:ext>
-    </p:extLst>
-  </p:cSld>
-  <p:clrMapOvr>
-    <a:masterClrMapping/>
-  </p:clrMapOvr>
-</p:sld>
-</file>
-
-<file path=ppt/slides/slide20.xml><?xml version="1.0" encoding="utf-8"?>
+<file path=ppt/slides/slide19.xml><?xml version="1.0" encoding="utf-8"?>
 <p:sld xmlns:a="http://schemas.openxmlformats.org/drawingml/2006/main" xmlns:r="http://schemas.openxmlformats.org/officeDocument/2006/relationships" xmlns:p="http://schemas.openxmlformats.org/presentationml/2006/main">
   <p:cSld>
     <p:spTree>
@@ -4590,7 +4314,7 @@
 </p:sld>
 </file>
 
-<file path=ppt/slides/slide21.xml><?xml version="1.0" encoding="utf-8"?>
+<file path=ppt/slides/slide2.xml><?xml version="1.0" encoding="utf-8"?>
 <p:sld xmlns:a="http://schemas.openxmlformats.org/drawingml/2006/main" xmlns:r="http://schemas.openxmlformats.org/officeDocument/2006/relationships" xmlns:p="http://schemas.openxmlformats.org/presentationml/2006/main">
   <p:cSld>
     <p:spTree>
@@ -4617,6 +4341,151 @@
             <p:ph type="title"/>
           </p:nvPr>
         </p:nvSpPr>
+        <p:spPr>
+          <a:xfrm>
+            <a:off x="838200" y="164158"/>
+            <a:ext cx="10515600" cy="1325563"/>
+          </a:xfrm>
+        </p:spPr>
+        <p:txBody>
+          <a:bodyPr/>
+          <a:lstStyle/>
+          <a:p>
+            <a:pPr algn="ctr"/>
+            <a:r>
+              <a:rPr lang="ru-RU" dirty="0"/>
+              <a:t>Описание данных</a:t>
+            </a:r>
+          </a:p>
+        </p:txBody>
+      </p:sp>
+      <p:sp>
+        <p:nvSpPr>
+          <p:cNvPr id="3" name="Объект 2"/>
+          <p:cNvSpPr>
+            <a:spLocks noGrp="1"/>
+          </p:cNvSpPr>
+          <p:nvPr>
+            <p:ph idx="1"/>
+          </p:nvPr>
+        </p:nvSpPr>
+        <p:spPr>
+          <a:xfrm>
+            <a:off x="838200" y="1600253"/>
+            <a:ext cx="10515600" cy="5333110"/>
+          </a:xfrm>
+        </p:spPr>
+        <p:txBody>
+          <a:bodyPr>
+            <a:normAutofit lnSpcReduction="10000"/>
+          </a:bodyPr>
+          <a:lstStyle/>
+          <a:p>
+            <a:r>
+              <a:rPr lang="ru-RU" dirty="0"/>
+              <a:t>Вершины - организации Новой Зеландии, которые занимаются написанием научных статей в качестве одного из видов деятельности.</a:t>
+            </a:r>
+          </a:p>
+          <a:p>
+            <a:r>
+              <a:rPr lang="ru-RU" dirty="0"/>
+              <a:t>Качественной характеристикой вершин является вид организации (государственная организации, высшее учебное заведение, коммерческое предприятие и частное некоммерческое предприятие).</a:t>
+            </a:r>
+          </a:p>
+          <a:p>
+            <a:r>
+              <a:rPr lang="ru-RU" dirty="0"/>
+              <a:t>Между </a:t>
+            </a:r>
+            <a:r>
+              <a:rPr lang="en-US" dirty="0" err="1"/>
+              <a:t>i</a:t>
+            </a:r>
+            <a:r>
+              <a:rPr lang="ru-RU" dirty="0"/>
+              <a:t>-ой и </a:t>
+            </a:r>
+            <a:r>
+              <a:rPr lang="en-US" dirty="0"/>
+              <a:t>j</a:t>
+            </a:r>
+            <a:r>
+              <a:rPr lang="ru-RU" dirty="0"/>
+              <a:t>-ой вершинами (организациями) существует ребро, если за период 2010-2015 гг. на </a:t>
+            </a:r>
+            <a:r>
+              <a:rPr lang="en-US" dirty="0"/>
+              <a:t>Scopus </a:t>
+            </a:r>
+            <a:r>
+              <a:rPr lang="ru-RU" dirty="0"/>
+              <a:t>была опубликована хотя бы одна статья, хотя бы один автор которой числится в организации </a:t>
+            </a:r>
+            <a:r>
+              <a:rPr lang="en-US" dirty="0" err="1"/>
+              <a:t>i</a:t>
+            </a:r>
+            <a:r>
+              <a:rPr lang="ru-RU" dirty="0"/>
+              <a:t>, а другой автор – в организации </a:t>
+            </a:r>
+            <a:r>
+              <a:rPr lang="en-US" dirty="0"/>
+              <a:t>j</a:t>
+            </a:r>
+            <a:r>
+              <a:rPr lang="ru-RU" dirty="0"/>
+              <a:t>.</a:t>
+            </a:r>
+          </a:p>
+          <a:p>
+            <a:r>
+              <a:rPr lang="ru-RU" dirty="0"/>
+              <a:t>Вес ребра отображает силу связи, а именно количество совместных опубликованных научных работ.</a:t>
+            </a:r>
+          </a:p>
+        </p:txBody>
+      </p:sp>
+    </p:spTree>
+    <p:extLst>
+      <p:ext uri="{BB962C8B-B14F-4D97-AF65-F5344CB8AC3E}">
+        <p14:creationId xmlns:p14="http://schemas.microsoft.com/office/powerpoint/2010/main" val="3360198896"/>
+      </p:ext>
+    </p:extLst>
+  </p:cSld>
+  <p:clrMapOvr>
+    <a:masterClrMapping/>
+  </p:clrMapOvr>
+</p:sld>
+</file>
+
+<file path=ppt/slides/slide20.xml><?xml version="1.0" encoding="utf-8"?>
+<p:sld xmlns:a="http://schemas.openxmlformats.org/drawingml/2006/main" xmlns:r="http://schemas.openxmlformats.org/officeDocument/2006/relationships" xmlns:p="http://schemas.openxmlformats.org/presentationml/2006/main">
+  <p:cSld>
+    <p:spTree>
+      <p:nvGrpSpPr>
+        <p:cNvPr id="1" name=""/>
+        <p:cNvGrpSpPr/>
+        <p:nvPr/>
+      </p:nvGrpSpPr>
+      <p:grpSpPr>
+        <a:xfrm>
+          <a:off x="0" y="0"/>
+          <a:ext cx="0" cy="0"/>
+          <a:chOff x="0" y="0"/>
+          <a:chExt cx="0" cy="0"/>
+        </a:xfrm>
+      </p:grpSpPr>
+      <p:sp>
+        <p:nvSpPr>
+          <p:cNvPr id="2" name="Заголовок 1"/>
+          <p:cNvSpPr>
+            <a:spLocks noGrp="1"/>
+          </p:cNvSpPr>
+          <p:nvPr>
+            <p:ph type="title"/>
+          </p:nvPr>
+        </p:nvSpPr>
         <p:spPr/>
         <p:txBody>
           <a:bodyPr/>
@@ -4715,7 +4584,7 @@
 </p:sld>
 </file>
 
-<file path=ppt/slides/slide22.xml><?xml version="1.0" encoding="utf-8"?>
+<file path=ppt/slides/slide21.xml><?xml version="1.0" encoding="utf-8"?>
 <p:sld xmlns:a="http://schemas.openxmlformats.org/drawingml/2006/main" xmlns:r="http://schemas.openxmlformats.org/officeDocument/2006/relationships" xmlns:p="http://schemas.openxmlformats.org/presentationml/2006/main">
   <p:cSld>
     <p:spTree>
@@ -4874,7 +4743,7 @@
 </p:sld>
 </file>
 
-<file path=ppt/slides/slide23.xml><?xml version="1.0" encoding="utf-8"?>
+<file path=ppt/slides/slide22.xml><?xml version="1.0" encoding="utf-8"?>
 <p:sld xmlns:a="http://schemas.openxmlformats.org/drawingml/2006/main" xmlns:r="http://schemas.openxmlformats.org/officeDocument/2006/relationships" xmlns:p="http://schemas.openxmlformats.org/presentationml/2006/main">
   <p:cSld>
     <p:spTree>
@@ -4999,6 +4868,97 @@
 </p:sld>
 </file>
 
+<file path=ppt/slides/slide23.xml><?xml version="1.0" encoding="utf-8"?>
+<p:sld xmlns:a="http://schemas.openxmlformats.org/drawingml/2006/main" xmlns:r="http://schemas.openxmlformats.org/officeDocument/2006/relationships" xmlns:p="http://schemas.openxmlformats.org/presentationml/2006/main">
+  <p:cSld>
+    <p:spTree>
+      <p:nvGrpSpPr>
+        <p:cNvPr id="1" name=""/>
+        <p:cNvGrpSpPr/>
+        <p:nvPr/>
+      </p:nvGrpSpPr>
+      <p:grpSpPr>
+        <a:xfrm>
+          <a:off x="0" y="0"/>
+          <a:ext cx="0" cy="0"/>
+          <a:chOff x="0" y="0"/>
+          <a:chExt cx="0" cy="0"/>
+        </a:xfrm>
+      </p:grpSpPr>
+      <p:sp>
+        <p:nvSpPr>
+          <p:cNvPr id="2" name="Заголовок 1"/>
+          <p:cNvSpPr>
+            <a:spLocks noGrp="1"/>
+          </p:cNvSpPr>
+          <p:nvPr>
+            <p:ph type="title"/>
+          </p:nvPr>
+        </p:nvSpPr>
+        <p:spPr/>
+        <p:txBody>
+          <a:bodyPr/>
+          <a:lstStyle/>
+          <a:p>
+            <a:pPr algn="ctr"/>
+            <a:r>
+              <a:rPr lang="ru-RU" dirty="0"/>
+              <a:t>Выводы по заданию 3</a:t>
+            </a:r>
+          </a:p>
+        </p:txBody>
+      </p:sp>
+      <p:sp>
+        <p:nvSpPr>
+          <p:cNvPr id="3" name="Объект 2"/>
+          <p:cNvSpPr>
+            <a:spLocks noGrp="1"/>
+          </p:cNvSpPr>
+          <p:nvPr>
+            <p:ph idx="1"/>
+          </p:nvPr>
+        </p:nvSpPr>
+        <p:spPr/>
+        <p:txBody>
+          <a:bodyPr/>
+          <a:lstStyle/>
+          <a:p>
+            <a:r>
+              <a:rPr lang="ru-RU" dirty="0"/>
+              <a:t>Сравнив топы по максимальным центральностям (за исключением топа центральностей по близости из-за малого количества соседей порядка 1), заметим, что по трем центральностям первую пятерку занимают одни и те же организации: университет Окленда, университет Отаго, университет </a:t>
+            </a:r>
+            <a:r>
+              <a:rPr lang="ru-RU" dirty="0" err="1"/>
+              <a:t>Мэсси</a:t>
+            </a:r>
+            <a:r>
+              <a:rPr lang="ru-RU" dirty="0"/>
+              <a:t>, университет </a:t>
+            </a:r>
+            <a:r>
+              <a:rPr lang="ru-RU" dirty="0" err="1"/>
+              <a:t>Кантербери</a:t>
+            </a:r>
+            <a:r>
+              <a:rPr lang="ru-RU" dirty="0"/>
+              <a:t> и Викторианский университет Веллингтона.</a:t>
+            </a:r>
+          </a:p>
+        </p:txBody>
+      </p:sp>
+    </p:spTree>
+    <p:extLst>
+      <p:ext uri="{BB962C8B-B14F-4D97-AF65-F5344CB8AC3E}">
+        <p14:creationId xmlns:p14="http://schemas.microsoft.com/office/powerpoint/2010/main" val="111096427"/>
+      </p:ext>
+    </p:extLst>
+  </p:cSld>
+  <p:clrMapOvr>
+    <a:masterClrMapping/>
+  </p:clrMapOvr>
+</p:sld>
+</file>
+
 <file path=ppt/slides/slide24.xml><?xml version="1.0" encoding="utf-8"?>
 <p:sld xmlns:a="http://schemas.openxmlformats.org/drawingml/2006/main" xmlns:r="http://schemas.openxmlformats.org/officeDocument/2006/relationships" xmlns:p="http://schemas.openxmlformats.org/presentationml/2006/main">
   <p:cSld>
@@ -5034,7 +4994,7 @@
             <a:pPr algn="ctr"/>
             <a:r>
               <a:rPr lang="ru-RU" dirty="0"/>
-              <a:t>Выводы по заданию 3</a:t>
+              <a:t>Задание 4</a:t>
             </a:r>
           </a:p>
         </p:txBody>
@@ -5055,24 +5015,33 @@
           <a:lstStyle/>
           <a:p>
             <a:r>
-              <a:rPr lang="ru-RU" dirty="0"/>
-              <a:t>Сравнив топы по максимальным центральностям (за исключением топа центральностей по близости из-за малого количества соседей порядка 1), заметим, что по трем центральностям первую пятерку занимают одни и те же организации: университет Окленда, университет Отаго, университет </a:t>
-            </a:r>
-            <a:r>
-              <a:rPr lang="ru-RU" dirty="0" err="1"/>
-              <a:t>Мэсси</a:t>
-            </a:r>
-            <a:r>
-              <a:rPr lang="ru-RU" dirty="0"/>
-              <a:t>, университет </a:t>
-            </a:r>
-            <a:r>
-              <a:rPr lang="ru-RU" dirty="0" err="1"/>
-              <a:t>Кантербери</a:t>
-            </a:r>
-            <a:r>
-              <a:rPr lang="ru-RU" dirty="0"/>
-              <a:t> и Викторианский университет Веллингтона.</a:t>
+              <a:rPr lang="ru-RU" dirty="0">
+                <a:solidFill>
+                  <a:schemeClr val="accent5"/>
+                </a:solidFill>
+              </a:rPr>
+              <a:t>Ассортативность в графе по типу вершин = -0.059 </a:t>
+            </a:r>
+            <a:r>
+              <a:rPr lang="ru-RU" dirty="0"/>
+              <a:t>=&gt; мы не можем утверждать наличие предпочтительного присоединения узлов сети к своему типу.</a:t>
+            </a:r>
+          </a:p>
+          <a:p>
+            <a:endParaRPr lang="ru-RU" dirty="0"/>
+          </a:p>
+          <a:p>
+            <a:r>
+              <a:rPr lang="ru-RU" dirty="0">
+                <a:solidFill>
+                  <a:schemeClr val="accent5"/>
+                </a:solidFill>
+              </a:rPr>
+              <a:t>Ассортативность по степени вершины = 0.336 </a:t>
+            </a:r>
+            <a:r>
+              <a:rPr lang="ru-RU" dirty="0"/>
+              <a:t>=&gt; предпочтительное присоединение узлов к вершинам с относительно большим количеством соседей.</a:t>
             </a:r>
           </a:p>
         </p:txBody>
@@ -5080,7 +5049,7 @@
     </p:spTree>
     <p:extLst>
       <p:ext uri="{BB962C8B-B14F-4D97-AF65-F5344CB8AC3E}">
-        <p14:creationId xmlns:p14="http://schemas.microsoft.com/office/powerpoint/2010/main" val="111096427"/>
+        <p14:creationId xmlns:p14="http://schemas.microsoft.com/office/powerpoint/2010/main" val="690799888"/>
       </p:ext>
     </p:extLst>
   </p:cSld>
@@ -5125,7 +5094,7 @@
             <a:pPr algn="ctr"/>
             <a:r>
               <a:rPr lang="ru-RU" dirty="0"/>
-              <a:t>Задание 4</a:t>
+              <a:t>Используемый метод</a:t>
             </a:r>
           </a:p>
         </p:txBody>
@@ -5142,37 +5111,33 @@
         </p:nvSpPr>
         <p:spPr/>
         <p:txBody>
-          <a:bodyPr/>
-          <a:lstStyle/>
-          <a:p>
+          <a:bodyPr>
+            <a:normAutofit/>
+          </a:bodyPr>
+          <a:lstStyle/>
+          <a:p>
+            <a:r>
+              <a:rPr lang="ru-RU" dirty="0"/>
+              <a:t>Для выявления более точного эффекта предпочтительного присоединения среди университетов рассчитаем показатели </a:t>
+            </a:r>
             <a:r>
               <a:rPr lang="ru-RU" dirty="0" err="1"/>
-              <a:t>Ассортативность</a:t>
-            </a:r>
-            <a:r>
-              <a:rPr lang="ru-RU" dirty="0"/>
-              <a:t> в графе по типу вершин примерно равна -0.059. Это означает, что мы не можем утверждать наличие предпочтительного присоединения узлов сети к своему типу (среди узлов в общем, т.е. среди узлов всех типов).</a:t>
+              <a:t>гомофилии</a:t>
+            </a:r>
+            <a:r>
+              <a:rPr lang="ru-RU" dirty="0"/>
+              <a:t> для университетов и других типов институтов.</a:t>
             </a:r>
           </a:p>
           <a:p>
             <a:endParaRPr lang="ru-RU" dirty="0"/>
-          </a:p>
-          <a:p>
-            <a:r>
-              <a:rPr lang="ru-RU" dirty="0" err="1"/>
-              <a:t>Ассортативность</a:t>
-            </a:r>
-            <a:r>
-              <a:rPr lang="ru-RU" dirty="0"/>
-              <a:t> по степени вершины составляет примерно -0.336, что говорит о предпочтительном присоединении узлов к вершинам с относительно небольшим количеством соседей.</a:t>
-            </a:r>
           </a:p>
         </p:txBody>
       </p:sp>
     </p:spTree>
     <p:extLst>
       <p:ext uri="{BB962C8B-B14F-4D97-AF65-F5344CB8AC3E}">
-        <p14:creationId xmlns:p14="http://schemas.microsoft.com/office/powerpoint/2010/main" val="690799888"/>
+        <p14:creationId xmlns:p14="http://schemas.microsoft.com/office/powerpoint/2010/main" val="1158450996"/>
       </p:ext>
     </p:extLst>
   </p:cSld>
@@ -5217,7 +5182,7 @@
             <a:pPr algn="ctr"/>
             <a:r>
               <a:rPr lang="ru-RU" dirty="0"/>
-              <a:t>Используемый метод</a:t>
+              <a:t>Результаты расчётов</a:t>
             </a:r>
           </a:p>
         </p:txBody>
@@ -5241,99 +5206,178 @@
           <a:p>
             <a:r>
               <a:rPr lang="ru-RU" dirty="0"/>
-              <a:t>Для выявления более точного эффекта предпочтительного присоединения именно среди университетов (что интересует нас в рамках исследовательского вопроса) рассчитаем показатели </a:t>
-            </a:r>
-            <a:r>
-              <a:rPr lang="ru-RU" dirty="0" err="1"/>
-              <a:t>гомофилии</a:t>
-            </a:r>
-            <a:r>
-              <a:rPr lang="ru-RU" dirty="0"/>
-              <a:t> для университетов и других типов институтов.</a:t>
-            </a:r>
-          </a:p>
-          <a:p>
-            <a:r>
-              <a:rPr lang="ru-RU" dirty="0"/>
-              <a:t>Нами было принято решение рассчитать </a:t>
-            </a:r>
-            <a:r>
-              <a:rPr lang="ru-RU" dirty="0" err="1"/>
+              <a:t>Соберем полученные значения </a:t>
+            </a:r>
+            <a:r>
+              <a:rPr lang="en-US" dirty="0" err="1"/>
               <a:t>dyadicity</a:t>
             </a:r>
             <a:r>
-              <a:rPr lang="ru-RU" dirty="0"/>
-              <a:t> и </a:t>
-            </a:r>
-            <a:r>
-              <a:rPr lang="ru-RU" dirty="0" err="1"/>
+              <a:rPr lang="en-US" dirty="0"/>
+              <a:t> </a:t>
+            </a:r>
+            <a:r>
+              <a:rPr lang="ru-RU" dirty="0"/>
+              <a:t>и </a:t>
+            </a:r>
+            <a:r>
+              <a:rPr lang="en-US" dirty="0" err="1"/>
               <a:t>heterophilicity</a:t>
             </a:r>
             <a:r>
-              <a:rPr lang="ru-RU" dirty="0"/>
-              <a:t> учреждений высшего образования для следующих разделений на подгруппы: </a:t>
-            </a:r>
-            <a:r>
-              <a:rPr lang="ru-RU" dirty="0" err="1"/>
-              <a:t>Higher</a:t>
-            </a:r>
-            <a:r>
-              <a:rPr lang="ru-RU" dirty="0"/>
-              <a:t> Education </a:t>
-            </a:r>
-            <a:r>
-              <a:rPr lang="ru-RU" dirty="0" err="1"/>
-              <a:t>vs</a:t>
-            </a:r>
-            <a:r>
-              <a:rPr lang="ru-RU" dirty="0"/>
-              <a:t> все остальные, </a:t>
-            </a:r>
-            <a:r>
-              <a:rPr lang="ru-RU" dirty="0" err="1"/>
-              <a:t>Higher</a:t>
-            </a:r>
-            <a:r>
-              <a:rPr lang="ru-RU" dirty="0"/>
-              <a:t> Education </a:t>
-            </a:r>
-            <a:r>
-              <a:rPr lang="ru-RU" dirty="0" err="1"/>
-              <a:t>vs</a:t>
-            </a:r>
-            <a:r>
-              <a:rPr lang="ru-RU" dirty="0"/>
-              <a:t> Business Enterprise, </a:t>
-            </a:r>
-            <a:r>
-              <a:rPr lang="ru-RU" dirty="0" err="1"/>
-              <a:t>Higher</a:t>
-            </a:r>
-            <a:r>
-              <a:rPr lang="ru-RU" dirty="0"/>
-              <a:t> Education </a:t>
-            </a:r>
-            <a:r>
-              <a:rPr lang="ru-RU" dirty="0" err="1"/>
-              <a:t>vs</a:t>
-            </a:r>
-            <a:r>
-              <a:rPr lang="ru-RU" dirty="0"/>
-              <a:t> Government. </a:t>
-            </a:r>
-          </a:p>
-          <a:p>
-            <a:r>
-              <a:rPr lang="ru-RU" dirty="0"/>
-              <a:t>Влиянием </a:t>
-            </a:r>
-            <a:r>
               <a:rPr lang="en-US" dirty="0"/>
-              <a:t>Private not profit </a:t>
-            </a:r>
-            <a:r>
-              <a:rPr lang="ru-RU" dirty="0"/>
-              <a:t>можно пренебречь.</a:t>
+              <a:t> </a:t>
+            </a:r>
+            <a:r>
+              <a:rPr lang="ru-RU" dirty="0"/>
+              <a:t>вместе: </a:t>
+            </a:r>
+            <a:endParaRPr lang="en-US" dirty="0"/>
+          </a:p>
+          <a:p>
+            <a:pPr lvl="1"/>
+            <a:r>
+              <a:rPr lang="en-US" dirty="0"/>
+              <a:t>Higher Education vs </a:t>
+            </a:r>
+            <a:r>
+              <a:rPr lang="ru-RU" dirty="0"/>
+              <a:t>все остальные: </a:t>
+            </a:r>
+            <a:r>
+              <a:rPr lang="en-US" dirty="0" err="1">
+                <a:solidFill>
+                  <a:schemeClr val="accent5"/>
+                </a:solidFill>
+              </a:rPr>
+              <a:t>dyadicity</a:t>
+            </a:r>
+            <a:r>
+              <a:rPr lang="en-US" dirty="0">
+                <a:solidFill>
+                  <a:schemeClr val="accent5"/>
+                </a:solidFill>
+              </a:rPr>
+              <a:t>: 32.09</a:t>
+            </a:r>
+            <a:r>
+              <a:rPr lang="ru-RU" dirty="0">
+                <a:solidFill>
+                  <a:schemeClr val="accent5"/>
+                </a:solidFill>
+              </a:rPr>
+              <a:t>, </a:t>
+            </a:r>
+            <a:r>
+              <a:rPr lang="en-US" dirty="0" err="1">
+                <a:solidFill>
+                  <a:schemeClr val="accent5"/>
+                </a:solidFill>
+              </a:rPr>
+              <a:t>heterophilicity</a:t>
+            </a:r>
+            <a:r>
+              <a:rPr lang="en-US" dirty="0">
+                <a:solidFill>
+                  <a:schemeClr val="accent5"/>
+                </a:solidFill>
+              </a:rPr>
+              <a:t>: 6.96 </a:t>
+            </a:r>
+          </a:p>
+          <a:p>
+            <a:pPr lvl="1"/>
+            <a:r>
+              <a:rPr lang="en-US" dirty="0"/>
+              <a:t>Higher Education vs Business Enterprise:  </a:t>
+            </a:r>
+            <a:r>
+              <a:rPr lang="en-US" dirty="0" err="1">
+                <a:solidFill>
+                  <a:schemeClr val="accent5"/>
+                </a:solidFill>
+              </a:rPr>
+              <a:t>dyadicity</a:t>
+            </a:r>
+            <a:r>
+              <a:rPr lang="en-US" dirty="0">
+                <a:solidFill>
+                  <a:schemeClr val="accent5"/>
+                </a:solidFill>
+              </a:rPr>
+              <a:t>: 39.59, </a:t>
+            </a:r>
+            <a:r>
+              <a:rPr lang="en-US" dirty="0" err="1">
+                <a:solidFill>
+                  <a:schemeClr val="accent5"/>
+                </a:solidFill>
+              </a:rPr>
+              <a:t>heterophilicity</a:t>
+            </a:r>
+            <a:r>
+              <a:rPr lang="en-US" dirty="0">
+                <a:solidFill>
+                  <a:schemeClr val="accent5"/>
+                </a:solidFill>
+              </a:rPr>
+              <a:t>: 6.88</a:t>
+            </a:r>
+          </a:p>
+          <a:p>
+            <a:pPr lvl="1"/>
+            <a:r>
+              <a:rPr lang="en-US" dirty="0"/>
+              <a:t> Higher Education vs Government: </a:t>
+            </a:r>
+            <a:r>
+              <a:rPr lang="en-US" dirty="0" err="1"/>
+              <a:t>dyadicity</a:t>
+            </a:r>
+            <a:r>
+              <a:rPr lang="en-US" dirty="0"/>
+              <a:t>: 2.84, </a:t>
+            </a:r>
+            <a:r>
+              <a:rPr lang="en-US" dirty="0" err="1"/>
+              <a:t>heterophilicity</a:t>
+            </a:r>
+            <a:r>
+              <a:rPr lang="en-US" dirty="0"/>
+              <a:t>: 0.49</a:t>
+            </a:r>
+          </a:p>
+          <a:p>
+            <a:endParaRPr lang="en-US" dirty="0"/>
+          </a:p>
+          <a:p>
+            <a:r>
+              <a:rPr lang="ru-RU" dirty="0"/>
+              <a:t>Мы видим, что </a:t>
+            </a:r>
+            <a:r>
+              <a:rPr lang="en-US" dirty="0" err="1"/>
+              <a:t>dyadicity</a:t>
+            </a:r>
+            <a:r>
+              <a:rPr lang="en-US" dirty="0"/>
+              <a:t> </a:t>
+            </a:r>
+            <a:r>
+              <a:rPr lang="ru-RU" dirty="0"/>
+              <a:t>университетов очень высокая. При этом </a:t>
+            </a:r>
+            <a:r>
+              <a:rPr lang="en-US" dirty="0" err="1"/>
+              <a:t>heterophilicity</a:t>
+            </a:r>
+            <a:r>
+              <a:rPr lang="en-US" dirty="0"/>
+              <a:t> </a:t>
+            </a:r>
+            <a:r>
+              <a:rPr lang="ru-RU" dirty="0"/>
+              <a:t>также довольно сильно превышает 1.</a:t>
             </a:r>
           </a:p>
         </p:txBody>
@@ -5341,7 +5385,7 @@
     </p:spTree>
     <p:extLst>
       <p:ext uri="{BB962C8B-B14F-4D97-AF65-F5344CB8AC3E}">
-        <p14:creationId xmlns:p14="http://schemas.microsoft.com/office/powerpoint/2010/main" val="1158450996"/>
+        <p14:creationId xmlns:p14="http://schemas.microsoft.com/office/powerpoint/2010/main" val="967163045"/>
       </p:ext>
     </p:extLst>
   </p:cSld>
@@ -5386,7 +5430,7 @@
             <a:pPr algn="ctr"/>
             <a:r>
               <a:rPr lang="ru-RU" dirty="0"/>
-              <a:t>Результаты расчётов</a:t>
+              <a:t>Выводы по заданию 4</a:t>
             </a:r>
           </a:p>
         </p:txBody>
@@ -5403,149 +5447,106 @@
         </p:nvSpPr>
         <p:spPr/>
         <p:txBody>
-          <a:bodyPr>
-            <a:normAutofit/>
-          </a:bodyPr>
-          <a:lstStyle/>
-          <a:p>
-            <a:r>
-              <a:rPr lang="ru-RU" dirty="0"/>
-              <a:t>Соберем полученные значения </a:t>
-            </a:r>
-            <a:r>
-              <a:rPr lang="en-US" dirty="0" err="1"/>
+          <a:bodyPr/>
+          <a:lstStyle/>
+          <a:p>
+            <a:r>
+              <a:rPr lang="ru-RU" dirty="0"/>
+              <a:t>В чем может быть объяснение этой особенности данных? “</a:t>
+            </a:r>
+            <a:r>
+              <a:rPr lang="ru-RU" dirty="0" err="1"/>
+              <a:t>Functional</a:t>
+            </a:r>
+            <a:r>
+              <a:rPr lang="ru-RU" dirty="0"/>
+              <a:t> </a:t>
+            </a:r>
+            <a:r>
+              <a:rPr lang="ru-RU" dirty="0" err="1"/>
               <a:t>dyadicity</a:t>
             </a:r>
             <a:r>
+              <a:rPr lang="ru-RU" dirty="0"/>
+              <a:t> </a:t>
+            </a:r>
+            <a:r>
+              <a:rPr lang="ru-RU" dirty="0" err="1"/>
+              <a:t>and</a:t>
+            </a:r>
+            <a:r>
+              <a:rPr lang="ru-RU" dirty="0"/>
+              <a:t> </a:t>
+            </a:r>
+            <a:r>
+              <a:rPr lang="ru-RU" dirty="0" err="1"/>
+              <a:t>heterophilicity</a:t>
+            </a:r>
+            <a:r>
+              <a:rPr lang="ru-RU" dirty="0"/>
+              <a:t> </a:t>
+            </a:r>
+            <a:r>
+              <a:rPr lang="ru-RU" dirty="0" err="1"/>
+              <a:t>of</a:t>
+            </a:r>
+            <a:r>
+              <a:rPr lang="ru-RU" dirty="0"/>
+              <a:t> </a:t>
+            </a:r>
+            <a:r>
+              <a:rPr lang="ru-RU" dirty="0" err="1"/>
+              <a:t>gene-gene</a:t>
+            </a:r>
+            <a:r>
+              <a:rPr lang="ru-RU" dirty="0"/>
+              <a:t> </a:t>
+            </a:r>
+            <a:r>
+              <a:rPr lang="ru-RU" dirty="0" err="1"/>
+              <a:t>interactions</a:t>
+            </a:r>
+            <a:r>
+              <a:rPr lang="ru-RU" dirty="0"/>
+              <a:t> in </a:t>
+            </a:r>
+            <a:r>
+              <a:rPr lang="ru-RU" dirty="0" err="1"/>
+              <a:t>statistical</a:t>
+            </a:r>
+            <a:r>
+              <a:rPr lang="ru-RU" dirty="0"/>
+              <a:t> </a:t>
+            </a:r>
+            <a:r>
+              <a:rPr lang="ru-RU" dirty="0" err="1"/>
+              <a:t>epistasis</a:t>
+            </a:r>
+            <a:r>
+              <a:rPr lang="ru-RU" dirty="0"/>
+              <a:t> </a:t>
+            </a:r>
+            <a:r>
+              <a:rPr lang="ru-RU" dirty="0" err="1"/>
+              <a:t>networks</a:t>
+            </a:r>
+            <a:r>
+              <a:rPr lang="ru-RU" dirty="0"/>
+              <a:t>” -</a:t>
+            </a:r>
+            <a:r>
               <a:rPr lang="en-US" dirty="0"/>
-              <a:t> </a:t>
-            </a:r>
-            <a:r>
-              <a:rPr lang="ru-RU" dirty="0"/>
-              <a:t>и </a:t>
-            </a:r>
-            <a:r>
-              <a:rPr lang="en-US" dirty="0" err="1"/>
-              <a:t>heterophilicity</a:t>
-            </a:r>
-            <a:r>
-              <a:rPr lang="en-US" dirty="0"/>
-              <a:t> </a:t>
-            </a:r>
-            <a:r>
-              <a:rPr lang="ru-RU" dirty="0"/>
-              <a:t>вместе: </a:t>
-            </a:r>
-            <a:endParaRPr lang="en-US" dirty="0"/>
-          </a:p>
-          <a:p>
-            <a:pPr lvl="1"/>
-            <a:r>
-              <a:rPr lang="en-US" dirty="0"/>
-              <a:t>Higher Education vs </a:t>
-            </a:r>
-            <a:r>
-              <a:rPr lang="ru-RU" dirty="0"/>
-              <a:t>все остальные: </a:t>
-            </a:r>
-            <a:r>
-              <a:rPr lang="en-US" dirty="0" err="1"/>
-              <a:t>dyadicity</a:t>
-            </a:r>
-            <a:r>
-              <a:rPr lang="en-US" dirty="0"/>
-              <a:t>: 32.09</a:t>
-            </a:r>
-            <a:r>
-              <a:rPr lang="ru-RU" dirty="0"/>
-              <a:t>, </a:t>
-            </a:r>
-            <a:r>
-              <a:rPr lang="en-US" dirty="0" err="1"/>
-              <a:t>heterophilicity</a:t>
-            </a:r>
-            <a:r>
-              <a:rPr lang="en-US" dirty="0"/>
-              <a:t>: 6.96 </a:t>
-            </a:r>
-          </a:p>
-          <a:p>
-            <a:pPr lvl="1"/>
-            <a:r>
-              <a:rPr lang="en-US" dirty="0"/>
-              <a:t>Higher Education vs Business Enterprise:  </a:t>
-            </a:r>
-            <a:r>
-              <a:rPr lang="en-US" dirty="0" err="1"/>
-              <a:t>dyadicity</a:t>
-            </a:r>
-            <a:r>
-              <a:rPr lang="en-US" dirty="0"/>
-              <a:t>: 39.59, </a:t>
-            </a:r>
-            <a:r>
-              <a:rPr lang="en-US" dirty="0" err="1"/>
-              <a:t>heterophilicity</a:t>
-            </a:r>
-            <a:r>
-              <a:rPr lang="en-US" dirty="0"/>
-              <a:t>: 6.88</a:t>
-            </a:r>
-          </a:p>
-          <a:p>
-            <a:pPr lvl="1"/>
-            <a:r>
-              <a:rPr lang="en-US" dirty="0"/>
-              <a:t> Higher Education vs Government: </a:t>
-            </a:r>
-            <a:r>
-              <a:rPr lang="en-US" dirty="0" err="1"/>
-              <a:t>dyadicity</a:t>
-            </a:r>
-            <a:r>
-              <a:rPr lang="en-US" dirty="0"/>
-              <a:t>: 2.84, </a:t>
-            </a:r>
-            <a:r>
-              <a:rPr lang="en-US" dirty="0" err="1"/>
-              <a:t>heterophilicity</a:t>
-            </a:r>
-            <a:r>
-              <a:rPr lang="en-US" dirty="0"/>
-              <a:t>: 0.49</a:t>
-            </a:r>
-          </a:p>
-          <a:p>
-            <a:endParaRPr lang="en-US" dirty="0"/>
-          </a:p>
-          <a:p>
-            <a:r>
-              <a:rPr lang="ru-RU" dirty="0"/>
-              <a:t>Мы видим, что </a:t>
-            </a:r>
-            <a:r>
-              <a:rPr lang="en-US" dirty="0" err="1"/>
-              <a:t>dyadicity</a:t>
-            </a:r>
-            <a:r>
-              <a:rPr lang="en-US" dirty="0"/>
-              <a:t> </a:t>
-            </a:r>
-            <a:r>
-              <a:rPr lang="ru-RU" dirty="0"/>
-              <a:t>университетов при разделении на университеты и всех остальных (а также при разделении на университеты и бизнес) очень высокая. При этом </a:t>
-            </a:r>
-            <a:r>
-              <a:rPr lang="en-US" dirty="0" err="1"/>
-              <a:t>heterophilicity</a:t>
-            </a:r>
-            <a:r>
-              <a:rPr lang="en-US" dirty="0"/>
-              <a:t> </a:t>
-            </a:r>
-            <a:r>
-              <a:rPr lang="ru-RU" dirty="0"/>
-              <a:t>также довольно сильно превышает 1.</a:t>
+              <a:t>&gt;</a:t>
+            </a:r>
+            <a:r>
+              <a:rPr lang="ru-RU" dirty="0"/>
+              <a:t> университеты хорошо связаны друг с другом и с вершинами другого типа.</a:t>
+            </a:r>
+          </a:p>
+          <a:p>
+            <a:r>
+              <a:rPr lang="ru-RU" dirty="0"/>
+              <a:t>Плотные связи: университеты – университеты и университеты – бизнес. </a:t>
             </a:r>
           </a:p>
         </p:txBody>
@@ -5553,7 +5554,7 @@
     </p:spTree>
     <p:extLst>
       <p:ext uri="{BB962C8B-B14F-4D97-AF65-F5344CB8AC3E}">
-        <p14:creationId xmlns:p14="http://schemas.microsoft.com/office/powerpoint/2010/main" val="967163045"/>
+        <p14:creationId xmlns:p14="http://schemas.microsoft.com/office/powerpoint/2010/main" val="2572983470"/>
       </p:ext>
     </p:extLst>
   </p:cSld>
@@ -5598,167 +5599,6 @@
             <a:pPr algn="ctr"/>
             <a:r>
               <a:rPr lang="ru-RU" dirty="0"/>
-              <a:t>Выводы по заданию 4</a:t>
-            </a:r>
-          </a:p>
-        </p:txBody>
-      </p:sp>
-      <p:sp>
-        <p:nvSpPr>
-          <p:cNvPr id="3" name="Объект 2"/>
-          <p:cNvSpPr>
-            <a:spLocks noGrp="1"/>
-          </p:cNvSpPr>
-          <p:nvPr>
-            <p:ph idx="1"/>
-          </p:nvPr>
-        </p:nvSpPr>
-        <p:spPr/>
-        <p:txBody>
-          <a:bodyPr/>
-          <a:lstStyle/>
-          <a:p>
-            <a:r>
-              <a:rPr lang="ru-RU" dirty="0"/>
-              <a:t>В чем может быть объяснение этой особенности данных? Как утверждается в статье “</a:t>
-            </a:r>
-            <a:r>
-              <a:rPr lang="ru-RU" dirty="0" err="1"/>
-              <a:t>Functional</a:t>
-            </a:r>
-            <a:r>
-              <a:rPr lang="ru-RU" dirty="0"/>
-              <a:t> </a:t>
-            </a:r>
-            <a:r>
-              <a:rPr lang="ru-RU" dirty="0" err="1"/>
-              <a:t>dyadicity</a:t>
-            </a:r>
-            <a:r>
-              <a:rPr lang="ru-RU" dirty="0"/>
-              <a:t> </a:t>
-            </a:r>
-            <a:r>
-              <a:rPr lang="ru-RU" dirty="0" err="1"/>
-              <a:t>and</a:t>
-            </a:r>
-            <a:r>
-              <a:rPr lang="ru-RU" dirty="0"/>
-              <a:t> </a:t>
-            </a:r>
-            <a:r>
-              <a:rPr lang="ru-RU" dirty="0" err="1"/>
-              <a:t>heterophilicity</a:t>
-            </a:r>
-            <a:r>
-              <a:rPr lang="ru-RU" dirty="0"/>
-              <a:t> </a:t>
-            </a:r>
-            <a:r>
-              <a:rPr lang="ru-RU" dirty="0" err="1"/>
-              <a:t>of</a:t>
-            </a:r>
-            <a:r>
-              <a:rPr lang="ru-RU" dirty="0"/>
-              <a:t> </a:t>
-            </a:r>
-            <a:r>
-              <a:rPr lang="ru-RU" dirty="0" err="1"/>
-              <a:t>gene-gene</a:t>
-            </a:r>
-            <a:r>
-              <a:rPr lang="ru-RU" dirty="0"/>
-              <a:t> </a:t>
-            </a:r>
-            <a:r>
-              <a:rPr lang="ru-RU" dirty="0" err="1"/>
-              <a:t>interactions</a:t>
-            </a:r>
-            <a:r>
-              <a:rPr lang="ru-RU" dirty="0"/>
-              <a:t> in </a:t>
-            </a:r>
-            <a:r>
-              <a:rPr lang="ru-RU" dirty="0" err="1"/>
-              <a:t>statistical</a:t>
-            </a:r>
-            <a:r>
-              <a:rPr lang="ru-RU" dirty="0"/>
-              <a:t> </a:t>
-            </a:r>
-            <a:r>
-              <a:rPr lang="ru-RU" dirty="0" err="1"/>
-              <a:t>epistasis</a:t>
-            </a:r>
-            <a:r>
-              <a:rPr lang="ru-RU" dirty="0"/>
-              <a:t> </a:t>
-            </a:r>
-            <a:r>
-              <a:rPr lang="ru-RU" dirty="0" err="1"/>
-              <a:t>networks</a:t>
-            </a:r>
-            <a:r>
-              <a:rPr lang="ru-RU" dirty="0"/>
-              <a:t>”, описанный выше факт может быть связан с тем, что вершины со значением метки 1 имеют большую центральность, следовательно, хорошо связаны друг с другом и с вершинами другого типа.</a:t>
-            </a:r>
-          </a:p>
-          <a:p>
-            <a:r>
-              <a:rPr lang="ru-RU" dirty="0"/>
-              <a:t>Несмотря на плотные связи учреждений высшего образования между собой, по крайней мере некоторые из них имеют также прочные связи с другими типами организаций (в частности с бизнесом).</a:t>
-            </a:r>
-          </a:p>
-        </p:txBody>
-      </p:sp>
-    </p:spTree>
-    <p:extLst>
-      <p:ext uri="{BB962C8B-B14F-4D97-AF65-F5344CB8AC3E}">
-        <p14:creationId xmlns:p14="http://schemas.microsoft.com/office/powerpoint/2010/main" val="2572983470"/>
-      </p:ext>
-    </p:extLst>
-  </p:cSld>
-  <p:clrMapOvr>
-    <a:masterClrMapping/>
-  </p:clrMapOvr>
-</p:sld>
-</file>
-
-<file path=ppt/slides/slide29.xml><?xml version="1.0" encoding="utf-8"?>
-<p:sld xmlns:a="http://schemas.openxmlformats.org/drawingml/2006/main" xmlns:r="http://schemas.openxmlformats.org/officeDocument/2006/relationships" xmlns:p="http://schemas.openxmlformats.org/presentationml/2006/main">
-  <p:cSld>
-    <p:spTree>
-      <p:nvGrpSpPr>
-        <p:cNvPr id="1" name=""/>
-        <p:cNvGrpSpPr/>
-        <p:nvPr/>
-      </p:nvGrpSpPr>
-      <p:grpSpPr>
-        <a:xfrm>
-          <a:off x="0" y="0"/>
-          <a:ext cx="0" cy="0"/>
-          <a:chOff x="0" y="0"/>
-          <a:chExt cx="0" cy="0"/>
-        </a:xfrm>
-      </p:grpSpPr>
-      <p:sp>
-        <p:nvSpPr>
-          <p:cNvPr id="2" name="Заголовок 1"/>
-          <p:cNvSpPr>
-            <a:spLocks noGrp="1"/>
-          </p:cNvSpPr>
-          <p:nvPr>
-            <p:ph type="title"/>
-          </p:nvPr>
-        </p:nvSpPr>
-        <p:spPr/>
-        <p:txBody>
-          <a:bodyPr/>
-          <a:lstStyle/>
-          <a:p>
-            <a:pPr algn="ctr"/>
-            <a:r>
-              <a:rPr lang="ru-RU" dirty="0"/>
               <a:t>Задание 5</a:t>
             </a:r>
           </a:p>
@@ -5805,21 +5645,7 @@
           <a:p>
             <a:r>
               <a:rPr lang="ru-RU" dirty="0"/>
-              <a:t>Т.к. считать кратчайший путь для исходных весов ребер является не очень осмысленным, используем обратные для исходных веса ребер.</a:t>
-            </a:r>
-          </a:p>
-          <a:p>
-            <a:r>
-              <a:rPr lang="ru-RU" dirty="0"/>
-              <a:t>Для </a:t>
-            </a:r>
-            <a:r>
-              <a:rPr lang="ru-RU" dirty="0" err="1"/>
-              <a:t>Fast-greedy</a:t>
-            </a:r>
-            <a:r>
-              <a:rPr lang="ru-RU" dirty="0"/>
-              <a:t> не важно, какие данные использовать: исходные или инвертированные, т.к. этот метод не учитывает веса ребер (только их количество).</a:t>
+              <a:t>Обратные веса</a:t>
             </a:r>
           </a:p>
         </p:txBody>
@@ -5837,88 +5663,7 @@
 </p:sld>
 </file>
 
-<file path=ppt/slides/slide3.xml><?xml version="1.0" encoding="utf-8"?>
-<p:sld xmlns:a="http://schemas.openxmlformats.org/drawingml/2006/main" xmlns:r="http://schemas.openxmlformats.org/officeDocument/2006/relationships" xmlns:p="http://schemas.openxmlformats.org/presentationml/2006/main">
-  <p:cSld>
-    <p:spTree>
-      <p:nvGrpSpPr>
-        <p:cNvPr id="1" name=""/>
-        <p:cNvGrpSpPr/>
-        <p:nvPr/>
-      </p:nvGrpSpPr>
-      <p:grpSpPr>
-        <a:xfrm>
-          <a:off x="0" y="0"/>
-          <a:ext cx="0" cy="0"/>
-          <a:chOff x="0" y="0"/>
-          <a:chExt cx="0" cy="0"/>
-        </a:xfrm>
-      </p:grpSpPr>
-      <p:sp>
-        <p:nvSpPr>
-          <p:cNvPr id="2" name="Заголовок 1"/>
-          <p:cNvSpPr>
-            <a:spLocks noGrp="1"/>
-          </p:cNvSpPr>
-          <p:nvPr>
-            <p:ph type="title"/>
-          </p:nvPr>
-        </p:nvSpPr>
-        <p:spPr/>
-        <p:txBody>
-          <a:bodyPr/>
-          <a:lstStyle/>
-          <a:p>
-            <a:pPr algn="ctr"/>
-            <a:r>
-              <a:rPr lang="ru-RU" dirty="0"/>
-              <a:t>Исследовательские вопрос</a:t>
-            </a:r>
-          </a:p>
-        </p:txBody>
-      </p:sp>
-      <p:sp>
-        <p:nvSpPr>
-          <p:cNvPr id="3" name="Объект 2"/>
-          <p:cNvSpPr>
-            <a:spLocks noGrp="1"/>
-          </p:cNvSpPr>
-          <p:nvPr>
-            <p:ph idx="1"/>
-          </p:nvPr>
-        </p:nvSpPr>
-        <p:spPr/>
-        <p:txBody>
-          <a:bodyPr/>
-          <a:lstStyle/>
-          <a:p>
-            <a:r>
-              <a:rPr lang="ru-RU" dirty="0"/>
-              <a:t>Какие есть способы улучшения взаимодействия учреждений высшего образования Новой Зеландии (если это вообще требуется)?</a:t>
-            </a:r>
-          </a:p>
-          <a:p>
-            <a:r>
-              <a:rPr lang="ru-RU" dirty="0"/>
-              <a:t>Наше исследование показывает, что возможно повысить эффективность небольших университетов посредством увеличения сотрудничества с крупными, которые в свою очередь имеют тесное сотрудничество с бизнесом.</a:t>
-            </a:r>
-          </a:p>
-        </p:txBody>
-      </p:sp>
-    </p:spTree>
-    <p:extLst>
-      <p:ext uri="{BB962C8B-B14F-4D97-AF65-F5344CB8AC3E}">
-        <p14:creationId xmlns:p14="http://schemas.microsoft.com/office/powerpoint/2010/main" val="1680338232"/>
-      </p:ext>
-    </p:extLst>
-  </p:cSld>
-  <p:clrMapOvr>
-    <a:masterClrMapping/>
-  </p:clrMapOvr>
-</p:sld>
-</file>
-
-<file path=ppt/slides/slide30.xml><?xml version="1.0" encoding="utf-8"?>
+<file path=ppt/slides/slide29.xml><?xml version="1.0" encoding="utf-8"?>
 <p:sld xmlns:a="http://schemas.openxmlformats.org/drawingml/2006/main" xmlns:r="http://schemas.openxmlformats.org/officeDocument/2006/relationships" xmlns:p="http://schemas.openxmlformats.org/presentationml/2006/main">
   <p:cSld>
     <p:spTree>
@@ -6101,7 +5846,106 @@
 </p:sld>
 </file>
 
-<file path=ppt/slides/slide31.xml><?xml version="1.0" encoding="utf-8"?>
+<file path=ppt/slides/slide3.xml><?xml version="1.0" encoding="utf-8"?>
+<p:sld xmlns:a="http://schemas.openxmlformats.org/drawingml/2006/main" xmlns:r="http://schemas.openxmlformats.org/officeDocument/2006/relationships" xmlns:p="http://schemas.openxmlformats.org/presentationml/2006/main">
+  <p:cSld>
+    <p:spTree>
+      <p:nvGrpSpPr>
+        <p:cNvPr id="1" name=""/>
+        <p:cNvGrpSpPr/>
+        <p:nvPr/>
+      </p:nvGrpSpPr>
+      <p:grpSpPr>
+        <a:xfrm>
+          <a:off x="0" y="0"/>
+          <a:ext cx="0" cy="0"/>
+          <a:chOff x="0" y="0"/>
+          <a:chExt cx="0" cy="0"/>
+        </a:xfrm>
+      </p:grpSpPr>
+      <p:sp>
+        <p:nvSpPr>
+          <p:cNvPr id="2" name="Заголовок 1"/>
+          <p:cNvSpPr>
+            <a:spLocks noGrp="1"/>
+          </p:cNvSpPr>
+          <p:nvPr>
+            <p:ph type="title"/>
+          </p:nvPr>
+        </p:nvSpPr>
+        <p:spPr/>
+        <p:txBody>
+          <a:bodyPr/>
+          <a:lstStyle/>
+          <a:p>
+            <a:pPr algn="ctr"/>
+            <a:r>
+              <a:rPr lang="ru-RU" dirty="0"/>
+              <a:t>Исследовательский вопрос</a:t>
+            </a:r>
+          </a:p>
+        </p:txBody>
+      </p:sp>
+      <p:sp>
+        <p:nvSpPr>
+          <p:cNvPr id="3" name="Объект 2"/>
+          <p:cNvSpPr>
+            <a:spLocks noGrp="1"/>
+          </p:cNvSpPr>
+          <p:nvPr>
+            <p:ph idx="1"/>
+          </p:nvPr>
+        </p:nvSpPr>
+        <p:spPr/>
+        <p:txBody>
+          <a:bodyPr/>
+          <a:lstStyle/>
+          <a:p>
+            <a:r>
+              <a:rPr lang="ru-RU" dirty="0"/>
+              <a:t>Какие есть способы улучшения взаимодействия учреждений высшего образования Новой Зеландии (если это вообще требуется)?</a:t>
+            </a:r>
+            <a:r>
+              <a:rPr lang="en-US" dirty="0"/>
+              <a:t> </a:t>
+            </a:r>
+            <a:endParaRPr lang="ru-RU" dirty="0"/>
+          </a:p>
+          <a:p>
+            <a:r>
+              <a:rPr lang="ru-RU" dirty="0"/>
+              <a:t>Наше исследование показывает, что возможно повысить эффективность небольших университетов посредством увеличения сотрудничества с крупными, которые в свою очередь имеют тесное сотрудничество с бизнесом.</a:t>
+            </a:r>
+            <a:r>
+              <a:rPr lang="en-US" dirty="0"/>
+              <a:t> (</a:t>
+            </a:r>
+            <a:r>
+              <a:rPr lang="en-US" dirty="0" err="1"/>
+              <a:t>Aref</a:t>
+            </a:r>
+            <a:r>
+              <a:rPr lang="en-US" dirty="0"/>
+              <a:t> et al, 2017)</a:t>
+            </a:r>
+            <a:endParaRPr lang="ru-RU" dirty="0"/>
+          </a:p>
+        </p:txBody>
+      </p:sp>
+    </p:spTree>
+    <p:extLst>
+      <p:ext uri="{BB962C8B-B14F-4D97-AF65-F5344CB8AC3E}">
+        <p14:creationId xmlns:p14="http://schemas.microsoft.com/office/powerpoint/2010/main" val="1680338232"/>
+      </p:ext>
+    </p:extLst>
+  </p:cSld>
+  <p:clrMapOvr>
+    <a:masterClrMapping/>
+  </p:clrMapOvr>
+</p:sld>
+</file>
+
+<file path=ppt/slides/slide30.xml><?xml version="1.0" encoding="utf-8"?>
 <p:sld xmlns:a="http://schemas.openxmlformats.org/drawingml/2006/main" xmlns:r="http://schemas.openxmlformats.org/officeDocument/2006/relationships" xmlns:p="http://schemas.openxmlformats.org/presentationml/2006/main">
   <p:cSld>
     <p:spTree>
@@ -6276,6 +6120,105 @@
 </p:sld>
 </file>
 
+<file path=ppt/slides/slide31.xml><?xml version="1.0" encoding="utf-8"?>
+<p:sld xmlns:a="http://schemas.openxmlformats.org/drawingml/2006/main" xmlns:r="http://schemas.openxmlformats.org/officeDocument/2006/relationships" xmlns:p="http://schemas.openxmlformats.org/presentationml/2006/main">
+  <p:cSld>
+    <p:spTree>
+      <p:nvGrpSpPr>
+        <p:cNvPr id="1" name=""/>
+        <p:cNvGrpSpPr/>
+        <p:nvPr/>
+      </p:nvGrpSpPr>
+      <p:grpSpPr>
+        <a:xfrm>
+          <a:off x="0" y="0"/>
+          <a:ext cx="0" cy="0"/>
+          <a:chOff x="0" y="0"/>
+          <a:chExt cx="0" cy="0"/>
+        </a:xfrm>
+      </p:grpSpPr>
+      <p:sp>
+        <p:nvSpPr>
+          <p:cNvPr id="2" name="Заголовок 1"/>
+          <p:cNvSpPr>
+            <a:spLocks noGrp="1"/>
+          </p:cNvSpPr>
+          <p:nvPr>
+            <p:ph type="title"/>
+          </p:nvPr>
+        </p:nvSpPr>
+        <p:spPr/>
+        <p:txBody>
+          <a:bodyPr/>
+          <a:lstStyle/>
+          <a:p>
+            <a:pPr algn="ctr"/>
+            <a:r>
+              <a:rPr lang="ru-RU" dirty="0"/>
+              <a:t>Выводы по заданию 5</a:t>
+            </a:r>
+          </a:p>
+        </p:txBody>
+      </p:sp>
+      <p:sp>
+        <p:nvSpPr>
+          <p:cNvPr id="3" name="Объект 2"/>
+          <p:cNvSpPr>
+            <a:spLocks noGrp="1"/>
+          </p:cNvSpPr>
+          <p:nvPr>
+            <p:ph idx="1"/>
+          </p:nvPr>
+        </p:nvSpPr>
+        <p:spPr/>
+        <p:txBody>
+          <a:bodyPr/>
+          <a:lstStyle/>
+          <a:p>
+            <a:r>
+              <a:rPr lang="ru-RU" dirty="0"/>
+              <a:t>Известные нам способы кластеризации (</a:t>
+            </a:r>
+            <a:r>
+              <a:rPr lang="ru-RU" dirty="0" err="1"/>
+              <a:t>Edge-betweenness</a:t>
+            </a:r>
+            <a:r>
+              <a:rPr lang="ru-RU" dirty="0"/>
+              <a:t> и </a:t>
+            </a:r>
+            <a:r>
+              <a:rPr lang="ru-RU" dirty="0" err="1"/>
+              <a:t>Fast-greedy</a:t>
+            </a:r>
+            <a:r>
+              <a:rPr lang="ru-RU" dirty="0"/>
+              <a:t>) не дали результата, похожего на имеющуюся в </a:t>
+            </a:r>
+            <a:r>
+              <a:rPr lang="ru-RU" dirty="0" err="1"/>
+              <a:t>датасете</a:t>
+            </a:r>
+            <a:r>
+              <a:rPr lang="ru-RU" dirty="0"/>
+              <a:t> классификацию.</a:t>
+            </a:r>
+          </a:p>
+        </p:txBody>
+      </p:sp>
+    </p:spTree>
+    <p:extLst>
+      <p:ext uri="{BB962C8B-B14F-4D97-AF65-F5344CB8AC3E}">
+        <p14:creationId xmlns:p14="http://schemas.microsoft.com/office/powerpoint/2010/main" val="3360895658"/>
+      </p:ext>
+    </p:extLst>
+  </p:cSld>
+  <p:clrMapOvr>
+    <a:masterClrMapping/>
+  </p:clrMapOvr>
+</p:sld>
+</file>
+
 <file path=ppt/slides/slide32.xml><?xml version="1.0" encoding="utf-8"?>
 <p:sld xmlns:a="http://schemas.openxmlformats.org/drawingml/2006/main" xmlns:r="http://schemas.openxmlformats.org/officeDocument/2006/relationships" xmlns:p="http://schemas.openxmlformats.org/presentationml/2006/main">
   <p:cSld>
@@ -6311,7 +6254,7 @@
             <a:pPr algn="ctr"/>
             <a:r>
               <a:rPr lang="ru-RU" dirty="0"/>
-              <a:t>Выводы по заданию 5</a:t>
+              <a:t>Задание 6</a:t>
             </a:r>
           </a:p>
         </p:txBody>
@@ -6333,39 +6276,42 @@
           <a:p>
             <a:r>
               <a:rPr lang="ru-RU" dirty="0"/>
-              <a:t>Известные нам способы кластеризации (</a:t>
-            </a:r>
-            <a:r>
-              <a:rPr lang="ru-RU" dirty="0" err="1"/>
-              <a:t>Edge-betweenness</a:t>
-            </a:r>
-            <a:r>
-              <a:rPr lang="ru-RU" dirty="0"/>
-              <a:t> и </a:t>
-            </a:r>
-            <a:r>
-              <a:rPr lang="ru-RU" dirty="0" err="1"/>
-              <a:t>Fast-greedy</a:t>
-            </a:r>
-            <a:r>
-              <a:rPr lang="ru-RU" dirty="0"/>
-              <a:t>) не дали результата, похожего на имеющуюся в </a:t>
-            </a:r>
-            <a:r>
-              <a:rPr lang="ru-RU" dirty="0" err="1"/>
-              <a:t>датасете</a:t>
-            </a:r>
-            <a:r>
-              <a:rPr lang="ru-RU" dirty="0"/>
-              <a:t> классификацию.</a:t>
-            </a:r>
+              <a:t>Исследовательский вопрос: насколько активно при написании научных работ университеты Новой Зеландии взаимодействуют с другими типами организаций, нужно ли им как-то в этом способствовать извне. </a:t>
+            </a:r>
+          </a:p>
+          <a:p>
+            <a:r>
+              <a:rPr lang="ru-RU" dirty="0"/>
+              <a:t>Для ответа на заданный вопрос нам может помочь модель предсказания класса вершин </a:t>
+            </a:r>
+            <a:r>
+              <a:rPr lang="ru-RU" i="1" dirty="0" err="1"/>
+              <a:t>Relational</a:t>
+            </a:r>
+            <a:r>
+              <a:rPr lang="ru-RU" i="1" dirty="0"/>
+              <a:t> </a:t>
+            </a:r>
+            <a:r>
+              <a:rPr lang="ru-RU" i="1" dirty="0" err="1"/>
+              <a:t>Neighbors</a:t>
+            </a:r>
+            <a:r>
+              <a:rPr lang="ru-RU" i="1" dirty="0"/>
+              <a:t> </a:t>
+            </a:r>
+            <a:r>
+              <a:rPr lang="ru-RU" i="1" dirty="0" err="1"/>
+              <a:t>Classifier</a:t>
+            </a:r>
+            <a:endParaRPr lang="ru-RU" dirty="0"/>
           </a:p>
         </p:txBody>
       </p:sp>
     </p:spTree>
     <p:extLst>
       <p:ext uri="{BB962C8B-B14F-4D97-AF65-F5344CB8AC3E}">
-        <p14:creationId xmlns:p14="http://schemas.microsoft.com/office/powerpoint/2010/main" val="3360895658"/>
+        <p14:creationId xmlns:p14="http://schemas.microsoft.com/office/powerpoint/2010/main" val="2368284056"/>
       </p:ext>
     </p:extLst>
   </p:cSld>
@@ -6410,118 +6356,6 @@
             <a:pPr algn="ctr"/>
             <a:r>
               <a:rPr lang="ru-RU" dirty="0"/>
-              <a:t>Задание 6</a:t>
-            </a:r>
-          </a:p>
-        </p:txBody>
-      </p:sp>
-      <p:sp>
-        <p:nvSpPr>
-          <p:cNvPr id="3" name="Объект 2"/>
-          <p:cNvSpPr>
-            <a:spLocks noGrp="1"/>
-          </p:cNvSpPr>
-          <p:nvPr>
-            <p:ph idx="1"/>
-          </p:nvPr>
-        </p:nvSpPr>
-        <p:spPr/>
-        <p:txBody>
-          <a:bodyPr/>
-          <a:lstStyle/>
-          <a:p>
-            <a:r>
-              <a:rPr lang="ru-RU" dirty="0"/>
-              <a:t>Изначально был поставлен исследовательский вопрос, насколько активно при написании научных работ университеты Новой Зеландии взаимодействуют с другими типами организаций, нужно ли им как-то в этом </a:t>
-            </a:r>
-            <a:r>
-              <a:rPr lang="ru-RU" dirty="0" err="1"/>
-              <a:t>способстовать</a:t>
-            </a:r>
-            <a:r>
-              <a:rPr lang="ru-RU" dirty="0"/>
-              <a:t> извне (например, создавать общие лаборатории с индустриальными корпорациями и государственными органами). Помимо расчета значений </a:t>
-            </a:r>
-            <a:r>
-              <a:rPr lang="ru-RU" dirty="0" err="1"/>
-              <a:t>гомофилии</a:t>
-            </a:r>
-            <a:r>
-              <a:rPr lang="ru-RU" dirty="0"/>
-              <a:t> и различных видов центральностей, для ответа на заданный вопрос нам может помочь модель предсказания класса вершин </a:t>
-            </a:r>
-            <a:r>
-              <a:rPr lang="ru-RU" i="1" dirty="0" err="1"/>
-              <a:t>Relational</a:t>
-            </a:r>
-            <a:r>
-              <a:rPr lang="ru-RU" i="1" dirty="0"/>
-              <a:t> </a:t>
-            </a:r>
-            <a:r>
-              <a:rPr lang="ru-RU" i="1" dirty="0" err="1"/>
-              <a:t>Neighbors</a:t>
-            </a:r>
-            <a:r>
-              <a:rPr lang="ru-RU" i="1" dirty="0"/>
-              <a:t> </a:t>
-            </a:r>
-            <a:r>
-              <a:rPr lang="ru-RU" i="1" dirty="0" err="1"/>
-              <a:t>Classifier</a:t>
-            </a:r>
-            <a:endParaRPr lang="ru-RU" dirty="0"/>
-          </a:p>
-        </p:txBody>
-      </p:sp>
-    </p:spTree>
-    <p:extLst>
-      <p:ext uri="{BB962C8B-B14F-4D97-AF65-F5344CB8AC3E}">
-        <p14:creationId xmlns:p14="http://schemas.microsoft.com/office/powerpoint/2010/main" val="2368284056"/>
-      </p:ext>
-    </p:extLst>
-  </p:cSld>
-  <p:clrMapOvr>
-    <a:masterClrMapping/>
-  </p:clrMapOvr>
-</p:sld>
-</file>
-
-<file path=ppt/slides/slide34.xml><?xml version="1.0" encoding="utf-8"?>
-<p:sld xmlns:a="http://schemas.openxmlformats.org/drawingml/2006/main" xmlns:r="http://schemas.openxmlformats.org/officeDocument/2006/relationships" xmlns:p="http://schemas.openxmlformats.org/presentationml/2006/main">
-  <p:cSld>
-    <p:spTree>
-      <p:nvGrpSpPr>
-        <p:cNvPr id="1" name=""/>
-        <p:cNvGrpSpPr/>
-        <p:nvPr/>
-      </p:nvGrpSpPr>
-      <p:grpSpPr>
-        <a:xfrm>
-          <a:off x="0" y="0"/>
-          <a:ext cx="0" cy="0"/>
-          <a:chOff x="0" y="0"/>
-          <a:chExt cx="0" cy="0"/>
-        </a:xfrm>
-      </p:grpSpPr>
-      <p:sp>
-        <p:nvSpPr>
-          <p:cNvPr id="2" name="Заголовок 1"/>
-          <p:cNvSpPr>
-            <a:spLocks noGrp="1"/>
-          </p:cNvSpPr>
-          <p:nvPr>
-            <p:ph type="title"/>
-          </p:nvPr>
-        </p:nvSpPr>
-        <p:spPr/>
-        <p:txBody>
-          <a:bodyPr/>
-          <a:lstStyle/>
-          <a:p>
-            <a:pPr algn="ctr"/>
-            <a:r>
-              <a:rPr lang="ru-RU" dirty="0"/>
               <a:t>Используемый метод</a:t>
             </a:r>
           </a:p>
@@ -6573,7 +6407,7 @@
 </p:sld>
 </file>
 
-<file path=ppt/slides/slide35.xml><?xml version="1.0" encoding="utf-8"?>
+<file path=ppt/slides/slide34.xml><?xml version="1.0" encoding="utf-8"?>
 <p:sld xmlns:a="http://schemas.openxmlformats.org/drawingml/2006/main" xmlns:r="http://schemas.openxmlformats.org/officeDocument/2006/relationships" xmlns:p="http://schemas.openxmlformats.org/presentationml/2006/main">
   <p:cSld>
     <p:spTree>
@@ -6674,6 +6508,86 @@
 </p:sld>
 </file>
 
+<file path=ppt/slides/slide35.xml><?xml version="1.0" encoding="utf-8"?>
+<p:sld xmlns:a="http://schemas.openxmlformats.org/drawingml/2006/main" xmlns:r="http://schemas.openxmlformats.org/officeDocument/2006/relationships" xmlns:p="http://schemas.openxmlformats.org/presentationml/2006/main">
+  <p:cSld>
+    <p:spTree>
+      <p:nvGrpSpPr>
+        <p:cNvPr id="1" name=""/>
+        <p:cNvGrpSpPr/>
+        <p:nvPr/>
+      </p:nvGrpSpPr>
+      <p:grpSpPr>
+        <a:xfrm>
+          <a:off x="0" y="0"/>
+          <a:ext cx="0" cy="0"/>
+          <a:chOff x="0" y="0"/>
+          <a:chExt cx="0" cy="0"/>
+        </a:xfrm>
+      </p:grpSpPr>
+      <p:sp>
+        <p:nvSpPr>
+          <p:cNvPr id="2" name="Заголовок 1"/>
+          <p:cNvSpPr>
+            <a:spLocks noGrp="1"/>
+          </p:cNvSpPr>
+          <p:nvPr>
+            <p:ph type="title"/>
+          </p:nvPr>
+        </p:nvSpPr>
+        <p:spPr/>
+        <p:txBody>
+          <a:bodyPr/>
+          <a:lstStyle/>
+          <a:p>
+            <a:pPr algn="ctr"/>
+            <a:r>
+              <a:rPr lang="ru-RU" dirty="0"/>
+              <a:t>Выводы по заданию 6</a:t>
+            </a:r>
+          </a:p>
+        </p:txBody>
+      </p:sp>
+      <p:sp>
+        <p:nvSpPr>
+          <p:cNvPr id="3" name="Объект 2"/>
+          <p:cNvSpPr>
+            <a:spLocks noGrp="1"/>
+          </p:cNvSpPr>
+          <p:nvPr>
+            <p:ph idx="1"/>
+          </p:nvPr>
+        </p:nvSpPr>
+        <p:spPr/>
+        <p:txBody>
+          <a:bodyPr>
+            <a:normAutofit/>
+          </a:bodyPr>
+          <a:lstStyle/>
+          <a:p>
+            <a:r>
+              <a:rPr lang="ru-RU" dirty="0"/>
+              <a:t>Как можно увидеть, почти во всех случаях абсолютное число вершин предсказано в качестве университетов. Получаем, что какие бы 10 университетов мы ни взяли, их класс дойдет до большинства вершин быстрее, чем противоположный класс 10 случайных вершин. Это распространяется и на случай, когда были выбраны наименее центральные университеты. Если бы университеты были плохо связаны с организациями другого типа, то их класс намного слабее распространялся бы на вершины другого типа, а это не так.</a:t>
+            </a:r>
+          </a:p>
+          <a:p>
+            <a:endParaRPr lang="ru-RU" dirty="0"/>
+          </a:p>
+        </p:txBody>
+      </p:sp>
+    </p:spTree>
+    <p:extLst>
+      <p:ext uri="{BB962C8B-B14F-4D97-AF65-F5344CB8AC3E}">
+        <p14:creationId xmlns:p14="http://schemas.microsoft.com/office/powerpoint/2010/main" val="1763389669"/>
+      </p:ext>
+    </p:extLst>
+  </p:cSld>
+  <p:clrMapOvr>
+    <a:masterClrMapping/>
+  </p:clrMapOvr>
+</p:sld>
+</file>
+
 <file path=ppt/slides/slide36.xml><?xml version="1.0" encoding="utf-8"?>
 <p:sld xmlns:a="http://schemas.openxmlformats.org/drawingml/2006/main" xmlns:r="http://schemas.openxmlformats.org/officeDocument/2006/relationships" xmlns:p="http://schemas.openxmlformats.org/presentationml/2006/main">
   <p:cSld>
@@ -6727,13 +6641,38 @@
         <p:spPr/>
         <p:txBody>
           <a:bodyPr>
-            <a:normAutofit/>
+            <a:normAutofit lnSpcReduction="10000"/>
           </a:bodyPr>
           <a:lstStyle/>
           <a:p>
             <a:r>
               <a:rPr lang="ru-RU" dirty="0"/>
-              <a:t>Как можно увидеть, почти во всех случаях абсолютное число вершин предсказано в качестве университетов. Получаем, что какие бы 10 университетов мы ни взяли, их класс дойдет до большинства вершин быстрее, чем противоположный класс 10 случайных вершин. Это распространяется и на случай, когда были выбраны наименее центральные университеты. Если бы университеты были плохо связаны с организациями другого типа, то их класс намного слабее распространялся бы на вершины другого типа, а это не так.</a:t>
+              <a:t>Значит, по крайней мере какие-то университеты (а именно наиболее центральные) довольно активно кооперируются с другими организациями (как, например, это делает Оклендский университет). Поэтому для таких университетов нет необходимости строить совместные с бизнесом и государством научные центры.</a:t>
+            </a:r>
+          </a:p>
+          <a:p>
+            <a:endParaRPr lang="ru-RU" dirty="0"/>
+          </a:p>
+          <a:p>
+            <a:r>
+              <a:rPr lang="ru-RU" dirty="0"/>
+              <a:t>Вспомним про высокий показатель </a:t>
+            </a:r>
+            <a:r>
+              <a:rPr lang="ru-RU" dirty="0" err="1"/>
+              <a:t>dyadicity</a:t>
+            </a:r>
+            <a:r>
+              <a:rPr lang="ru-RU" dirty="0"/>
+              <a:t> у ВУЗов: выходит, что он получается таким большим из-за высокой </a:t>
+            </a:r>
+            <a:r>
+              <a:rPr lang="ru-RU" dirty="0" err="1"/>
+              <a:t>гомофилии</a:t>
+            </a:r>
+            <a:r>
+              <a:rPr lang="ru-RU" dirty="0"/>
+              <a:t> более мелких учебных заведений. Тогда можно предположить, что именно они плохо взаимодействуют с бизнесом и гос. органами.</a:t>
             </a:r>
           </a:p>
           <a:p>
@@ -6744,7 +6683,7 @@
     </p:spTree>
     <p:extLst>
       <p:ext uri="{BB962C8B-B14F-4D97-AF65-F5344CB8AC3E}">
-        <p14:creationId xmlns:p14="http://schemas.microsoft.com/office/powerpoint/2010/main" val="1763389669"/>
+        <p14:creationId xmlns:p14="http://schemas.microsoft.com/office/powerpoint/2010/main" val="1763927233"/>
       </p:ext>
     </p:extLst>
   </p:cSld>
@@ -6789,111 +6728,6 @@
             <a:pPr algn="ctr"/>
             <a:r>
               <a:rPr lang="ru-RU" dirty="0"/>
-              <a:t>Выводы по заданию 6</a:t>
-            </a:r>
-          </a:p>
-        </p:txBody>
-      </p:sp>
-      <p:sp>
-        <p:nvSpPr>
-          <p:cNvPr id="3" name="Объект 2"/>
-          <p:cNvSpPr>
-            <a:spLocks noGrp="1"/>
-          </p:cNvSpPr>
-          <p:nvPr>
-            <p:ph idx="1"/>
-          </p:nvPr>
-        </p:nvSpPr>
-        <p:spPr/>
-        <p:txBody>
-          <a:bodyPr>
-            <a:normAutofit lnSpcReduction="10000"/>
-          </a:bodyPr>
-          <a:lstStyle/>
-          <a:p>
-            <a:r>
-              <a:rPr lang="ru-RU" dirty="0"/>
-              <a:t>Значит, по крайней мере какие-то университеты (а именно наиболее центральные) довольно активно кооперируются с другими организациями (как, например, это делает Оклендский университет). Поэтому для таких университетов нет необходимости строить совместные с бизнесом и государством научные центры.</a:t>
-            </a:r>
-          </a:p>
-          <a:p>
-            <a:endParaRPr lang="ru-RU" dirty="0"/>
-          </a:p>
-          <a:p>
-            <a:r>
-              <a:rPr lang="ru-RU" dirty="0"/>
-              <a:t>Вспомним про высокий показатель </a:t>
-            </a:r>
-            <a:r>
-              <a:rPr lang="ru-RU" dirty="0" err="1"/>
-              <a:t>dyadicity</a:t>
-            </a:r>
-            <a:r>
-              <a:rPr lang="ru-RU" dirty="0"/>
-              <a:t> у ВУЗов: выходит, что он получается таким большим из-за высокой </a:t>
-            </a:r>
-            <a:r>
-              <a:rPr lang="ru-RU" dirty="0" err="1"/>
-              <a:t>гомофилии</a:t>
-            </a:r>
-            <a:r>
-              <a:rPr lang="ru-RU" dirty="0"/>
-              <a:t> более мелких учебных заведений. Тогда можно предположить, что именно они плохо взаимодействуют с бизнесом и гос. органами.</a:t>
-            </a:r>
-          </a:p>
-          <a:p>
-            <a:endParaRPr lang="ru-RU" dirty="0"/>
-          </a:p>
-        </p:txBody>
-      </p:sp>
-    </p:spTree>
-    <p:extLst>
-      <p:ext uri="{BB962C8B-B14F-4D97-AF65-F5344CB8AC3E}">
-        <p14:creationId xmlns:p14="http://schemas.microsoft.com/office/powerpoint/2010/main" val="1763927233"/>
-      </p:ext>
-    </p:extLst>
-  </p:cSld>
-  <p:clrMapOvr>
-    <a:masterClrMapping/>
-  </p:clrMapOvr>
-</p:sld>
-</file>
-
-<file path=ppt/slides/slide38.xml><?xml version="1.0" encoding="utf-8"?>
-<p:sld xmlns:a="http://schemas.openxmlformats.org/drawingml/2006/main" xmlns:r="http://schemas.openxmlformats.org/officeDocument/2006/relationships" xmlns:p="http://schemas.openxmlformats.org/presentationml/2006/main">
-  <p:cSld>
-    <p:spTree>
-      <p:nvGrpSpPr>
-        <p:cNvPr id="1" name=""/>
-        <p:cNvGrpSpPr/>
-        <p:nvPr/>
-      </p:nvGrpSpPr>
-      <p:grpSpPr>
-        <a:xfrm>
-          <a:off x="0" y="0"/>
-          <a:ext cx="0" cy="0"/>
-          <a:chOff x="0" y="0"/>
-          <a:chExt cx="0" cy="0"/>
-        </a:xfrm>
-      </p:grpSpPr>
-      <p:sp>
-        <p:nvSpPr>
-          <p:cNvPr id="2" name="Заголовок 1"/>
-          <p:cNvSpPr>
-            <a:spLocks noGrp="1"/>
-          </p:cNvSpPr>
-          <p:nvPr>
-            <p:ph type="title"/>
-          </p:nvPr>
-        </p:nvSpPr>
-        <p:spPr/>
-        <p:txBody>
-          <a:bodyPr/>
-          <a:lstStyle/>
-          <a:p>
-            <a:pPr algn="ctr"/>
-            <a:r>
-              <a:rPr lang="ru-RU" dirty="0"/>
               <a:t>Ответ на исследовательский вопрос</a:t>
             </a:r>
           </a:p>
@@ -6964,81 +6798,6 @@
 </file>
 
 <file path=ppt/slides/slide4.xml><?xml version="1.0" encoding="utf-8"?>
-<p:sld xmlns:a="http://schemas.openxmlformats.org/drawingml/2006/main" xmlns:r="http://schemas.openxmlformats.org/officeDocument/2006/relationships" xmlns:p="http://schemas.openxmlformats.org/presentationml/2006/main">
-  <p:cSld>
-    <p:spTree>
-      <p:nvGrpSpPr>
-        <p:cNvPr id="1" name=""/>
-        <p:cNvGrpSpPr/>
-        <p:nvPr/>
-      </p:nvGrpSpPr>
-      <p:grpSpPr>
-        <a:xfrm>
-          <a:off x="0" y="0"/>
-          <a:ext cx="0" cy="0"/>
-          <a:chOff x="0" y="0"/>
-          <a:chExt cx="0" cy="0"/>
-        </a:xfrm>
-      </p:grpSpPr>
-      <p:sp>
-        <p:nvSpPr>
-          <p:cNvPr id="2" name="Заголовок 1"/>
-          <p:cNvSpPr>
-            <a:spLocks noGrp="1"/>
-          </p:cNvSpPr>
-          <p:nvPr>
-            <p:ph type="title"/>
-          </p:nvPr>
-        </p:nvSpPr>
-        <p:spPr/>
-        <p:txBody>
-          <a:bodyPr/>
-          <a:lstStyle/>
-          <a:p>
-            <a:pPr algn="ctr"/>
-            <a:r>
-              <a:rPr lang="ru-RU" dirty="0"/>
-              <a:t>Визуализация графа</a:t>
-            </a:r>
-          </a:p>
-        </p:txBody>
-      </p:sp>
-      <p:sp>
-        <p:nvSpPr>
-          <p:cNvPr id="3" name="Объект 2"/>
-          <p:cNvSpPr>
-            <a:spLocks noGrp="1"/>
-          </p:cNvSpPr>
-          <p:nvPr>
-            <p:ph idx="1"/>
-          </p:nvPr>
-        </p:nvSpPr>
-        <p:spPr/>
-        <p:txBody>
-          <a:bodyPr/>
-          <a:lstStyle/>
-          <a:p>
-            <a:r>
-              <a:rPr lang="ru-RU" dirty="0"/>
-              <a:t>При использовании нескольких пакетов для работы с графами не оказалось возможным интерпретируемо визуализировать граф полностью. Поэтому для отображения структуры нашей сети найдем 100 самых центральных по степени вершин и представим связи между ними </a:t>
-            </a:r>
-          </a:p>
-        </p:txBody>
-      </p:sp>
-    </p:spTree>
-    <p:extLst>
-      <p:ext uri="{BB962C8B-B14F-4D97-AF65-F5344CB8AC3E}">
-        <p14:creationId xmlns:p14="http://schemas.microsoft.com/office/powerpoint/2010/main" val="2219307383"/>
-      </p:ext>
-    </p:extLst>
-  </p:cSld>
-  <p:clrMapOvr>
-    <a:masterClrMapping/>
-  </p:clrMapOvr>
-</p:sld>
-</file>
-
-<file path=ppt/slides/slide5.xml><?xml version="1.0" encoding="utf-8"?>
 <p:sld xmlns:a="http://schemas.openxmlformats.org/drawingml/2006/main" xmlns:r="http://schemas.openxmlformats.org/officeDocument/2006/relationships" xmlns:p="http://schemas.openxmlformats.org/presentationml/2006/main">
   <p:cSld>
     <p:spTree>
@@ -7140,7 +6899,7 @@
 </p:sld>
 </file>
 
-<file path=ppt/slides/slide6.xml><?xml version="1.0" encoding="utf-8"?>
+<file path=ppt/slides/slide5.xml><?xml version="1.0" encoding="utf-8"?>
 <p:sld xmlns:a="http://schemas.openxmlformats.org/drawingml/2006/main" xmlns:r="http://schemas.openxmlformats.org/officeDocument/2006/relationships" xmlns:p="http://schemas.openxmlformats.org/presentationml/2006/main">
   <p:cSld>
     <p:spTree>
@@ -7197,8 +6956,82 @@
           <a:p>
             <a:r>
               <a:rPr lang="ru-RU" dirty="0"/>
-              <a:t>Плотность нашего графа составляет 0,0037. Такая низкая плотность (вероятность образования связи) довольно естественная для вероятности написания научной работы. Наша сеть имеет 24 компонента связности: одна главная, соединяющая практически все вершины, а все остальные имеют по 2-3 вершины. Диаметр (наибольший из кратчайших путей) имеет длину 4,01, или 6, если брать единичные веса для всех дуг.</a:t>
-            </a:r>
+              <a:t>Вершин: 1511</a:t>
+            </a:r>
+          </a:p>
+          <a:p>
+            <a:r>
+              <a:rPr lang="ru-RU" dirty="0"/>
+              <a:t>Ребер: 4273</a:t>
+            </a:r>
+            <a:endParaRPr lang="en-US" dirty="0"/>
+          </a:p>
+          <a:p>
+            <a:r>
+              <a:rPr lang="ru-RU" dirty="0"/>
+              <a:t>Плотность: 0,0037</a:t>
+            </a:r>
+          </a:p>
+          <a:p>
+            <a:r>
+              <a:rPr lang="ru-RU" dirty="0"/>
+              <a:t>Порог случайного графа: 0</a:t>
+            </a:r>
+            <a:r>
+              <a:rPr lang="en-US" dirty="0"/>
+              <a:t>.0048</a:t>
+            </a:r>
+            <a:endParaRPr lang="ru-RU" dirty="0"/>
+          </a:p>
+          <a:p>
+            <a:r>
+              <a:rPr lang="ru-RU" dirty="0"/>
+              <a:t>Диаметр: </a:t>
+            </a:r>
+            <a:r>
+              <a:rPr lang="en-US" dirty="0"/>
+              <a:t>6, 4.01 (weighted)</a:t>
+            </a:r>
+            <a:endParaRPr lang="ru-RU" dirty="0"/>
+          </a:p>
+          <a:p>
+            <a:r>
+              <a:rPr lang="ru-RU" dirty="0"/>
+              <a:t>Компонент связности: 24</a:t>
+            </a:r>
+            <a:r>
+              <a:rPr lang="en-US" dirty="0"/>
+              <a:t>, </a:t>
+            </a:r>
+            <a:r>
+              <a:rPr lang="ru-RU" dirty="0"/>
+              <a:t>из которых 23 из 2-3 вершин</a:t>
+            </a:r>
+            <a:endParaRPr lang="en-US" dirty="0"/>
+          </a:p>
+          <a:p>
+            <a:r>
+              <a:rPr lang="ru-RU" dirty="0"/>
+              <a:t>Средняя длина пути: 2</a:t>
+            </a:r>
+            <a:r>
+              <a:rPr lang="en-US" dirty="0"/>
+              <a:t>.8, 1.5 (weighted)</a:t>
+            </a:r>
+            <a:endParaRPr lang="ru-RU" dirty="0"/>
+          </a:p>
+          <a:p>
+            <a:r>
+              <a:rPr lang="ru-RU" dirty="0"/>
+              <a:t>Средняя центральность по степени: 5</a:t>
+            </a:r>
+            <a:r>
+              <a:rPr lang="en-US" dirty="0"/>
+              <a:t>.65</a:t>
+            </a:r>
+          </a:p>
+          <a:p>
+            <a:endParaRPr lang="en-US" dirty="0"/>
           </a:p>
         </p:txBody>
       </p:sp>
@@ -7215,7 +7048,7 @@
 </p:sld>
 </file>
 
-<file path=ppt/slides/slide7.xml><?xml version="1.0" encoding="utf-8"?>
+<file path=ppt/slides/slide6.xml><?xml version="1.0" encoding="utf-8"?>
 <p:sld xmlns:a="http://schemas.openxmlformats.org/drawingml/2006/main" xmlns:r="http://schemas.openxmlformats.org/officeDocument/2006/relationships" xmlns:p="http://schemas.openxmlformats.org/presentationml/2006/main">
   <p:cSld>
     <p:spTree>
@@ -7316,7 +7149,7 @@
 </p:sld>
 </file>
 
-<file path=ppt/slides/slide8.xml><?xml version="1.0" encoding="utf-8"?>
+<file path=ppt/slides/slide7.xml><?xml version="1.0" encoding="utf-8"?>
 <p:sld xmlns:a="http://schemas.openxmlformats.org/drawingml/2006/main" xmlns:r="http://schemas.openxmlformats.org/officeDocument/2006/relationships" xmlns:p="http://schemas.openxmlformats.org/presentationml/2006/main">
   <p:cSld>
     <p:spTree>
@@ -7391,7 +7224,7 @@
 </p:sld>
 </file>
 
-<file path=ppt/slides/slide9.xml><?xml version="1.0" encoding="utf-8"?>
+<file path=ppt/slides/slide8.xml><?xml version="1.0" encoding="utf-8"?>
 <p:sld xmlns:a="http://schemas.openxmlformats.org/drawingml/2006/main" xmlns:r="http://schemas.openxmlformats.org/officeDocument/2006/relationships" xmlns:p="http://schemas.openxmlformats.org/presentationml/2006/main">
   <p:cSld>
     <p:spTree>
@@ -7464,6 +7297,136 @@
     <p:extLst>
       <p:ext uri="{BB962C8B-B14F-4D97-AF65-F5344CB8AC3E}">
         <p14:creationId xmlns:p14="http://schemas.microsoft.com/office/powerpoint/2010/main" val="2709893467"/>
+      </p:ext>
+    </p:extLst>
+  </p:cSld>
+  <p:clrMapOvr>
+    <a:masterClrMapping/>
+  </p:clrMapOvr>
+</p:sld>
+</file>
+
+<file path=ppt/slides/slide9.xml><?xml version="1.0" encoding="utf-8"?>
+<p:sld xmlns:a="http://schemas.openxmlformats.org/drawingml/2006/main" xmlns:r="http://schemas.openxmlformats.org/officeDocument/2006/relationships" xmlns:p="http://schemas.openxmlformats.org/presentationml/2006/main">
+  <p:cSld>
+    <p:spTree>
+      <p:nvGrpSpPr>
+        <p:cNvPr id="1" name=""/>
+        <p:cNvGrpSpPr/>
+        <p:nvPr/>
+      </p:nvGrpSpPr>
+      <p:grpSpPr>
+        <a:xfrm>
+          <a:off x="0" y="0"/>
+          <a:ext cx="0" cy="0"/>
+          <a:chOff x="0" y="0"/>
+          <a:chExt cx="0" cy="0"/>
+        </a:xfrm>
+      </p:grpSpPr>
+      <p:sp>
+        <p:nvSpPr>
+          <p:cNvPr id="2" name="Заголовок 1"/>
+          <p:cNvSpPr>
+            <a:spLocks noGrp="1"/>
+          </p:cNvSpPr>
+          <p:nvPr>
+            <p:ph type="title"/>
+          </p:nvPr>
+        </p:nvSpPr>
+        <p:spPr/>
+        <p:txBody>
+          <a:bodyPr/>
+          <a:lstStyle/>
+          <a:p>
+            <a:pPr algn="ctr"/>
+            <a:r>
+              <a:rPr lang="ru-RU" dirty="0"/>
+              <a:t>Модель </a:t>
+            </a:r>
+            <a:r>
+              <a:rPr lang="ru-RU" dirty="0" err="1"/>
+              <a:t>Эрдеша-Реньи</a:t>
+            </a:r>
+            <a:endParaRPr lang="ru-RU" dirty="0"/>
+          </a:p>
+        </p:txBody>
+      </p:sp>
+      <p:pic>
+        <p:nvPicPr>
+          <p:cNvPr id="4" name="Рисунок 3"/>
+          <p:cNvPicPr>
+            <a:picLocks noChangeAspect="1"/>
+          </p:cNvPicPr>
+          <p:nvPr/>
+        </p:nvPicPr>
+        <p:blipFill>
+          <a:blip r:embed="rId2"/>
+          <a:stretch>
+            <a:fillRect/>
+          </a:stretch>
+        </p:blipFill>
+        <p:spPr>
+          <a:xfrm>
+            <a:off x="85060" y="1401890"/>
+            <a:ext cx="3892135" cy="2568809"/>
+          </a:xfrm>
+          <a:prstGeom prst="rect">
+            <a:avLst/>
+          </a:prstGeom>
+        </p:spPr>
+      </p:pic>
+      <p:pic>
+        <p:nvPicPr>
+          <p:cNvPr id="5" name="Рисунок 4"/>
+          <p:cNvPicPr>
+            <a:picLocks noChangeAspect="1"/>
+          </p:cNvPicPr>
+          <p:nvPr/>
+        </p:nvPicPr>
+        <p:blipFill>
+          <a:blip r:embed="rId3"/>
+          <a:stretch>
+            <a:fillRect/>
+          </a:stretch>
+        </p:blipFill>
+        <p:spPr>
+          <a:xfrm>
+            <a:off x="3616992" y="3744363"/>
+            <a:ext cx="4341327" cy="2871788"/>
+          </a:xfrm>
+          <a:prstGeom prst="rect">
+            <a:avLst/>
+          </a:prstGeom>
+        </p:spPr>
+      </p:pic>
+      <p:pic>
+        <p:nvPicPr>
+          <p:cNvPr id="3" name="Рисунок 2"/>
+          <p:cNvPicPr>
+            <a:picLocks noChangeAspect="1"/>
+          </p:cNvPicPr>
+          <p:nvPr/>
+        </p:nvPicPr>
+        <p:blipFill>
+          <a:blip r:embed="rId4"/>
+          <a:stretch>
+            <a:fillRect/>
+          </a:stretch>
+        </p:blipFill>
+        <p:spPr>
+          <a:xfrm>
+            <a:off x="7371320" y="1292358"/>
+            <a:ext cx="4792392" cy="2960666"/>
+          </a:xfrm>
+          <a:prstGeom prst="rect">
+            <a:avLst/>
+          </a:prstGeom>
+        </p:spPr>
+      </p:pic>
+    </p:spTree>
+    <p:extLst>
+      <p:ext uri="{BB962C8B-B14F-4D97-AF65-F5344CB8AC3E}">
+        <p14:creationId xmlns:p14="http://schemas.microsoft.com/office/powerpoint/2010/main" val="572788586"/>
       </p:ext>
     </p:extLst>
   </p:cSld>

--- a/Networks/Issledovanie_nauchnogo_sotrudnichestva_v_Novoy_Zelandii.pptx
+++ b/Networks/Issledovanie_nauchnogo_sotrudnichestva_v_Novoy_Zelandii.pptx
@@ -6746,21 +6746,21 @@
         <p:spPr/>
         <p:txBody>
           <a:bodyPr>
-            <a:normAutofit fontScale="92500"/>
+            <a:normAutofit lnSpcReduction="10000"/>
           </a:bodyPr>
           <a:lstStyle/>
           <a:p>
             <a:r>
               <a:rPr lang="ru-RU" dirty="0"/>
-              <a:t>При моделировании класс ВУЗов распространялся по сети через их соседей — крупные университеты. В таком случае, более разумно строить научные центры именно соединяющие мелкие университеты с крупными. Данным образом, казалось бы, усиливая </a:t>
-            </a:r>
-            <a:r>
-              <a:rPr lang="ru-RU" dirty="0" err="1"/>
-              <a:t>гомофилию</a:t>
-            </a:r>
-            <a:r>
-              <a:rPr lang="ru-RU" dirty="0"/>
-              <a:t>, мы, наоборот, будем способствовать развитию научных отношений университетов с индустриальными партнерами.</a:t>
+              <a:t>При моделировании класс ВУЗов распространялся по сети через их соседей — крупные университеты. В таком случае, более разумно строить научные центры</a:t>
+            </a:r>
+            <a:r>
+              <a:rPr lang="en-US" dirty="0"/>
+              <a:t> </a:t>
+            </a:r>
+            <a:r>
+              <a:rPr lang="ru-RU" dirty="0"/>
+              <a:t>на базе крупных университетов с активной вовлеченностью мелких, так как сами по себе они плохо связаны с организациями других типов.</a:t>
             </a:r>
           </a:p>
           <a:p>

--- a/Networks/Issledovanie_nauchnogo_sotrudnichestva_v_Novoy_Zelandii.pptx
+++ b/Networks/Issledovanie_nauchnogo_sotrudnichestva_v_Novoy_Zelandii.pptx
@@ -22,26 +22,24 @@
     <p:sldId id="272" r:id="rId16"/>
     <p:sldId id="273" r:id="rId17"/>
     <p:sldId id="278" r:id="rId18"/>
-    <p:sldId id="274" r:id="rId19"/>
-    <p:sldId id="275" r:id="rId20"/>
-    <p:sldId id="276" r:id="rId21"/>
-    <p:sldId id="277" r:id="rId22"/>
-    <p:sldId id="279" r:id="rId23"/>
-    <p:sldId id="280" r:id="rId24"/>
-    <p:sldId id="281" r:id="rId25"/>
-    <p:sldId id="282" r:id="rId26"/>
-    <p:sldId id="283" r:id="rId27"/>
-    <p:sldId id="284" r:id="rId28"/>
-    <p:sldId id="285" r:id="rId29"/>
-    <p:sldId id="286" r:id="rId30"/>
-    <p:sldId id="287" r:id="rId31"/>
-    <p:sldId id="288" r:id="rId32"/>
-    <p:sldId id="289" r:id="rId33"/>
-    <p:sldId id="290" r:id="rId34"/>
-    <p:sldId id="291" r:id="rId35"/>
-    <p:sldId id="292" r:id="rId36"/>
-    <p:sldId id="293" r:id="rId37"/>
-    <p:sldId id="294" r:id="rId38"/>
+    <p:sldId id="276" r:id="rId19"/>
+    <p:sldId id="277" r:id="rId20"/>
+    <p:sldId id="279" r:id="rId21"/>
+    <p:sldId id="280" r:id="rId22"/>
+    <p:sldId id="281" r:id="rId23"/>
+    <p:sldId id="282" r:id="rId24"/>
+    <p:sldId id="283" r:id="rId25"/>
+    <p:sldId id="284" r:id="rId26"/>
+    <p:sldId id="285" r:id="rId27"/>
+    <p:sldId id="286" r:id="rId28"/>
+    <p:sldId id="287" r:id="rId29"/>
+    <p:sldId id="288" r:id="rId30"/>
+    <p:sldId id="289" r:id="rId31"/>
+    <p:sldId id="290" r:id="rId32"/>
+    <p:sldId id="291" r:id="rId33"/>
+    <p:sldId id="292" r:id="rId34"/>
+    <p:sldId id="293" r:id="rId35"/>
+    <p:sldId id="294" r:id="rId36"/>
   </p:sldIdLst>
   <p:sldSz cx="12192000" cy="6858000"/>
   <p:notesSz cx="6858000" cy="9144000"/>
@@ -4030,470 +4028,6 @@
             <a:pPr algn="ctr"/>
             <a:r>
               <a:rPr lang="ru-RU" dirty="0"/>
-              <a:t>Центральность по близости</a:t>
-            </a:r>
-          </a:p>
-        </p:txBody>
-      </p:sp>
-      <p:pic>
-        <p:nvPicPr>
-          <p:cNvPr id="5" name="Объект 4"/>
-          <p:cNvPicPr>
-            <a:picLocks noGrp="1" noChangeAspect="1"/>
-          </p:cNvPicPr>
-          <p:nvPr>
-            <p:ph idx="1"/>
-          </p:nvPr>
-        </p:nvPicPr>
-        <p:blipFill rotWithShape="1">
-          <a:blip r:embed="rId2"/>
-          <a:srcRect l="34868" t="25241" r="30745" b="31997"/>
-          <a:stretch/>
-        </p:blipFill>
-        <p:spPr>
-          <a:xfrm>
-            <a:off x="6826102" y="2360428"/>
-            <a:ext cx="3490880" cy="2679404"/>
-          </a:xfrm>
-          <a:prstGeom prst="rect">
-            <a:avLst/>
-          </a:prstGeom>
-        </p:spPr>
-      </p:pic>
-      <p:pic>
-        <p:nvPicPr>
-          <p:cNvPr id="4" name="Рисунок 3"/>
-          <p:cNvPicPr>
-            <a:picLocks noChangeAspect="1"/>
-          </p:cNvPicPr>
-          <p:nvPr/>
-        </p:nvPicPr>
-        <p:blipFill rotWithShape="1">
-          <a:blip r:embed="rId3"/>
-          <a:srcRect l="32360" t="21765" r="25258" b="28894"/>
-          <a:stretch/>
-        </p:blipFill>
-        <p:spPr>
-          <a:xfrm>
-            <a:off x="1467293" y="2360428"/>
-            <a:ext cx="3891516" cy="2796363"/>
-          </a:xfrm>
-          <a:prstGeom prst="rect">
-            <a:avLst/>
-          </a:prstGeom>
-        </p:spPr>
-      </p:pic>
-      <p:sp>
-        <p:nvSpPr>
-          <p:cNvPr id="6" name="TextBox 5"/>
-          <p:cNvSpPr txBox="1"/>
-          <p:nvPr/>
-        </p:nvSpPr>
-        <p:spPr>
-          <a:xfrm>
-            <a:off x="1275907" y="5409637"/>
-            <a:ext cx="4820093" cy="523220"/>
-          </a:xfrm>
-          <a:prstGeom prst="rect">
-            <a:avLst/>
-          </a:prstGeom>
-          <a:noFill/>
-        </p:spPr>
-        <p:txBody>
-          <a:bodyPr wrap="square" rtlCol="0">
-            <a:spAutoFit/>
-          </a:bodyPr>
-          <a:lstStyle/>
-          <a:p>
-            <a:r>
-              <a:rPr lang="ru-RU" sz="2800" dirty="0"/>
-              <a:t>Гистограмма без учета весов</a:t>
-            </a:r>
-            <a:endParaRPr lang="ru-RU" dirty="0"/>
-          </a:p>
-        </p:txBody>
-      </p:sp>
-      <p:sp>
-        <p:nvSpPr>
-          <p:cNvPr id="7" name="TextBox 6"/>
-          <p:cNvSpPr txBox="1"/>
-          <p:nvPr/>
-        </p:nvSpPr>
-        <p:spPr>
-          <a:xfrm>
-            <a:off x="6432697" y="5409637"/>
-            <a:ext cx="5059326" cy="523220"/>
-          </a:xfrm>
-          <a:prstGeom prst="rect">
-            <a:avLst/>
-          </a:prstGeom>
-          <a:noFill/>
-        </p:spPr>
-        <p:txBody>
-          <a:bodyPr wrap="square" rtlCol="0">
-            <a:spAutoFit/>
-          </a:bodyPr>
-          <a:lstStyle/>
-          <a:p>
-            <a:r>
-              <a:rPr lang="ru-RU" sz="2800" dirty="0"/>
-              <a:t>Гистограмма с учетом весов</a:t>
-            </a:r>
-          </a:p>
-        </p:txBody>
-      </p:sp>
-    </p:spTree>
-    <p:extLst>
-      <p:ext uri="{BB962C8B-B14F-4D97-AF65-F5344CB8AC3E}">
-        <p14:creationId xmlns:p14="http://schemas.microsoft.com/office/powerpoint/2010/main" val="2501656337"/>
-      </p:ext>
-    </p:extLst>
-  </p:cSld>
-  <p:clrMapOvr>
-    <a:masterClrMapping/>
-  </p:clrMapOvr>
-</p:sld>
-</file>
-
-<file path=ppt/slides/slide19.xml><?xml version="1.0" encoding="utf-8"?>
-<p:sld xmlns:a="http://schemas.openxmlformats.org/drawingml/2006/main" xmlns:r="http://schemas.openxmlformats.org/officeDocument/2006/relationships" xmlns:p="http://schemas.openxmlformats.org/presentationml/2006/main">
-  <p:cSld>
-    <p:spTree>
-      <p:nvGrpSpPr>
-        <p:cNvPr id="1" name=""/>
-        <p:cNvGrpSpPr/>
-        <p:nvPr/>
-      </p:nvGrpSpPr>
-      <p:grpSpPr>
-        <a:xfrm>
-          <a:off x="0" y="0"/>
-          <a:ext cx="0" cy="0"/>
-          <a:chOff x="0" y="0"/>
-          <a:chExt cx="0" cy="0"/>
-        </a:xfrm>
-      </p:grpSpPr>
-      <p:sp>
-        <p:nvSpPr>
-          <p:cNvPr id="2" name="Заголовок 1"/>
-          <p:cNvSpPr>
-            <a:spLocks noGrp="1"/>
-          </p:cNvSpPr>
-          <p:nvPr>
-            <p:ph type="title"/>
-          </p:nvPr>
-        </p:nvSpPr>
-        <p:spPr/>
-        <p:txBody>
-          <a:bodyPr/>
-          <a:lstStyle/>
-          <a:p>
-            <a:pPr algn="ctr"/>
-            <a:r>
-              <a:rPr lang="ru-RU" dirty="0"/>
-              <a:t>Самые центральные вершины</a:t>
-            </a:r>
-          </a:p>
-        </p:txBody>
-      </p:sp>
-      <p:pic>
-        <p:nvPicPr>
-          <p:cNvPr id="5" name="Рисунок 4"/>
-          <p:cNvPicPr>
-            <a:picLocks noChangeAspect="1"/>
-          </p:cNvPicPr>
-          <p:nvPr/>
-        </p:nvPicPr>
-        <p:blipFill>
-          <a:blip r:embed="rId2"/>
-          <a:stretch>
-            <a:fillRect/>
-          </a:stretch>
-        </p:blipFill>
-        <p:spPr>
-          <a:xfrm>
-            <a:off x="121167" y="1577385"/>
-            <a:ext cx="9886950" cy="2533650"/>
-          </a:xfrm>
-          <a:prstGeom prst="rect">
-            <a:avLst/>
-          </a:prstGeom>
-        </p:spPr>
-      </p:pic>
-      <p:pic>
-        <p:nvPicPr>
-          <p:cNvPr id="6" name="Рисунок 5"/>
-          <p:cNvPicPr>
-            <a:picLocks noChangeAspect="1"/>
-          </p:cNvPicPr>
-          <p:nvPr/>
-        </p:nvPicPr>
-        <p:blipFill>
-          <a:blip r:embed="rId3"/>
-          <a:stretch>
-            <a:fillRect/>
-          </a:stretch>
-        </p:blipFill>
-        <p:spPr>
-          <a:xfrm>
-            <a:off x="506929" y="4381500"/>
-            <a:ext cx="9115425" cy="2476500"/>
-          </a:xfrm>
-          <a:prstGeom prst="rect">
-            <a:avLst/>
-          </a:prstGeom>
-        </p:spPr>
-      </p:pic>
-      <p:sp>
-        <p:nvSpPr>
-          <p:cNvPr id="7" name="TextBox 6"/>
-          <p:cNvSpPr txBox="1"/>
-          <p:nvPr/>
-        </p:nvSpPr>
-        <p:spPr>
-          <a:xfrm>
-            <a:off x="10008117" y="1931450"/>
-            <a:ext cx="1517576" cy="1815882"/>
-          </a:xfrm>
-          <a:prstGeom prst="rect">
-            <a:avLst/>
-          </a:prstGeom>
-          <a:noFill/>
-        </p:spPr>
-        <p:txBody>
-          <a:bodyPr wrap="square" rtlCol="0">
-            <a:spAutoFit/>
-          </a:bodyPr>
-          <a:lstStyle/>
-          <a:p>
-            <a:r>
-              <a:rPr lang="ru-RU" sz="2800" dirty="0"/>
-              <a:t>Топ-10 без учета весов</a:t>
-            </a:r>
-          </a:p>
-        </p:txBody>
-      </p:sp>
-      <p:sp>
-        <p:nvSpPr>
-          <p:cNvPr id="8" name="TextBox 7"/>
-          <p:cNvSpPr txBox="1"/>
-          <p:nvPr/>
-        </p:nvSpPr>
-        <p:spPr>
-          <a:xfrm>
-            <a:off x="10008117" y="4927252"/>
-            <a:ext cx="1550359" cy="1384995"/>
-          </a:xfrm>
-          <a:prstGeom prst="rect">
-            <a:avLst/>
-          </a:prstGeom>
-          <a:noFill/>
-        </p:spPr>
-        <p:txBody>
-          <a:bodyPr wrap="square" rtlCol="0">
-            <a:spAutoFit/>
-          </a:bodyPr>
-          <a:lstStyle/>
-          <a:p>
-            <a:r>
-              <a:rPr lang="ru-RU" sz="2800" dirty="0"/>
-              <a:t>Топ-10 с учетом весов</a:t>
-            </a:r>
-          </a:p>
-        </p:txBody>
-      </p:sp>
-    </p:spTree>
-    <p:extLst>
-      <p:ext uri="{BB962C8B-B14F-4D97-AF65-F5344CB8AC3E}">
-        <p14:creationId xmlns:p14="http://schemas.microsoft.com/office/powerpoint/2010/main" val="4243736926"/>
-      </p:ext>
-    </p:extLst>
-  </p:cSld>
-  <p:clrMapOvr>
-    <a:masterClrMapping/>
-  </p:clrMapOvr>
-</p:sld>
-</file>
-
-<file path=ppt/slides/slide2.xml><?xml version="1.0" encoding="utf-8"?>
-<p:sld xmlns:a="http://schemas.openxmlformats.org/drawingml/2006/main" xmlns:r="http://schemas.openxmlformats.org/officeDocument/2006/relationships" xmlns:p="http://schemas.openxmlformats.org/presentationml/2006/main">
-  <p:cSld>
-    <p:spTree>
-      <p:nvGrpSpPr>
-        <p:cNvPr id="1" name=""/>
-        <p:cNvGrpSpPr/>
-        <p:nvPr/>
-      </p:nvGrpSpPr>
-      <p:grpSpPr>
-        <a:xfrm>
-          <a:off x="0" y="0"/>
-          <a:ext cx="0" cy="0"/>
-          <a:chOff x="0" y="0"/>
-          <a:chExt cx="0" cy="0"/>
-        </a:xfrm>
-      </p:grpSpPr>
-      <p:sp>
-        <p:nvSpPr>
-          <p:cNvPr id="2" name="Заголовок 1"/>
-          <p:cNvSpPr>
-            <a:spLocks noGrp="1"/>
-          </p:cNvSpPr>
-          <p:nvPr>
-            <p:ph type="title"/>
-          </p:nvPr>
-        </p:nvSpPr>
-        <p:spPr>
-          <a:xfrm>
-            <a:off x="838200" y="164158"/>
-            <a:ext cx="10515600" cy="1325563"/>
-          </a:xfrm>
-        </p:spPr>
-        <p:txBody>
-          <a:bodyPr/>
-          <a:lstStyle/>
-          <a:p>
-            <a:pPr algn="ctr"/>
-            <a:r>
-              <a:rPr lang="ru-RU" dirty="0"/>
-              <a:t>Описание данных</a:t>
-            </a:r>
-          </a:p>
-        </p:txBody>
-      </p:sp>
-      <p:sp>
-        <p:nvSpPr>
-          <p:cNvPr id="3" name="Объект 2"/>
-          <p:cNvSpPr>
-            <a:spLocks noGrp="1"/>
-          </p:cNvSpPr>
-          <p:nvPr>
-            <p:ph idx="1"/>
-          </p:nvPr>
-        </p:nvSpPr>
-        <p:spPr>
-          <a:xfrm>
-            <a:off x="838200" y="1600253"/>
-            <a:ext cx="10515600" cy="5333110"/>
-          </a:xfrm>
-        </p:spPr>
-        <p:txBody>
-          <a:bodyPr>
-            <a:normAutofit lnSpcReduction="10000"/>
-          </a:bodyPr>
-          <a:lstStyle/>
-          <a:p>
-            <a:r>
-              <a:rPr lang="ru-RU" dirty="0"/>
-              <a:t>Вершины - организации Новой Зеландии, которые занимаются написанием научных статей в качестве одного из видов деятельности.</a:t>
-            </a:r>
-          </a:p>
-          <a:p>
-            <a:r>
-              <a:rPr lang="ru-RU" dirty="0"/>
-              <a:t>Качественной характеристикой вершин является вид организации (государственная организации, высшее учебное заведение, коммерческое предприятие и частное некоммерческое предприятие).</a:t>
-            </a:r>
-          </a:p>
-          <a:p>
-            <a:r>
-              <a:rPr lang="ru-RU" dirty="0"/>
-              <a:t>Между </a:t>
-            </a:r>
-            <a:r>
-              <a:rPr lang="en-US" dirty="0" err="1"/>
-              <a:t>i</a:t>
-            </a:r>
-            <a:r>
-              <a:rPr lang="ru-RU" dirty="0"/>
-              <a:t>-ой и </a:t>
-            </a:r>
-            <a:r>
-              <a:rPr lang="en-US" dirty="0"/>
-              <a:t>j</a:t>
-            </a:r>
-            <a:r>
-              <a:rPr lang="ru-RU" dirty="0"/>
-              <a:t>-ой вершинами (организациями) существует ребро, если за период 2010-2015 гг. на </a:t>
-            </a:r>
-            <a:r>
-              <a:rPr lang="en-US" dirty="0"/>
-              <a:t>Scopus </a:t>
-            </a:r>
-            <a:r>
-              <a:rPr lang="ru-RU" dirty="0"/>
-              <a:t>была опубликована хотя бы одна статья, хотя бы один автор которой числится в организации </a:t>
-            </a:r>
-            <a:r>
-              <a:rPr lang="en-US" dirty="0" err="1"/>
-              <a:t>i</a:t>
-            </a:r>
-            <a:r>
-              <a:rPr lang="ru-RU" dirty="0"/>
-              <a:t>, а другой автор – в организации </a:t>
-            </a:r>
-            <a:r>
-              <a:rPr lang="en-US" dirty="0"/>
-              <a:t>j</a:t>
-            </a:r>
-            <a:r>
-              <a:rPr lang="ru-RU" dirty="0"/>
-              <a:t>.</a:t>
-            </a:r>
-          </a:p>
-          <a:p>
-            <a:r>
-              <a:rPr lang="ru-RU" dirty="0"/>
-              <a:t>Вес ребра отображает силу связи, а именно количество совместных опубликованных научных работ.</a:t>
-            </a:r>
-          </a:p>
-        </p:txBody>
-      </p:sp>
-    </p:spTree>
-    <p:extLst>
-      <p:ext uri="{BB962C8B-B14F-4D97-AF65-F5344CB8AC3E}">
-        <p14:creationId xmlns:p14="http://schemas.microsoft.com/office/powerpoint/2010/main" val="3360198896"/>
-      </p:ext>
-    </p:extLst>
-  </p:cSld>
-  <p:clrMapOvr>
-    <a:masterClrMapping/>
-  </p:clrMapOvr>
-</p:sld>
-</file>
-
-<file path=ppt/slides/slide20.xml><?xml version="1.0" encoding="utf-8"?>
-<p:sld xmlns:a="http://schemas.openxmlformats.org/drawingml/2006/main" xmlns:r="http://schemas.openxmlformats.org/officeDocument/2006/relationships" xmlns:p="http://schemas.openxmlformats.org/presentationml/2006/main">
-  <p:cSld>
-    <p:spTree>
-      <p:nvGrpSpPr>
-        <p:cNvPr id="1" name=""/>
-        <p:cNvGrpSpPr/>
-        <p:nvPr/>
-      </p:nvGrpSpPr>
-      <p:grpSpPr>
-        <a:xfrm>
-          <a:off x="0" y="0"/>
-          <a:ext cx="0" cy="0"/>
-          <a:chOff x="0" y="0"/>
-          <a:chExt cx="0" cy="0"/>
-        </a:xfrm>
-      </p:grpSpPr>
-      <p:sp>
-        <p:nvSpPr>
-          <p:cNvPr id="2" name="Заголовок 1"/>
-          <p:cNvSpPr>
-            <a:spLocks noGrp="1"/>
-          </p:cNvSpPr>
-          <p:nvPr>
-            <p:ph type="title"/>
-          </p:nvPr>
-        </p:nvSpPr>
-        <p:spPr/>
-        <p:txBody>
-          <a:bodyPr/>
-          <a:lstStyle/>
-          <a:p>
-            <a:pPr algn="ctr"/>
-            <a:r>
-              <a:rPr lang="ru-RU" dirty="0"/>
               <a:t>Центральность по кратчайшему пути и по собственному значению</a:t>
             </a:r>
           </a:p>
@@ -4518,19 +4052,7 @@
           <a:p>
             <a:r>
               <a:rPr lang="ru-RU" dirty="0"/>
-              <a:t>Минимальные значения центральностей по кратчайшему пути  - 0. </a:t>
-            </a:r>
-          </a:p>
-          <a:p>
-            <a:r>
-              <a:rPr lang="ru-RU" dirty="0"/>
-              <a:t>Максимальные центральности превышают 40 000.</a:t>
-            </a:r>
-          </a:p>
-          <a:p>
-            <a:r>
-              <a:rPr lang="ru-RU" dirty="0"/>
-              <a:t>Значительное число кратчайших путей между любыми двумя вершинами проходит именно через университет Окленда. </a:t>
+              <a:t>Значительное число кратчайших путей между любыми двумя вершинами проходит именно через университеты, входящие в топ (в том числе университет Окленда). </a:t>
             </a:r>
           </a:p>
         </p:txBody>
@@ -4554,19 +4076,7 @@
           <a:p>
             <a:r>
               <a:rPr lang="ru-RU" dirty="0"/>
-              <a:t>Минимальные значения центральностей по собственному значению  - 0. </a:t>
-            </a:r>
-          </a:p>
-          <a:p>
-            <a:r>
-              <a:rPr lang="ru-RU" dirty="0"/>
-              <a:t>Наибольшую же имеет университет Окленда. (1)</a:t>
-            </a:r>
-          </a:p>
-          <a:p>
-            <a:r>
-              <a:rPr lang="ru-RU" dirty="0"/>
-              <a:t>Высокое значение значит, что сам университет связан со многими вершинами, которые в свою очередь имеют также высокое значение центральности.</a:t>
+              <a:t>Высокое собственное значение вершин университетов означает, что сами университеты связаны со многими вершинами, которые в свою очередь имеют также высокое значение центральности.</a:t>
             </a:r>
           </a:p>
         </p:txBody>
@@ -4584,7 +4094,7 @@
 </p:sld>
 </file>
 
-<file path=ppt/slides/slide21.xml><?xml version="1.0" encoding="utf-8"?>
+<file path=ppt/slides/slide19.xml><?xml version="1.0" encoding="utf-8"?>
 <p:sld xmlns:a="http://schemas.openxmlformats.org/drawingml/2006/main" xmlns:r="http://schemas.openxmlformats.org/officeDocument/2006/relationships" xmlns:p="http://schemas.openxmlformats.org/presentationml/2006/main">
   <p:cSld>
     <p:spTree>
@@ -4743,7 +4253,152 @@
 </p:sld>
 </file>
 
-<file path=ppt/slides/slide22.xml><?xml version="1.0" encoding="utf-8"?>
+<file path=ppt/slides/slide2.xml><?xml version="1.0" encoding="utf-8"?>
+<p:sld xmlns:a="http://schemas.openxmlformats.org/drawingml/2006/main" xmlns:r="http://schemas.openxmlformats.org/officeDocument/2006/relationships" xmlns:p="http://schemas.openxmlformats.org/presentationml/2006/main">
+  <p:cSld>
+    <p:spTree>
+      <p:nvGrpSpPr>
+        <p:cNvPr id="1" name=""/>
+        <p:cNvGrpSpPr/>
+        <p:nvPr/>
+      </p:nvGrpSpPr>
+      <p:grpSpPr>
+        <a:xfrm>
+          <a:off x="0" y="0"/>
+          <a:ext cx="0" cy="0"/>
+          <a:chOff x="0" y="0"/>
+          <a:chExt cx="0" cy="0"/>
+        </a:xfrm>
+      </p:grpSpPr>
+      <p:sp>
+        <p:nvSpPr>
+          <p:cNvPr id="2" name="Заголовок 1"/>
+          <p:cNvSpPr>
+            <a:spLocks noGrp="1"/>
+          </p:cNvSpPr>
+          <p:nvPr>
+            <p:ph type="title"/>
+          </p:nvPr>
+        </p:nvSpPr>
+        <p:spPr>
+          <a:xfrm>
+            <a:off x="838200" y="164158"/>
+            <a:ext cx="10515600" cy="1325563"/>
+          </a:xfrm>
+        </p:spPr>
+        <p:txBody>
+          <a:bodyPr/>
+          <a:lstStyle/>
+          <a:p>
+            <a:pPr algn="ctr"/>
+            <a:r>
+              <a:rPr lang="ru-RU" dirty="0"/>
+              <a:t>Описание данных</a:t>
+            </a:r>
+          </a:p>
+        </p:txBody>
+      </p:sp>
+      <p:sp>
+        <p:nvSpPr>
+          <p:cNvPr id="3" name="Объект 2"/>
+          <p:cNvSpPr>
+            <a:spLocks noGrp="1"/>
+          </p:cNvSpPr>
+          <p:nvPr>
+            <p:ph idx="1"/>
+          </p:nvPr>
+        </p:nvSpPr>
+        <p:spPr>
+          <a:xfrm>
+            <a:off x="838200" y="1600253"/>
+            <a:ext cx="10515600" cy="5333110"/>
+          </a:xfrm>
+        </p:spPr>
+        <p:txBody>
+          <a:bodyPr>
+            <a:normAutofit lnSpcReduction="10000"/>
+          </a:bodyPr>
+          <a:lstStyle/>
+          <a:p>
+            <a:r>
+              <a:rPr lang="ru-RU" dirty="0"/>
+              <a:t>Вершины - организации Новой Зеландии, которые занимаются написанием научных статей в качестве одного из видов деятельности.</a:t>
+            </a:r>
+          </a:p>
+          <a:p>
+            <a:r>
+              <a:rPr lang="ru-RU" dirty="0"/>
+              <a:t>Качественной характеристикой вершин является вид организации (государственная организации, высшее учебное заведение, коммерческое предприятие и частное некоммерческое предприятие).</a:t>
+            </a:r>
+          </a:p>
+          <a:p>
+            <a:r>
+              <a:rPr lang="ru-RU" dirty="0"/>
+              <a:t>Между </a:t>
+            </a:r>
+            <a:r>
+              <a:rPr lang="en-US" dirty="0" err="1"/>
+              <a:t>i</a:t>
+            </a:r>
+            <a:r>
+              <a:rPr lang="ru-RU" dirty="0"/>
+              <a:t>-ой и </a:t>
+            </a:r>
+            <a:r>
+              <a:rPr lang="en-US" dirty="0"/>
+              <a:t>j</a:t>
+            </a:r>
+            <a:r>
+              <a:rPr lang="ru-RU" dirty="0"/>
+              <a:t>-ой вершинами (организациями) существует ребро, если за период 2010-2015 гг. на </a:t>
+            </a:r>
+            <a:r>
+              <a:rPr lang="en-US" dirty="0"/>
+              <a:t>Scopus </a:t>
+            </a:r>
+            <a:r>
+              <a:rPr lang="ru-RU" dirty="0"/>
+              <a:t>была опубликована хотя бы одна статья, хотя бы один автор которой числится в организации </a:t>
+            </a:r>
+            <a:r>
+              <a:rPr lang="en-US" dirty="0" err="1"/>
+              <a:t>i</a:t>
+            </a:r>
+            <a:r>
+              <a:rPr lang="ru-RU" dirty="0"/>
+              <a:t>, а другой автор – в организации </a:t>
+            </a:r>
+            <a:r>
+              <a:rPr lang="en-US" dirty="0"/>
+              <a:t>j</a:t>
+            </a:r>
+            <a:r>
+              <a:rPr lang="ru-RU" dirty="0"/>
+              <a:t>.</a:t>
+            </a:r>
+          </a:p>
+          <a:p>
+            <a:r>
+              <a:rPr lang="ru-RU" dirty="0"/>
+              <a:t>Вес ребра отображает силу связи, а именно количество совместных опубликованных научных работ.</a:t>
+            </a:r>
+          </a:p>
+        </p:txBody>
+      </p:sp>
+    </p:spTree>
+    <p:extLst>
+      <p:ext uri="{BB962C8B-B14F-4D97-AF65-F5344CB8AC3E}">
+        <p14:creationId xmlns:p14="http://schemas.microsoft.com/office/powerpoint/2010/main" val="3360198896"/>
+      </p:ext>
+    </p:extLst>
+  </p:cSld>
+  <p:clrMapOvr>
+    <a:masterClrMapping/>
+  </p:clrMapOvr>
+</p:sld>
+</file>
+
+<file path=ppt/slides/slide20.xml><?xml version="1.0" encoding="utf-8"?>
 <p:sld xmlns:a="http://schemas.openxmlformats.org/drawingml/2006/main" xmlns:r="http://schemas.openxmlformats.org/officeDocument/2006/relationships" xmlns:p="http://schemas.openxmlformats.org/presentationml/2006/main">
   <p:cSld>
     <p:spTree>
@@ -4868,6 +4523,197 @@
 </p:sld>
 </file>
 
+<file path=ppt/slides/slide21.xml><?xml version="1.0" encoding="utf-8"?>
+<p:sld xmlns:a="http://schemas.openxmlformats.org/drawingml/2006/main" xmlns:r="http://schemas.openxmlformats.org/officeDocument/2006/relationships" xmlns:p="http://schemas.openxmlformats.org/presentationml/2006/main">
+  <p:cSld>
+    <p:spTree>
+      <p:nvGrpSpPr>
+        <p:cNvPr id="1" name=""/>
+        <p:cNvGrpSpPr/>
+        <p:nvPr/>
+      </p:nvGrpSpPr>
+      <p:grpSpPr>
+        <a:xfrm>
+          <a:off x="0" y="0"/>
+          <a:ext cx="0" cy="0"/>
+          <a:chOff x="0" y="0"/>
+          <a:chExt cx="0" cy="0"/>
+        </a:xfrm>
+      </p:grpSpPr>
+      <p:sp>
+        <p:nvSpPr>
+          <p:cNvPr id="2" name="Заголовок 1"/>
+          <p:cNvSpPr>
+            <a:spLocks noGrp="1"/>
+          </p:cNvSpPr>
+          <p:nvPr>
+            <p:ph type="title"/>
+          </p:nvPr>
+        </p:nvSpPr>
+        <p:spPr/>
+        <p:txBody>
+          <a:bodyPr/>
+          <a:lstStyle/>
+          <a:p>
+            <a:pPr algn="ctr"/>
+            <a:r>
+              <a:rPr lang="ru-RU" dirty="0"/>
+              <a:t>Выводы по заданию 3</a:t>
+            </a:r>
+          </a:p>
+        </p:txBody>
+      </p:sp>
+      <p:sp>
+        <p:nvSpPr>
+          <p:cNvPr id="3" name="Объект 2"/>
+          <p:cNvSpPr>
+            <a:spLocks noGrp="1"/>
+          </p:cNvSpPr>
+          <p:nvPr>
+            <p:ph idx="1"/>
+          </p:nvPr>
+        </p:nvSpPr>
+        <p:spPr/>
+        <p:txBody>
+          <a:bodyPr/>
+          <a:lstStyle/>
+          <a:p>
+            <a:r>
+              <a:rPr lang="ru-RU" dirty="0"/>
+              <a:t>Сравнив топы по максимальным центральностям (за исключением топа центральностей по близости из-за малого количества соседей порядка 1), заметим, что по трем центральностям первую пятерку занимают одни и те же организации: университет Окленда, университет Отаго, университет </a:t>
+            </a:r>
+            <a:r>
+              <a:rPr lang="ru-RU" dirty="0" err="1"/>
+              <a:t>Мэсси</a:t>
+            </a:r>
+            <a:r>
+              <a:rPr lang="ru-RU" dirty="0"/>
+              <a:t>, университет </a:t>
+            </a:r>
+            <a:r>
+              <a:rPr lang="ru-RU" dirty="0" err="1"/>
+              <a:t>Кантербери</a:t>
+            </a:r>
+            <a:r>
+              <a:rPr lang="ru-RU" dirty="0"/>
+              <a:t> и Викторианский университет Веллингтона.</a:t>
+            </a:r>
+          </a:p>
+        </p:txBody>
+      </p:sp>
+    </p:spTree>
+    <p:extLst>
+      <p:ext uri="{BB962C8B-B14F-4D97-AF65-F5344CB8AC3E}">
+        <p14:creationId xmlns:p14="http://schemas.microsoft.com/office/powerpoint/2010/main" val="111096427"/>
+      </p:ext>
+    </p:extLst>
+  </p:cSld>
+  <p:clrMapOvr>
+    <a:masterClrMapping/>
+  </p:clrMapOvr>
+</p:sld>
+</file>
+
+<file path=ppt/slides/slide22.xml><?xml version="1.0" encoding="utf-8"?>
+<p:sld xmlns:a="http://schemas.openxmlformats.org/drawingml/2006/main" xmlns:r="http://schemas.openxmlformats.org/officeDocument/2006/relationships" xmlns:p="http://schemas.openxmlformats.org/presentationml/2006/main">
+  <p:cSld>
+    <p:spTree>
+      <p:nvGrpSpPr>
+        <p:cNvPr id="1" name=""/>
+        <p:cNvGrpSpPr/>
+        <p:nvPr/>
+      </p:nvGrpSpPr>
+      <p:grpSpPr>
+        <a:xfrm>
+          <a:off x="0" y="0"/>
+          <a:ext cx="0" cy="0"/>
+          <a:chOff x="0" y="0"/>
+          <a:chExt cx="0" cy="0"/>
+        </a:xfrm>
+      </p:grpSpPr>
+      <p:sp>
+        <p:nvSpPr>
+          <p:cNvPr id="2" name="Заголовок 1"/>
+          <p:cNvSpPr>
+            <a:spLocks noGrp="1"/>
+          </p:cNvSpPr>
+          <p:nvPr>
+            <p:ph type="title"/>
+          </p:nvPr>
+        </p:nvSpPr>
+        <p:spPr/>
+        <p:txBody>
+          <a:bodyPr/>
+          <a:lstStyle/>
+          <a:p>
+            <a:pPr algn="ctr"/>
+            <a:r>
+              <a:rPr lang="ru-RU" dirty="0"/>
+              <a:t>Задание 4</a:t>
+            </a:r>
+          </a:p>
+        </p:txBody>
+      </p:sp>
+      <p:sp>
+        <p:nvSpPr>
+          <p:cNvPr id="3" name="Объект 2"/>
+          <p:cNvSpPr>
+            <a:spLocks noGrp="1"/>
+          </p:cNvSpPr>
+          <p:nvPr>
+            <p:ph idx="1"/>
+          </p:nvPr>
+        </p:nvSpPr>
+        <p:spPr/>
+        <p:txBody>
+          <a:bodyPr/>
+          <a:lstStyle/>
+          <a:p>
+            <a:r>
+              <a:rPr lang="ru-RU" dirty="0">
+                <a:solidFill>
+                  <a:schemeClr val="accent5"/>
+                </a:solidFill>
+              </a:rPr>
+              <a:t>Ассортативность в графе по типу вершин = -0.059 </a:t>
+            </a:r>
+            <a:r>
+              <a:rPr lang="ru-RU" dirty="0"/>
+              <a:t>=&gt; мы не можем утверждать наличие предпочтительного присоединения узлов сети к своему типу.</a:t>
+            </a:r>
+          </a:p>
+          <a:p>
+            <a:endParaRPr lang="ru-RU" dirty="0"/>
+          </a:p>
+          <a:p>
+            <a:r>
+              <a:rPr lang="ru-RU" dirty="0">
+                <a:solidFill>
+                  <a:schemeClr val="accent5"/>
+                </a:solidFill>
+              </a:rPr>
+              <a:t>Ассортативность по степени вершины = 0.336 </a:t>
+            </a:r>
+            <a:r>
+              <a:rPr lang="ru-RU" dirty="0"/>
+              <a:t>=&gt; предпочтительное присоединение узлов к вершинам с относительно большим количеством соседей.</a:t>
+            </a:r>
+          </a:p>
+        </p:txBody>
+      </p:sp>
+    </p:spTree>
+    <p:extLst>
+      <p:ext uri="{BB962C8B-B14F-4D97-AF65-F5344CB8AC3E}">
+        <p14:creationId xmlns:p14="http://schemas.microsoft.com/office/powerpoint/2010/main" val="690799888"/>
+      </p:ext>
+    </p:extLst>
+  </p:cSld>
+  <p:clrMapOvr>
+    <a:masterClrMapping/>
+  </p:clrMapOvr>
+</p:sld>
+</file>
+
 <file path=ppt/slides/slide23.xml><?xml version="1.0" encoding="utf-8"?>
 <p:sld xmlns:a="http://schemas.openxmlformats.org/drawingml/2006/main" xmlns:r="http://schemas.openxmlformats.org/officeDocument/2006/relationships" xmlns:p="http://schemas.openxmlformats.org/presentationml/2006/main">
   <p:cSld>
@@ -4903,7 +4749,7 @@
             <a:pPr algn="ctr"/>
             <a:r>
               <a:rPr lang="ru-RU" dirty="0"/>
-              <a:t>Выводы по заданию 3</a:t>
+              <a:t>Используемый метод</a:t>
             </a:r>
           </a:p>
         </p:txBody>
@@ -4920,36 +4766,33 @@
         </p:nvSpPr>
         <p:spPr/>
         <p:txBody>
-          <a:bodyPr/>
-          <a:lstStyle/>
-          <a:p>
-            <a:r>
-              <a:rPr lang="ru-RU" dirty="0"/>
-              <a:t>Сравнив топы по максимальным центральностям (за исключением топа центральностей по близости из-за малого количества соседей порядка 1), заметим, что по трем центральностям первую пятерку занимают одни и те же организации: университет Окленда, университет Отаго, университет </a:t>
+          <a:bodyPr>
+            <a:normAutofit/>
+          </a:bodyPr>
+          <a:lstStyle/>
+          <a:p>
+            <a:r>
+              <a:rPr lang="ru-RU" dirty="0"/>
+              <a:t>Для выявления более точного эффекта предпочтительного присоединения среди университетов рассчитаем показатели </a:t>
             </a:r>
             <a:r>
               <a:rPr lang="ru-RU" dirty="0" err="1"/>
-              <a:t>Мэсси</a:t>
-            </a:r>
-            <a:r>
-              <a:rPr lang="ru-RU" dirty="0"/>
-              <a:t>, университет </a:t>
-            </a:r>
-            <a:r>
-              <a:rPr lang="ru-RU" dirty="0" err="1"/>
-              <a:t>Кантербери</a:t>
-            </a:r>
-            <a:r>
-              <a:rPr lang="ru-RU" dirty="0"/>
-              <a:t> и Викторианский университет Веллингтона.</a:t>
-            </a:r>
+              <a:t>гомофилии</a:t>
+            </a:r>
+            <a:r>
+              <a:rPr lang="ru-RU" dirty="0"/>
+              <a:t> для университетов и других типов институтов.</a:t>
+            </a:r>
+          </a:p>
+          <a:p>
+            <a:endParaRPr lang="ru-RU" dirty="0"/>
           </a:p>
         </p:txBody>
       </p:sp>
     </p:spTree>
     <p:extLst>
       <p:ext uri="{BB962C8B-B14F-4D97-AF65-F5344CB8AC3E}">
-        <p14:creationId xmlns:p14="http://schemas.microsoft.com/office/powerpoint/2010/main" val="111096427"/>
+        <p14:creationId xmlns:p14="http://schemas.microsoft.com/office/powerpoint/2010/main" val="1158450996"/>
       </p:ext>
     </p:extLst>
   </p:cSld>
@@ -4994,7 +4837,7 @@
             <a:pPr algn="ctr"/>
             <a:r>
               <a:rPr lang="ru-RU" dirty="0"/>
-              <a:t>Задание 4</a:t>
+              <a:t>Результаты расчётов</a:t>
             </a:r>
           </a:p>
         </p:txBody>
@@ -5011,37 +4854,185 @@
         </p:nvSpPr>
         <p:spPr/>
         <p:txBody>
-          <a:bodyPr/>
-          <a:lstStyle/>
-          <a:p>
+          <a:bodyPr>
+            <a:normAutofit/>
+          </a:bodyPr>
+          <a:lstStyle/>
+          <a:p>
+            <a:r>
+              <a:rPr lang="ru-RU" dirty="0"/>
+              <a:t>Соберем полученные значения </a:t>
+            </a:r>
+            <a:r>
+              <a:rPr lang="en-US" dirty="0" err="1"/>
+              <a:t>dyadicity</a:t>
+            </a:r>
+            <a:r>
+              <a:rPr lang="en-US" dirty="0"/>
+              <a:t> </a:t>
+            </a:r>
+            <a:r>
+              <a:rPr lang="ru-RU" dirty="0"/>
+              <a:t>и </a:t>
+            </a:r>
+            <a:r>
+              <a:rPr lang="en-US" dirty="0" err="1"/>
+              <a:t>heterophilicity</a:t>
+            </a:r>
+            <a:r>
+              <a:rPr lang="en-US" dirty="0"/>
+              <a:t> </a:t>
+            </a:r>
+            <a:r>
+              <a:rPr lang="ru-RU" dirty="0"/>
+              <a:t>вместе: </a:t>
+            </a:r>
+            <a:endParaRPr lang="en-US" dirty="0"/>
+          </a:p>
+          <a:p>
+            <a:pPr lvl="1"/>
+            <a:r>
+              <a:rPr lang="en-US" dirty="0"/>
+              <a:t>Higher Education vs </a:t>
+            </a:r>
+            <a:r>
+              <a:rPr lang="ru-RU" dirty="0"/>
+              <a:t>все остальные: </a:t>
+            </a:r>
+            <a:r>
+              <a:rPr lang="en-US" dirty="0" err="1">
+                <a:solidFill>
+                  <a:schemeClr val="accent5"/>
+                </a:solidFill>
+              </a:rPr>
+              <a:t>dyadicity</a:t>
+            </a:r>
+            <a:r>
+              <a:rPr lang="en-US" dirty="0">
+                <a:solidFill>
+                  <a:schemeClr val="accent5"/>
+                </a:solidFill>
+              </a:rPr>
+              <a:t>: 32.09</a:t>
+            </a:r>
             <a:r>
               <a:rPr lang="ru-RU" dirty="0">
                 <a:solidFill>
                   <a:schemeClr val="accent5"/>
                 </a:solidFill>
               </a:rPr>
-              <a:t>Ассортативность в графе по типу вершин = -0.059 </a:t>
-            </a:r>
-            <a:r>
-              <a:rPr lang="ru-RU" dirty="0"/>
-              <a:t>=&gt; мы не можем утверждать наличие предпочтительного присоединения узлов сети к своему типу.</a:t>
-            </a:r>
-          </a:p>
-          <a:p>
-            <a:endParaRPr lang="ru-RU" dirty="0"/>
-          </a:p>
-          <a:p>
-            <a:r>
-              <a:rPr lang="ru-RU" dirty="0">
+              <a:t>, </a:t>
+            </a:r>
+            <a:r>
+              <a:rPr lang="en-US" dirty="0" err="1">
                 <a:solidFill>
                   <a:schemeClr val="accent5"/>
                 </a:solidFill>
               </a:rPr>
-              <a:t>Ассортативность по степени вершины = 0.336 </a:t>
-            </a:r>
-            <a:r>
-              <a:rPr lang="ru-RU" dirty="0"/>
-              <a:t>=&gt; предпочтительное присоединение узлов к вершинам с относительно большим количеством соседей.</a:t>
+              <a:t>heterophilicity</a:t>
+            </a:r>
+            <a:r>
+              <a:rPr lang="en-US" dirty="0">
+                <a:solidFill>
+                  <a:schemeClr val="accent5"/>
+                </a:solidFill>
+              </a:rPr>
+              <a:t>: 6.96 </a:t>
+            </a:r>
+          </a:p>
+          <a:p>
+            <a:pPr lvl="1"/>
+            <a:r>
+              <a:rPr lang="en-US" dirty="0"/>
+              <a:t>Higher Education vs Business Enterprise:  </a:t>
+            </a:r>
+            <a:r>
+              <a:rPr lang="en-US" dirty="0" err="1">
+                <a:solidFill>
+                  <a:schemeClr val="accent5"/>
+                </a:solidFill>
+              </a:rPr>
+              <a:t>dyadicity</a:t>
+            </a:r>
+            <a:r>
+              <a:rPr lang="en-US" dirty="0">
+                <a:solidFill>
+                  <a:schemeClr val="accent5"/>
+                </a:solidFill>
+              </a:rPr>
+              <a:t>: 39.59, </a:t>
+            </a:r>
+            <a:r>
+              <a:rPr lang="en-US" dirty="0" err="1">
+                <a:solidFill>
+                  <a:schemeClr val="accent5"/>
+                </a:solidFill>
+              </a:rPr>
+              <a:t>heterophilicity</a:t>
+            </a:r>
+            <a:r>
+              <a:rPr lang="en-US" dirty="0">
+                <a:solidFill>
+                  <a:schemeClr val="accent5"/>
+                </a:solidFill>
+              </a:rPr>
+              <a:t>: 6.88</a:t>
+            </a:r>
+          </a:p>
+          <a:p>
+            <a:pPr lvl="1"/>
+            <a:r>
+              <a:rPr lang="en-US" dirty="0"/>
+              <a:t> Higher Education vs Government: </a:t>
+            </a:r>
+            <a:r>
+              <a:rPr lang="en-US" dirty="0" err="1"/>
+              <a:t>dyadicity</a:t>
+            </a:r>
+            <a:r>
+              <a:rPr lang="en-US" dirty="0"/>
+              <a:t>: 2.84, </a:t>
+            </a:r>
+            <a:r>
+              <a:rPr lang="en-US" dirty="0" err="1"/>
+              <a:t>heterophilicity</a:t>
+            </a:r>
+            <a:r>
+              <a:rPr lang="en-US" dirty="0"/>
+              <a:t>: 0.49</a:t>
+            </a:r>
+          </a:p>
+          <a:p>
+            <a:endParaRPr lang="en-US" dirty="0"/>
+          </a:p>
+          <a:p>
+            <a:r>
+              <a:rPr lang="ru-RU" dirty="0"/>
+              <a:t>Мы видим, что </a:t>
+            </a:r>
+            <a:r>
+              <a:rPr lang="en-US" dirty="0" err="1"/>
+              <a:t>dyadicity</a:t>
+            </a:r>
+            <a:r>
+              <a:rPr lang="en-US" dirty="0"/>
+              <a:t> </a:t>
+            </a:r>
+            <a:r>
+              <a:rPr lang="ru-RU" dirty="0"/>
+              <a:t>университетов очень высокая. При этом </a:t>
+            </a:r>
+            <a:r>
+              <a:rPr lang="en-US" dirty="0" err="1"/>
+              <a:t>heterophilicity</a:t>
+            </a:r>
+            <a:r>
+              <a:rPr lang="en-US" dirty="0"/>
+              <a:t> </a:t>
+            </a:r>
+            <a:r>
+              <a:rPr lang="ru-RU" dirty="0"/>
+              <a:t>также довольно сильно превышает 1.</a:t>
             </a:r>
           </a:p>
         </p:txBody>
@@ -5049,7 +5040,7 @@
     </p:spTree>
     <p:extLst>
       <p:ext uri="{BB962C8B-B14F-4D97-AF65-F5344CB8AC3E}">
-        <p14:creationId xmlns:p14="http://schemas.microsoft.com/office/powerpoint/2010/main" val="690799888"/>
+        <p14:creationId xmlns:p14="http://schemas.microsoft.com/office/powerpoint/2010/main" val="967163045"/>
       </p:ext>
     </p:extLst>
   </p:cSld>
@@ -5094,7 +5085,7 @@
             <a:pPr algn="ctr"/>
             <a:r>
               <a:rPr lang="ru-RU" dirty="0"/>
-              <a:t>Используемый метод</a:t>
+              <a:t>Выводы по заданию 4</a:t>
             </a:r>
           </a:p>
         </p:txBody>
@@ -5111,33 +5102,114 @@
         </p:nvSpPr>
         <p:spPr/>
         <p:txBody>
-          <a:bodyPr>
-            <a:normAutofit/>
-          </a:bodyPr>
-          <a:lstStyle/>
-          <a:p>
-            <a:r>
-              <a:rPr lang="ru-RU" dirty="0"/>
-              <a:t>Для выявления более точного эффекта предпочтительного присоединения среди университетов рассчитаем показатели </a:t>
+          <a:bodyPr/>
+          <a:lstStyle/>
+          <a:p>
+            <a:r>
+              <a:rPr lang="ru-RU" dirty="0"/>
+              <a:t>В чем может быть объяснение этой особенности данных? “</a:t>
             </a:r>
             <a:r>
               <a:rPr lang="ru-RU" dirty="0" err="1"/>
-              <a:t>гомофилии</a:t>
-            </a:r>
-            <a:r>
-              <a:rPr lang="ru-RU" dirty="0"/>
-              <a:t> для университетов и других типов институтов.</a:t>
-            </a:r>
-          </a:p>
-          <a:p>
-            <a:endParaRPr lang="ru-RU" dirty="0"/>
+              <a:t>Functional</a:t>
+            </a:r>
+            <a:r>
+              <a:rPr lang="ru-RU" dirty="0"/>
+              <a:t> </a:t>
+            </a:r>
+            <a:r>
+              <a:rPr lang="ru-RU" dirty="0" err="1"/>
+              <a:t>dyadicity</a:t>
+            </a:r>
+            <a:r>
+              <a:rPr lang="ru-RU" dirty="0"/>
+              <a:t> </a:t>
+            </a:r>
+            <a:r>
+              <a:rPr lang="ru-RU" dirty="0" err="1"/>
+              <a:t>and</a:t>
+            </a:r>
+            <a:r>
+              <a:rPr lang="ru-RU" dirty="0"/>
+              <a:t> </a:t>
+            </a:r>
+            <a:r>
+              <a:rPr lang="ru-RU" dirty="0" err="1"/>
+              <a:t>heterophilicity</a:t>
+            </a:r>
+            <a:r>
+              <a:rPr lang="ru-RU" dirty="0"/>
+              <a:t> </a:t>
+            </a:r>
+            <a:r>
+              <a:rPr lang="ru-RU" dirty="0" err="1"/>
+              <a:t>of</a:t>
+            </a:r>
+            <a:r>
+              <a:rPr lang="ru-RU" dirty="0"/>
+              <a:t> </a:t>
+            </a:r>
+            <a:r>
+              <a:rPr lang="ru-RU" dirty="0" err="1"/>
+              <a:t>gene-gene</a:t>
+            </a:r>
+            <a:r>
+              <a:rPr lang="ru-RU" dirty="0"/>
+              <a:t> </a:t>
+            </a:r>
+            <a:r>
+              <a:rPr lang="ru-RU" dirty="0" err="1"/>
+              <a:t>interactions</a:t>
+            </a:r>
+            <a:r>
+              <a:rPr lang="ru-RU" dirty="0"/>
+              <a:t> in </a:t>
+            </a:r>
+            <a:r>
+              <a:rPr lang="ru-RU" dirty="0" err="1"/>
+              <a:t>statistical</a:t>
+            </a:r>
+            <a:r>
+              <a:rPr lang="ru-RU" dirty="0"/>
+              <a:t> </a:t>
+            </a:r>
+            <a:r>
+              <a:rPr lang="ru-RU" dirty="0" err="1"/>
+              <a:t>epistasis</a:t>
+            </a:r>
+            <a:r>
+              <a:rPr lang="ru-RU" dirty="0"/>
+              <a:t> </a:t>
+            </a:r>
+            <a:r>
+              <a:rPr lang="ru-RU" dirty="0" err="1"/>
+              <a:t>networks</a:t>
+            </a:r>
+            <a:r>
+              <a:rPr lang="ru-RU" dirty="0"/>
+              <a:t>” -</a:t>
+            </a:r>
+            <a:r>
+              <a:rPr lang="en-US" dirty="0"/>
+              <a:t>&gt;</a:t>
+            </a:r>
+            <a:r>
+              <a:rPr lang="ru-RU" dirty="0"/>
+              <a:t> университеты хорошо связаны друг с другом и с вершинами другого типа.</a:t>
+            </a:r>
+          </a:p>
+          <a:p>
+            <a:r>
+              <a:rPr lang="ru-RU" dirty="0"/>
+              <a:t>Плотные связи: университеты – университеты и университеты – бизнес. </a:t>
+            </a:r>
           </a:p>
         </p:txBody>
       </p:sp>
     </p:spTree>
     <p:extLst>
       <p:ext uri="{BB962C8B-B14F-4D97-AF65-F5344CB8AC3E}">
-        <p14:creationId xmlns:p14="http://schemas.microsoft.com/office/powerpoint/2010/main" val="1158450996"/>
+        <p14:creationId xmlns:p14="http://schemas.microsoft.com/office/powerpoint/2010/main" val="2572983470"/>
       </p:ext>
     </p:extLst>
   </p:cSld>
@@ -5182,7 +5254,7 @@
             <a:pPr algn="ctr"/>
             <a:r>
               <a:rPr lang="ru-RU" dirty="0"/>
-              <a:t>Результаты расчётов</a:t>
+              <a:t>Задание 5</a:t>
             </a:r>
           </a:p>
         </p:txBody>
@@ -5206,436 +5278,19 @@
           <a:p>
             <a:r>
               <a:rPr lang="ru-RU" dirty="0"/>
-              <a:t>Соберем полученные значения </a:t>
-            </a:r>
-            <a:r>
-              <a:rPr lang="en-US" dirty="0" err="1"/>
-              <a:t>dyadicity</a:t>
-            </a:r>
-            <a:r>
-              <a:rPr lang="en-US" dirty="0"/>
-              <a:t> </a:t>
-            </a:r>
-            <a:r>
-              <a:rPr lang="ru-RU" dirty="0"/>
-              <a:t>и </a:t>
-            </a:r>
-            <a:r>
-              <a:rPr lang="en-US" dirty="0" err="1"/>
-              <a:t>heterophilicity</a:t>
-            </a:r>
-            <a:r>
-              <a:rPr lang="en-US" dirty="0"/>
-              <a:t> </a:t>
-            </a:r>
-            <a:r>
-              <a:rPr lang="ru-RU" dirty="0"/>
-              <a:t>вместе: </a:t>
-            </a:r>
-            <a:endParaRPr lang="en-US" dirty="0"/>
-          </a:p>
-          <a:p>
-            <a:pPr lvl="1"/>
-            <a:r>
-              <a:rPr lang="en-US" dirty="0"/>
-              <a:t>Higher Education vs </a:t>
-            </a:r>
-            <a:r>
-              <a:rPr lang="ru-RU" dirty="0"/>
-              <a:t>все остальные: </a:t>
-            </a:r>
-            <a:r>
-              <a:rPr lang="en-US" dirty="0" err="1">
-                <a:solidFill>
-                  <a:schemeClr val="accent5"/>
-                </a:solidFill>
-              </a:rPr>
-              <a:t>dyadicity</a:t>
-            </a:r>
-            <a:r>
-              <a:rPr lang="en-US" dirty="0">
-                <a:solidFill>
-                  <a:schemeClr val="accent5"/>
-                </a:solidFill>
-              </a:rPr>
-              <a:t>: 32.09</a:t>
-            </a:r>
-            <a:r>
-              <a:rPr lang="ru-RU" dirty="0">
-                <a:solidFill>
-                  <a:schemeClr val="accent5"/>
-                </a:solidFill>
-              </a:rPr>
-              <a:t>, </a:t>
-            </a:r>
-            <a:r>
-              <a:rPr lang="en-US" dirty="0" err="1">
-                <a:solidFill>
-                  <a:schemeClr val="accent5"/>
-                </a:solidFill>
-              </a:rPr>
-              <a:t>heterophilicity</a:t>
-            </a:r>
-            <a:r>
-              <a:rPr lang="en-US" dirty="0">
-                <a:solidFill>
-                  <a:schemeClr val="accent5"/>
-                </a:solidFill>
-              </a:rPr>
-              <a:t>: 6.96 </a:t>
-            </a:r>
-          </a:p>
-          <a:p>
-            <a:pPr lvl="1"/>
-            <a:r>
-              <a:rPr lang="en-US" dirty="0"/>
-              <a:t>Higher Education vs Business Enterprise:  </a:t>
-            </a:r>
-            <a:r>
-              <a:rPr lang="en-US" dirty="0" err="1">
-                <a:solidFill>
-                  <a:schemeClr val="accent5"/>
-                </a:solidFill>
-              </a:rPr>
-              <a:t>dyadicity</a:t>
-            </a:r>
-            <a:r>
-              <a:rPr lang="en-US" dirty="0">
-                <a:solidFill>
-                  <a:schemeClr val="accent5"/>
-                </a:solidFill>
-              </a:rPr>
-              <a:t>: 39.59, </a:t>
-            </a:r>
-            <a:r>
-              <a:rPr lang="en-US" dirty="0" err="1">
-                <a:solidFill>
-                  <a:schemeClr val="accent5"/>
-                </a:solidFill>
-              </a:rPr>
-              <a:t>heterophilicity</a:t>
-            </a:r>
-            <a:r>
-              <a:rPr lang="en-US" dirty="0">
-                <a:solidFill>
-                  <a:schemeClr val="accent5"/>
-                </a:solidFill>
-              </a:rPr>
-              <a:t>: 6.88</a:t>
-            </a:r>
-          </a:p>
-          <a:p>
-            <a:pPr lvl="1"/>
-            <a:r>
-              <a:rPr lang="en-US" dirty="0"/>
-              <a:t> Higher Education vs Government: </a:t>
-            </a:r>
-            <a:r>
-              <a:rPr lang="en-US" dirty="0" err="1"/>
-              <a:t>dyadicity</a:t>
-            </a:r>
-            <a:r>
-              <a:rPr lang="en-US" dirty="0"/>
-              <a:t>: 2.84, </a:t>
-            </a:r>
-            <a:r>
-              <a:rPr lang="en-US" dirty="0" err="1"/>
-              <a:t>heterophilicity</a:t>
-            </a:r>
-            <a:r>
-              <a:rPr lang="en-US" dirty="0"/>
-              <a:t>: 0.49</a:t>
-            </a:r>
-          </a:p>
-          <a:p>
-            <a:endParaRPr lang="en-US" dirty="0"/>
-          </a:p>
-          <a:p>
-            <a:r>
-              <a:rPr lang="ru-RU" dirty="0"/>
-              <a:t>Мы видим, что </a:t>
-            </a:r>
-            <a:r>
-              <a:rPr lang="en-US" dirty="0" err="1"/>
-              <a:t>dyadicity</a:t>
-            </a:r>
-            <a:r>
-              <a:rPr lang="en-US" dirty="0"/>
-              <a:t> </a:t>
-            </a:r>
-            <a:r>
-              <a:rPr lang="ru-RU" dirty="0"/>
-              <a:t>университетов очень высокая. При этом </a:t>
-            </a:r>
-            <a:r>
-              <a:rPr lang="en-US" dirty="0" err="1"/>
-              <a:t>heterophilicity</a:t>
-            </a:r>
-            <a:r>
-              <a:rPr lang="en-US" dirty="0"/>
-              <a:t> </a:t>
-            </a:r>
-            <a:r>
-              <a:rPr lang="ru-RU" dirty="0"/>
-              <a:t>также довольно сильно превышает 1.</a:t>
-            </a:r>
-          </a:p>
-        </p:txBody>
-      </p:sp>
-    </p:spTree>
-    <p:extLst>
-      <p:ext uri="{BB962C8B-B14F-4D97-AF65-F5344CB8AC3E}">
-        <p14:creationId xmlns:p14="http://schemas.microsoft.com/office/powerpoint/2010/main" val="967163045"/>
-      </p:ext>
-    </p:extLst>
-  </p:cSld>
-  <p:clrMapOvr>
-    <a:masterClrMapping/>
-  </p:clrMapOvr>
-</p:sld>
-</file>
-
-<file path=ppt/slides/slide27.xml><?xml version="1.0" encoding="utf-8"?>
-<p:sld xmlns:a="http://schemas.openxmlformats.org/drawingml/2006/main" xmlns:r="http://schemas.openxmlformats.org/officeDocument/2006/relationships" xmlns:p="http://schemas.openxmlformats.org/presentationml/2006/main">
-  <p:cSld>
-    <p:spTree>
-      <p:nvGrpSpPr>
-        <p:cNvPr id="1" name=""/>
-        <p:cNvGrpSpPr/>
-        <p:nvPr/>
-      </p:nvGrpSpPr>
-      <p:grpSpPr>
-        <a:xfrm>
-          <a:off x="0" y="0"/>
-          <a:ext cx="0" cy="0"/>
-          <a:chOff x="0" y="0"/>
-          <a:chExt cx="0" cy="0"/>
-        </a:xfrm>
-      </p:grpSpPr>
-      <p:sp>
-        <p:nvSpPr>
-          <p:cNvPr id="2" name="Заголовок 1"/>
-          <p:cNvSpPr>
-            <a:spLocks noGrp="1"/>
-          </p:cNvSpPr>
-          <p:nvPr>
-            <p:ph type="title"/>
-          </p:nvPr>
-        </p:nvSpPr>
-        <p:spPr/>
-        <p:txBody>
-          <a:bodyPr/>
-          <a:lstStyle/>
-          <a:p>
-            <a:pPr algn="ctr"/>
-            <a:r>
-              <a:rPr lang="ru-RU" dirty="0"/>
-              <a:t>Выводы по заданию 4</a:t>
-            </a:r>
-          </a:p>
-        </p:txBody>
-      </p:sp>
-      <p:sp>
-        <p:nvSpPr>
-          <p:cNvPr id="3" name="Объект 2"/>
-          <p:cNvSpPr>
-            <a:spLocks noGrp="1"/>
-          </p:cNvSpPr>
-          <p:nvPr>
-            <p:ph idx="1"/>
-          </p:nvPr>
-        </p:nvSpPr>
-        <p:spPr/>
-        <p:txBody>
-          <a:bodyPr/>
-          <a:lstStyle/>
-          <a:p>
-            <a:r>
-              <a:rPr lang="ru-RU" dirty="0"/>
-              <a:t>В чем может быть объяснение этой особенности данных? “</a:t>
+              <a:t>Проведем процедуру кластеризации вершин при помощи Edge-</a:t>
             </a:r>
             <a:r>
               <a:rPr lang="ru-RU" dirty="0" err="1"/>
-              <a:t>Functional</a:t>
-            </a:r>
-            <a:r>
-              <a:rPr lang="ru-RU" dirty="0"/>
-              <a:t> </a:t>
+              <a:t>betweenness</a:t>
+            </a:r>
+            <a:r>
+              <a:rPr lang="ru-RU" dirty="0"/>
+              <a:t> и Fast-</a:t>
             </a:r>
             <a:r>
               <a:rPr lang="ru-RU" dirty="0" err="1"/>
-              <a:t>dyadicity</a:t>
-            </a:r>
-            <a:r>
-              <a:rPr lang="ru-RU" dirty="0"/>
-              <a:t> </a:t>
-            </a:r>
-            <a:r>
-              <a:rPr lang="ru-RU" dirty="0" err="1"/>
-              <a:t>and</a:t>
-            </a:r>
-            <a:r>
-              <a:rPr lang="ru-RU" dirty="0"/>
-              <a:t> </a:t>
-            </a:r>
-            <a:r>
-              <a:rPr lang="ru-RU" dirty="0" err="1"/>
-              <a:t>heterophilicity</a:t>
-            </a:r>
-            <a:r>
-              <a:rPr lang="ru-RU" dirty="0"/>
-              <a:t> </a:t>
-            </a:r>
-            <a:r>
-              <a:rPr lang="ru-RU" dirty="0" err="1"/>
-              <a:t>of</a:t>
-            </a:r>
-            <a:r>
-              <a:rPr lang="ru-RU" dirty="0"/>
-              <a:t> </a:t>
-            </a:r>
-            <a:r>
-              <a:rPr lang="ru-RU" dirty="0" err="1"/>
-              <a:t>gene-gene</a:t>
-            </a:r>
-            <a:r>
-              <a:rPr lang="ru-RU" dirty="0"/>
-              <a:t> </a:t>
-            </a:r>
-            <a:r>
-              <a:rPr lang="ru-RU" dirty="0" err="1"/>
-              <a:t>interactions</a:t>
-            </a:r>
-            <a:r>
-              <a:rPr lang="ru-RU" dirty="0"/>
-              <a:t> in </a:t>
-            </a:r>
-            <a:r>
-              <a:rPr lang="ru-RU" dirty="0" err="1"/>
-              <a:t>statistical</a:t>
-            </a:r>
-            <a:r>
-              <a:rPr lang="ru-RU" dirty="0"/>
-              <a:t> </a:t>
-            </a:r>
-            <a:r>
-              <a:rPr lang="ru-RU" dirty="0" err="1"/>
-              <a:t>epistasis</a:t>
-            </a:r>
-            <a:r>
-              <a:rPr lang="ru-RU" dirty="0"/>
-              <a:t> </a:t>
-            </a:r>
-            <a:r>
-              <a:rPr lang="ru-RU" dirty="0" err="1"/>
-              <a:t>networks</a:t>
-            </a:r>
-            <a:r>
-              <a:rPr lang="ru-RU" dirty="0"/>
-              <a:t>” -</a:t>
-            </a:r>
-            <a:r>
-              <a:rPr lang="en-US" dirty="0"/>
-              <a:t>&gt;</a:t>
-            </a:r>
-            <a:r>
-              <a:rPr lang="ru-RU" dirty="0"/>
-              <a:t> университеты хорошо связаны друг с другом и с вершинами другого типа.</a:t>
-            </a:r>
-          </a:p>
-          <a:p>
-            <a:r>
-              <a:rPr lang="ru-RU" dirty="0"/>
-              <a:t>Плотные связи: университеты – университеты и университеты – бизнес. </a:t>
-            </a:r>
-          </a:p>
-        </p:txBody>
-      </p:sp>
-    </p:spTree>
-    <p:extLst>
-      <p:ext uri="{BB962C8B-B14F-4D97-AF65-F5344CB8AC3E}">
-        <p14:creationId xmlns:p14="http://schemas.microsoft.com/office/powerpoint/2010/main" val="2572983470"/>
-      </p:ext>
-    </p:extLst>
-  </p:cSld>
-  <p:clrMapOvr>
-    <a:masterClrMapping/>
-  </p:clrMapOvr>
-</p:sld>
-</file>
-
-<file path=ppt/slides/slide28.xml><?xml version="1.0" encoding="utf-8"?>
-<p:sld xmlns:a="http://schemas.openxmlformats.org/drawingml/2006/main" xmlns:r="http://schemas.openxmlformats.org/officeDocument/2006/relationships" xmlns:p="http://schemas.openxmlformats.org/presentationml/2006/main">
-  <p:cSld>
-    <p:spTree>
-      <p:nvGrpSpPr>
-        <p:cNvPr id="1" name=""/>
-        <p:cNvGrpSpPr/>
-        <p:nvPr/>
-      </p:nvGrpSpPr>
-      <p:grpSpPr>
-        <a:xfrm>
-          <a:off x="0" y="0"/>
-          <a:ext cx="0" cy="0"/>
-          <a:chOff x="0" y="0"/>
-          <a:chExt cx="0" cy="0"/>
-        </a:xfrm>
-      </p:grpSpPr>
-      <p:sp>
-        <p:nvSpPr>
-          <p:cNvPr id="2" name="Заголовок 1"/>
-          <p:cNvSpPr>
-            <a:spLocks noGrp="1"/>
-          </p:cNvSpPr>
-          <p:nvPr>
-            <p:ph type="title"/>
-          </p:nvPr>
-        </p:nvSpPr>
-        <p:spPr/>
-        <p:txBody>
-          <a:bodyPr/>
-          <a:lstStyle/>
-          <a:p>
-            <a:pPr algn="ctr"/>
-            <a:r>
-              <a:rPr lang="ru-RU" dirty="0"/>
-              <a:t>Задание 5</a:t>
-            </a:r>
-          </a:p>
-        </p:txBody>
-      </p:sp>
-      <p:sp>
-        <p:nvSpPr>
-          <p:cNvPr id="3" name="Объект 2"/>
-          <p:cNvSpPr>
-            <a:spLocks noGrp="1"/>
-          </p:cNvSpPr>
-          <p:nvPr>
-            <p:ph idx="1"/>
-          </p:nvPr>
-        </p:nvSpPr>
-        <p:spPr/>
-        <p:txBody>
-          <a:bodyPr>
-            <a:normAutofit/>
-          </a:bodyPr>
-          <a:lstStyle/>
-          <a:p>
-            <a:r>
-              <a:rPr lang="ru-RU" dirty="0"/>
-              <a:t>Проведем процедуру кластеризации вершин при помощи </a:t>
-            </a:r>
-            <a:r>
-              <a:rPr lang="ru-RU" dirty="0" err="1"/>
-              <a:t>Edge-betweenness</a:t>
-            </a:r>
-            <a:r>
-              <a:rPr lang="ru-RU" dirty="0"/>
-              <a:t> и </a:t>
-            </a:r>
-            <a:r>
-              <a:rPr lang="ru-RU" dirty="0" err="1"/>
-              <a:t>Fast-greedy</a:t>
+              <a:t>greedy</a:t>
             </a:r>
             <a:r>
               <a:rPr lang="ru-RU" dirty="0"/>
@@ -5663,7 +5318,7 @@
 </p:sld>
 </file>
 
-<file path=ppt/slides/slide29.xml><?xml version="1.0" encoding="utf-8"?>
+<file path=ppt/slides/slide27.xml><?xml version="1.0" encoding="utf-8"?>
 <p:sld xmlns:a="http://schemas.openxmlformats.org/drawingml/2006/main" xmlns:r="http://schemas.openxmlformats.org/officeDocument/2006/relationships" xmlns:p="http://schemas.openxmlformats.org/presentationml/2006/main">
   <p:cSld>
     <p:spTree>
@@ -5846,106 +5501,7 @@
 </p:sld>
 </file>
 
-<file path=ppt/slides/slide3.xml><?xml version="1.0" encoding="utf-8"?>
-<p:sld xmlns:a="http://schemas.openxmlformats.org/drawingml/2006/main" xmlns:r="http://schemas.openxmlformats.org/officeDocument/2006/relationships" xmlns:p="http://schemas.openxmlformats.org/presentationml/2006/main">
-  <p:cSld>
-    <p:spTree>
-      <p:nvGrpSpPr>
-        <p:cNvPr id="1" name=""/>
-        <p:cNvGrpSpPr/>
-        <p:nvPr/>
-      </p:nvGrpSpPr>
-      <p:grpSpPr>
-        <a:xfrm>
-          <a:off x="0" y="0"/>
-          <a:ext cx="0" cy="0"/>
-          <a:chOff x="0" y="0"/>
-          <a:chExt cx="0" cy="0"/>
-        </a:xfrm>
-      </p:grpSpPr>
-      <p:sp>
-        <p:nvSpPr>
-          <p:cNvPr id="2" name="Заголовок 1"/>
-          <p:cNvSpPr>
-            <a:spLocks noGrp="1"/>
-          </p:cNvSpPr>
-          <p:nvPr>
-            <p:ph type="title"/>
-          </p:nvPr>
-        </p:nvSpPr>
-        <p:spPr/>
-        <p:txBody>
-          <a:bodyPr/>
-          <a:lstStyle/>
-          <a:p>
-            <a:pPr algn="ctr"/>
-            <a:r>
-              <a:rPr lang="ru-RU" dirty="0"/>
-              <a:t>Исследовательский вопрос</a:t>
-            </a:r>
-          </a:p>
-        </p:txBody>
-      </p:sp>
-      <p:sp>
-        <p:nvSpPr>
-          <p:cNvPr id="3" name="Объект 2"/>
-          <p:cNvSpPr>
-            <a:spLocks noGrp="1"/>
-          </p:cNvSpPr>
-          <p:nvPr>
-            <p:ph idx="1"/>
-          </p:nvPr>
-        </p:nvSpPr>
-        <p:spPr/>
-        <p:txBody>
-          <a:bodyPr/>
-          <a:lstStyle/>
-          <a:p>
-            <a:r>
-              <a:rPr lang="ru-RU" dirty="0"/>
-              <a:t>Какие есть способы улучшения взаимодействия учреждений высшего образования Новой Зеландии (если это вообще требуется)?</a:t>
-            </a:r>
-            <a:r>
-              <a:rPr lang="en-US" dirty="0"/>
-              <a:t> </a:t>
-            </a:r>
-            <a:endParaRPr lang="ru-RU" dirty="0"/>
-          </a:p>
-          <a:p>
-            <a:r>
-              <a:rPr lang="ru-RU" dirty="0"/>
-              <a:t>Наше исследование показывает, что возможно повысить эффективность небольших университетов посредством увеличения сотрудничества с крупными, которые в свою очередь имеют тесное сотрудничество с бизнесом.</a:t>
-            </a:r>
-            <a:r>
-              <a:rPr lang="en-US" dirty="0"/>
-              <a:t> (</a:t>
-            </a:r>
-            <a:r>
-              <a:rPr lang="en-US" dirty="0" err="1"/>
-              <a:t>Aref</a:t>
-            </a:r>
-            <a:r>
-              <a:rPr lang="en-US" dirty="0"/>
-              <a:t> et al, 2017)</a:t>
-            </a:r>
-            <a:endParaRPr lang="ru-RU" dirty="0"/>
-          </a:p>
-        </p:txBody>
-      </p:sp>
-    </p:spTree>
-    <p:extLst>
-      <p:ext uri="{BB962C8B-B14F-4D97-AF65-F5344CB8AC3E}">
-        <p14:creationId xmlns:p14="http://schemas.microsoft.com/office/powerpoint/2010/main" val="1680338232"/>
-      </p:ext>
-    </p:extLst>
-  </p:cSld>
-  <p:clrMapOvr>
-    <a:masterClrMapping/>
-  </p:clrMapOvr>
-</p:sld>
-</file>
-
-<file path=ppt/slides/slide30.xml><?xml version="1.0" encoding="utf-8"?>
+<file path=ppt/slides/slide28.xml><?xml version="1.0" encoding="utf-8"?>
 <p:sld xmlns:a="http://schemas.openxmlformats.org/drawingml/2006/main" xmlns:r="http://schemas.openxmlformats.org/officeDocument/2006/relationships" xmlns:p="http://schemas.openxmlformats.org/presentationml/2006/main">
   <p:cSld>
     <p:spTree>
@@ -6120,6 +5676,306 @@
 </p:sld>
 </file>
 
+<file path=ppt/slides/slide29.xml><?xml version="1.0" encoding="utf-8"?>
+<p:sld xmlns:a="http://schemas.openxmlformats.org/drawingml/2006/main" xmlns:r="http://schemas.openxmlformats.org/officeDocument/2006/relationships" xmlns:p="http://schemas.openxmlformats.org/presentationml/2006/main">
+  <p:cSld>
+    <p:spTree>
+      <p:nvGrpSpPr>
+        <p:cNvPr id="1" name=""/>
+        <p:cNvGrpSpPr/>
+        <p:nvPr/>
+      </p:nvGrpSpPr>
+      <p:grpSpPr>
+        <a:xfrm>
+          <a:off x="0" y="0"/>
+          <a:ext cx="0" cy="0"/>
+          <a:chOff x="0" y="0"/>
+          <a:chExt cx="0" cy="0"/>
+        </a:xfrm>
+      </p:grpSpPr>
+      <p:sp>
+        <p:nvSpPr>
+          <p:cNvPr id="2" name="Заголовок 1"/>
+          <p:cNvSpPr>
+            <a:spLocks noGrp="1"/>
+          </p:cNvSpPr>
+          <p:nvPr>
+            <p:ph type="title"/>
+          </p:nvPr>
+        </p:nvSpPr>
+        <p:spPr/>
+        <p:txBody>
+          <a:bodyPr/>
+          <a:lstStyle/>
+          <a:p>
+            <a:pPr algn="ctr"/>
+            <a:r>
+              <a:rPr lang="ru-RU" dirty="0"/>
+              <a:t>Выводы по заданию 5</a:t>
+            </a:r>
+          </a:p>
+        </p:txBody>
+      </p:sp>
+      <p:sp>
+        <p:nvSpPr>
+          <p:cNvPr id="3" name="Объект 2"/>
+          <p:cNvSpPr>
+            <a:spLocks noGrp="1"/>
+          </p:cNvSpPr>
+          <p:nvPr>
+            <p:ph idx="1"/>
+          </p:nvPr>
+        </p:nvSpPr>
+        <p:spPr/>
+        <p:txBody>
+          <a:bodyPr/>
+          <a:lstStyle/>
+          <a:p>
+            <a:r>
+              <a:rPr lang="ru-RU" dirty="0"/>
+              <a:t>Известные нам способы кластеризации (</a:t>
+            </a:r>
+            <a:r>
+              <a:rPr lang="ru-RU" dirty="0" err="1"/>
+              <a:t>Edge-betweenness</a:t>
+            </a:r>
+            <a:r>
+              <a:rPr lang="ru-RU" dirty="0"/>
+              <a:t> и </a:t>
+            </a:r>
+            <a:r>
+              <a:rPr lang="ru-RU" dirty="0" err="1"/>
+              <a:t>Fast-greedy</a:t>
+            </a:r>
+            <a:r>
+              <a:rPr lang="ru-RU" dirty="0"/>
+              <a:t>) не дали результата, похожего на имеющуюся в </a:t>
+            </a:r>
+            <a:r>
+              <a:rPr lang="ru-RU" dirty="0" err="1"/>
+              <a:t>датасете</a:t>
+            </a:r>
+            <a:r>
+              <a:rPr lang="ru-RU" dirty="0"/>
+              <a:t> классификацию.</a:t>
+            </a:r>
+          </a:p>
+        </p:txBody>
+      </p:sp>
+    </p:spTree>
+    <p:extLst>
+      <p:ext uri="{BB962C8B-B14F-4D97-AF65-F5344CB8AC3E}">
+        <p14:creationId xmlns:p14="http://schemas.microsoft.com/office/powerpoint/2010/main" val="3360895658"/>
+      </p:ext>
+    </p:extLst>
+  </p:cSld>
+  <p:clrMapOvr>
+    <a:masterClrMapping/>
+  </p:clrMapOvr>
+</p:sld>
+</file>
+
+<file path=ppt/slides/slide3.xml><?xml version="1.0" encoding="utf-8"?>
+<p:sld xmlns:a="http://schemas.openxmlformats.org/drawingml/2006/main" xmlns:r="http://schemas.openxmlformats.org/officeDocument/2006/relationships" xmlns:p="http://schemas.openxmlformats.org/presentationml/2006/main">
+  <p:cSld>
+    <p:spTree>
+      <p:nvGrpSpPr>
+        <p:cNvPr id="1" name=""/>
+        <p:cNvGrpSpPr/>
+        <p:nvPr/>
+      </p:nvGrpSpPr>
+      <p:grpSpPr>
+        <a:xfrm>
+          <a:off x="0" y="0"/>
+          <a:ext cx="0" cy="0"/>
+          <a:chOff x="0" y="0"/>
+          <a:chExt cx="0" cy="0"/>
+        </a:xfrm>
+      </p:grpSpPr>
+      <p:sp>
+        <p:nvSpPr>
+          <p:cNvPr id="2" name="Заголовок 1"/>
+          <p:cNvSpPr>
+            <a:spLocks noGrp="1"/>
+          </p:cNvSpPr>
+          <p:nvPr>
+            <p:ph type="title"/>
+          </p:nvPr>
+        </p:nvSpPr>
+        <p:spPr/>
+        <p:txBody>
+          <a:bodyPr/>
+          <a:lstStyle/>
+          <a:p>
+            <a:pPr algn="ctr"/>
+            <a:r>
+              <a:rPr lang="ru-RU" dirty="0"/>
+              <a:t>Исследовательский вопрос</a:t>
+            </a:r>
+          </a:p>
+        </p:txBody>
+      </p:sp>
+      <p:sp>
+        <p:nvSpPr>
+          <p:cNvPr id="3" name="Объект 2"/>
+          <p:cNvSpPr>
+            <a:spLocks noGrp="1"/>
+          </p:cNvSpPr>
+          <p:nvPr>
+            <p:ph idx="1"/>
+          </p:nvPr>
+        </p:nvSpPr>
+        <p:spPr/>
+        <p:txBody>
+          <a:bodyPr/>
+          <a:lstStyle/>
+          <a:p>
+            <a:r>
+              <a:rPr lang="ru-RU" dirty="0"/>
+              <a:t>Какие есть способы улучшения взаимодействия учреждений высшего образования Новой Зеландии (если это вообще требуется)?</a:t>
+            </a:r>
+            <a:r>
+              <a:rPr lang="en-US" dirty="0"/>
+              <a:t> </a:t>
+            </a:r>
+            <a:endParaRPr lang="ru-RU" dirty="0"/>
+          </a:p>
+          <a:p>
+            <a:r>
+              <a:rPr lang="ru-RU" dirty="0"/>
+              <a:t>Наше исследование показывает, что возможно повысить эффективность небольших университетов посредством увеличения сотрудничества с крупными, которые в свою очередь имеют тесное сотрудничество с бизнесом.</a:t>
+            </a:r>
+            <a:r>
+              <a:rPr lang="en-US" dirty="0"/>
+              <a:t> (</a:t>
+            </a:r>
+            <a:r>
+              <a:rPr lang="en-US" dirty="0" err="1"/>
+              <a:t>Aref</a:t>
+            </a:r>
+            <a:r>
+              <a:rPr lang="en-US" dirty="0"/>
+              <a:t> et al, 2017)</a:t>
+            </a:r>
+            <a:endParaRPr lang="ru-RU" dirty="0"/>
+          </a:p>
+        </p:txBody>
+      </p:sp>
+    </p:spTree>
+    <p:extLst>
+      <p:ext uri="{BB962C8B-B14F-4D97-AF65-F5344CB8AC3E}">
+        <p14:creationId xmlns:p14="http://schemas.microsoft.com/office/powerpoint/2010/main" val="1680338232"/>
+      </p:ext>
+    </p:extLst>
+  </p:cSld>
+  <p:clrMapOvr>
+    <a:masterClrMapping/>
+  </p:clrMapOvr>
+</p:sld>
+</file>
+
+<file path=ppt/slides/slide30.xml><?xml version="1.0" encoding="utf-8"?>
+<p:sld xmlns:a="http://schemas.openxmlformats.org/drawingml/2006/main" xmlns:r="http://schemas.openxmlformats.org/officeDocument/2006/relationships" xmlns:p="http://schemas.openxmlformats.org/presentationml/2006/main">
+  <p:cSld>
+    <p:spTree>
+      <p:nvGrpSpPr>
+        <p:cNvPr id="1" name=""/>
+        <p:cNvGrpSpPr/>
+        <p:nvPr/>
+      </p:nvGrpSpPr>
+      <p:grpSpPr>
+        <a:xfrm>
+          <a:off x="0" y="0"/>
+          <a:ext cx="0" cy="0"/>
+          <a:chOff x="0" y="0"/>
+          <a:chExt cx="0" cy="0"/>
+        </a:xfrm>
+      </p:grpSpPr>
+      <p:sp>
+        <p:nvSpPr>
+          <p:cNvPr id="2" name="Заголовок 1"/>
+          <p:cNvSpPr>
+            <a:spLocks noGrp="1"/>
+          </p:cNvSpPr>
+          <p:nvPr>
+            <p:ph type="title"/>
+          </p:nvPr>
+        </p:nvSpPr>
+        <p:spPr/>
+        <p:txBody>
+          <a:bodyPr/>
+          <a:lstStyle/>
+          <a:p>
+            <a:pPr algn="ctr"/>
+            <a:r>
+              <a:rPr lang="ru-RU" dirty="0"/>
+              <a:t>Задание 6</a:t>
+            </a:r>
+          </a:p>
+        </p:txBody>
+      </p:sp>
+      <p:sp>
+        <p:nvSpPr>
+          <p:cNvPr id="3" name="Объект 2"/>
+          <p:cNvSpPr>
+            <a:spLocks noGrp="1"/>
+          </p:cNvSpPr>
+          <p:nvPr>
+            <p:ph idx="1"/>
+          </p:nvPr>
+        </p:nvSpPr>
+        <p:spPr/>
+        <p:txBody>
+          <a:bodyPr/>
+          <a:lstStyle/>
+          <a:p>
+            <a:r>
+              <a:rPr lang="ru-RU" dirty="0"/>
+              <a:t>Исследовательский вопрос: насколько активно при написании научных работ университеты Новой Зеландии взаимодействуют с другими типами организаций, нужно ли им как-то в этом способствовать извне. </a:t>
+            </a:r>
+          </a:p>
+          <a:p>
+            <a:r>
+              <a:rPr lang="ru-RU" dirty="0"/>
+              <a:t>Для ответа на заданный вопрос нам может помочь модель предсказания класса вершин </a:t>
+            </a:r>
+            <a:r>
+              <a:rPr lang="ru-RU" i="1" dirty="0" err="1"/>
+              <a:t>Relational</a:t>
+            </a:r>
+            <a:r>
+              <a:rPr lang="ru-RU" i="1" dirty="0"/>
+              <a:t> </a:t>
+            </a:r>
+            <a:r>
+              <a:rPr lang="ru-RU" i="1" dirty="0" err="1"/>
+              <a:t>Neighbors</a:t>
+            </a:r>
+            <a:r>
+              <a:rPr lang="ru-RU" i="1" dirty="0"/>
+              <a:t> </a:t>
+            </a:r>
+            <a:r>
+              <a:rPr lang="ru-RU" i="1" dirty="0" err="1"/>
+              <a:t>Classifier</a:t>
+            </a:r>
+            <a:endParaRPr lang="ru-RU" dirty="0"/>
+          </a:p>
+        </p:txBody>
+      </p:sp>
+    </p:spTree>
+    <p:extLst>
+      <p:ext uri="{BB962C8B-B14F-4D97-AF65-F5344CB8AC3E}">
+        <p14:creationId xmlns:p14="http://schemas.microsoft.com/office/powerpoint/2010/main" val="2368284056"/>
+      </p:ext>
+    </p:extLst>
+  </p:cSld>
+  <p:clrMapOvr>
+    <a:masterClrMapping/>
+  </p:clrMapOvr>
+</p:sld>
+</file>
+
 <file path=ppt/slides/slide31.xml><?xml version="1.0" encoding="utf-8"?>
 <p:sld xmlns:a="http://schemas.openxmlformats.org/drawingml/2006/main" xmlns:r="http://schemas.openxmlformats.org/officeDocument/2006/relationships" xmlns:p="http://schemas.openxmlformats.org/presentationml/2006/main">
   <p:cSld>
@@ -6155,207 +6011,6 @@
             <a:pPr algn="ctr"/>
             <a:r>
               <a:rPr lang="ru-RU" dirty="0"/>
-              <a:t>Выводы по заданию 5</a:t>
-            </a:r>
-          </a:p>
-        </p:txBody>
-      </p:sp>
-      <p:sp>
-        <p:nvSpPr>
-          <p:cNvPr id="3" name="Объект 2"/>
-          <p:cNvSpPr>
-            <a:spLocks noGrp="1"/>
-          </p:cNvSpPr>
-          <p:nvPr>
-            <p:ph idx="1"/>
-          </p:nvPr>
-        </p:nvSpPr>
-        <p:spPr/>
-        <p:txBody>
-          <a:bodyPr/>
-          <a:lstStyle/>
-          <a:p>
-            <a:r>
-              <a:rPr lang="ru-RU" dirty="0"/>
-              <a:t>Известные нам способы кластеризации (</a:t>
-            </a:r>
-            <a:r>
-              <a:rPr lang="ru-RU" dirty="0" err="1"/>
-              <a:t>Edge-betweenness</a:t>
-            </a:r>
-            <a:r>
-              <a:rPr lang="ru-RU" dirty="0"/>
-              <a:t> и </a:t>
-            </a:r>
-            <a:r>
-              <a:rPr lang="ru-RU" dirty="0" err="1"/>
-              <a:t>Fast-greedy</a:t>
-            </a:r>
-            <a:r>
-              <a:rPr lang="ru-RU" dirty="0"/>
-              <a:t>) не дали результата, похожего на имеющуюся в </a:t>
-            </a:r>
-            <a:r>
-              <a:rPr lang="ru-RU" dirty="0" err="1"/>
-              <a:t>датасете</a:t>
-            </a:r>
-            <a:r>
-              <a:rPr lang="ru-RU" dirty="0"/>
-              <a:t> классификацию.</a:t>
-            </a:r>
-          </a:p>
-        </p:txBody>
-      </p:sp>
-    </p:spTree>
-    <p:extLst>
-      <p:ext uri="{BB962C8B-B14F-4D97-AF65-F5344CB8AC3E}">
-        <p14:creationId xmlns:p14="http://schemas.microsoft.com/office/powerpoint/2010/main" val="3360895658"/>
-      </p:ext>
-    </p:extLst>
-  </p:cSld>
-  <p:clrMapOvr>
-    <a:masterClrMapping/>
-  </p:clrMapOvr>
-</p:sld>
-</file>
-
-<file path=ppt/slides/slide32.xml><?xml version="1.0" encoding="utf-8"?>
-<p:sld xmlns:a="http://schemas.openxmlformats.org/drawingml/2006/main" xmlns:r="http://schemas.openxmlformats.org/officeDocument/2006/relationships" xmlns:p="http://schemas.openxmlformats.org/presentationml/2006/main">
-  <p:cSld>
-    <p:spTree>
-      <p:nvGrpSpPr>
-        <p:cNvPr id="1" name=""/>
-        <p:cNvGrpSpPr/>
-        <p:nvPr/>
-      </p:nvGrpSpPr>
-      <p:grpSpPr>
-        <a:xfrm>
-          <a:off x="0" y="0"/>
-          <a:ext cx="0" cy="0"/>
-          <a:chOff x="0" y="0"/>
-          <a:chExt cx="0" cy="0"/>
-        </a:xfrm>
-      </p:grpSpPr>
-      <p:sp>
-        <p:nvSpPr>
-          <p:cNvPr id="2" name="Заголовок 1"/>
-          <p:cNvSpPr>
-            <a:spLocks noGrp="1"/>
-          </p:cNvSpPr>
-          <p:nvPr>
-            <p:ph type="title"/>
-          </p:nvPr>
-        </p:nvSpPr>
-        <p:spPr/>
-        <p:txBody>
-          <a:bodyPr/>
-          <a:lstStyle/>
-          <a:p>
-            <a:pPr algn="ctr"/>
-            <a:r>
-              <a:rPr lang="ru-RU" dirty="0"/>
-              <a:t>Задание 6</a:t>
-            </a:r>
-          </a:p>
-        </p:txBody>
-      </p:sp>
-      <p:sp>
-        <p:nvSpPr>
-          <p:cNvPr id="3" name="Объект 2"/>
-          <p:cNvSpPr>
-            <a:spLocks noGrp="1"/>
-          </p:cNvSpPr>
-          <p:nvPr>
-            <p:ph idx="1"/>
-          </p:nvPr>
-        </p:nvSpPr>
-        <p:spPr/>
-        <p:txBody>
-          <a:bodyPr/>
-          <a:lstStyle/>
-          <a:p>
-            <a:r>
-              <a:rPr lang="ru-RU" dirty="0"/>
-              <a:t>Исследовательский вопрос: насколько активно при написании научных работ университеты Новой Зеландии взаимодействуют с другими типами организаций, нужно ли им как-то в этом способствовать извне. </a:t>
-            </a:r>
-          </a:p>
-          <a:p>
-            <a:r>
-              <a:rPr lang="ru-RU" dirty="0"/>
-              <a:t>Для ответа на заданный вопрос нам может помочь модель предсказания класса вершин </a:t>
-            </a:r>
-            <a:r>
-              <a:rPr lang="ru-RU" i="1" dirty="0" err="1"/>
-              <a:t>Relational</a:t>
-            </a:r>
-            <a:r>
-              <a:rPr lang="ru-RU" i="1" dirty="0"/>
-              <a:t> </a:t>
-            </a:r>
-            <a:r>
-              <a:rPr lang="ru-RU" i="1" dirty="0" err="1"/>
-              <a:t>Neighbors</a:t>
-            </a:r>
-            <a:r>
-              <a:rPr lang="ru-RU" i="1" dirty="0"/>
-              <a:t> </a:t>
-            </a:r>
-            <a:r>
-              <a:rPr lang="ru-RU" i="1" dirty="0" err="1"/>
-              <a:t>Classifier</a:t>
-            </a:r>
-            <a:endParaRPr lang="ru-RU" dirty="0"/>
-          </a:p>
-        </p:txBody>
-      </p:sp>
-    </p:spTree>
-    <p:extLst>
-      <p:ext uri="{BB962C8B-B14F-4D97-AF65-F5344CB8AC3E}">
-        <p14:creationId xmlns:p14="http://schemas.microsoft.com/office/powerpoint/2010/main" val="2368284056"/>
-      </p:ext>
-    </p:extLst>
-  </p:cSld>
-  <p:clrMapOvr>
-    <a:masterClrMapping/>
-  </p:clrMapOvr>
-</p:sld>
-</file>
-
-<file path=ppt/slides/slide33.xml><?xml version="1.0" encoding="utf-8"?>
-<p:sld xmlns:a="http://schemas.openxmlformats.org/drawingml/2006/main" xmlns:r="http://schemas.openxmlformats.org/officeDocument/2006/relationships" xmlns:p="http://schemas.openxmlformats.org/presentationml/2006/main">
-  <p:cSld>
-    <p:spTree>
-      <p:nvGrpSpPr>
-        <p:cNvPr id="1" name=""/>
-        <p:cNvGrpSpPr/>
-        <p:nvPr/>
-      </p:nvGrpSpPr>
-      <p:grpSpPr>
-        <a:xfrm>
-          <a:off x="0" y="0"/>
-          <a:ext cx="0" cy="0"/>
-          <a:chOff x="0" y="0"/>
-          <a:chExt cx="0" cy="0"/>
-        </a:xfrm>
-      </p:grpSpPr>
-      <p:sp>
-        <p:nvSpPr>
-          <p:cNvPr id="2" name="Заголовок 1"/>
-          <p:cNvSpPr>
-            <a:spLocks noGrp="1"/>
-          </p:cNvSpPr>
-          <p:nvPr>
-            <p:ph type="title"/>
-          </p:nvPr>
-        </p:nvSpPr>
-        <p:spPr/>
-        <p:txBody>
-          <a:bodyPr/>
-          <a:lstStyle/>
-          <a:p>
-            <a:pPr algn="ctr"/>
-            <a:r>
-              <a:rPr lang="ru-RU" dirty="0"/>
               <a:t>Используемый метод</a:t>
             </a:r>
           </a:p>
@@ -6389,7 +6044,7 @@
           <a:p>
             <a:r>
               <a:rPr lang="ru-RU" dirty="0"/>
-              <a:t>Во избежание случайности повторим этот алгоритм 100 раз и построим гистограмму распределения числа предсказанных университетов, а также гистограмму распределения средних вероятностей принадлежности группе университетов.</a:t>
+              <a:t>Во избежание случайности повторим этот алгоритм 20 раз и построим гистограмму распределения числа предсказанных университетов, а также гистограмму распределения средних вероятностей принадлежности группе университетов.</a:t>
             </a:r>
           </a:p>
         </p:txBody>
@@ -6407,7 +6062,7 @@
 </p:sld>
 </file>
 
-<file path=ppt/slides/slide34.xml><?xml version="1.0" encoding="utf-8"?>
+<file path=ppt/slides/slide32.xml><?xml version="1.0" encoding="utf-8"?>
 <p:sld xmlns:a="http://schemas.openxmlformats.org/drawingml/2006/main" xmlns:r="http://schemas.openxmlformats.org/officeDocument/2006/relationships" xmlns:p="http://schemas.openxmlformats.org/presentationml/2006/main">
   <p:cSld>
     <p:spTree>
@@ -6508,7 +6163,7 @@
 </p:sld>
 </file>
 
-<file path=ppt/slides/slide35.xml><?xml version="1.0" encoding="utf-8"?>
+<file path=ppt/slides/slide33.xml><?xml version="1.0" encoding="utf-8"?>
 <p:sld xmlns:a="http://schemas.openxmlformats.org/drawingml/2006/main" xmlns:r="http://schemas.openxmlformats.org/officeDocument/2006/relationships" xmlns:p="http://schemas.openxmlformats.org/presentationml/2006/main">
   <p:cSld>
     <p:spTree>
@@ -6588,7 +6243,7 @@
 </p:sld>
 </file>
 
-<file path=ppt/slides/slide36.xml><?xml version="1.0" encoding="utf-8"?>
+<file path=ppt/slides/slide34.xml><?xml version="1.0" encoding="utf-8"?>
 <p:sld xmlns:a="http://schemas.openxmlformats.org/drawingml/2006/main" xmlns:r="http://schemas.openxmlformats.org/officeDocument/2006/relationships" xmlns:p="http://schemas.openxmlformats.org/presentationml/2006/main">
   <p:cSld>
     <p:spTree>
@@ -6693,7 +6348,7 @@
 </p:sld>
 </file>
 
-<file path=ppt/slides/slide37.xml><?xml version="1.0" encoding="utf-8"?>
+<file path=ppt/slides/slide35.xml><?xml version="1.0" encoding="utf-8"?>
 <p:sld xmlns:a="http://schemas.openxmlformats.org/drawingml/2006/main" xmlns:r="http://schemas.openxmlformats.org/officeDocument/2006/relationships" xmlns:p="http://schemas.openxmlformats.org/presentationml/2006/main">
   <p:cSld>
     <p:spTree>
